--- a/00-Intro/Course methodology.pptx
+++ b/00-Intro/Course methodology.pptx
@@ -5,7 +5,7 @@
     <p:sldMasterId id="2147483648" r:id="rId1"/>
   </p:sldMasterIdLst>
   <p:notesMasterIdLst>
-    <p:notesMasterId r:id="rId16"/>
+    <p:notesMasterId r:id="rId19"/>
   </p:notesMasterIdLst>
   <p:sldIdLst>
     <p:sldId id="256" r:id="rId2"/>
@@ -21,7 +21,10 @@
     <p:sldId id="270" r:id="rId12"/>
     <p:sldId id="271" r:id="rId13"/>
     <p:sldId id="272" r:id="rId14"/>
-    <p:sldId id="274" r:id="rId15"/>
+    <p:sldId id="275" r:id="rId15"/>
+    <p:sldId id="276" r:id="rId16"/>
+    <p:sldId id="277" r:id="rId17"/>
+    <p:sldId id="274" r:id="rId18"/>
   </p:sldIdLst>
   <p:sldSz cx="12192000" cy="6858000"/>
   <p:notesSz cx="6858000" cy="9144000"/>
@@ -10721,12 +10724,12 @@
         </a:fontRef>
       </dsp:style>
       <dsp:txBody>
-        <a:bodyPr spcFirstLastPara="0" vert="horz" wrap="square" lIns="21590" tIns="21590" rIns="21590" bIns="21590" numCol="1" spcCol="1270" anchor="ctr" anchorCtr="0">
+        <a:bodyPr spcFirstLastPara="0" vert="horz" wrap="square" lIns="19050" tIns="19050" rIns="19050" bIns="19050" numCol="1" spcCol="1270" anchor="ctr" anchorCtr="0">
           <a:noAutofit/>
         </a:bodyPr>
         <a:lstStyle/>
         <a:p>
-          <a:pPr marL="0" lvl="0" indent="0" algn="ctr" defTabSz="755650">
+          <a:pPr marL="0" lvl="0" indent="0" algn="ctr" defTabSz="666750">
             <a:lnSpc>
               <a:spcPct val="90000"/>
             </a:lnSpc>
@@ -10739,10 +10742,10 @@
             <a:buNone/>
           </a:pPr>
           <a:r>
-            <a:rPr lang="he-IL" sz="1700" kern="1200" dirty="0"/>
+            <a:rPr lang="he-IL" sz="1500" kern="1200" dirty="0"/>
             <a:t>עניין</a:t>
           </a:r>
-          <a:endParaRPr lang="en-US" sz="1700" kern="1200" dirty="0"/>
+          <a:endParaRPr lang="en-US" sz="1500" kern="1200" dirty="0"/>
         </a:p>
       </dsp:txBody>
       <dsp:txXfrm>
@@ -10838,7 +10841,7 @@
         </a:bodyPr>
         <a:lstStyle/>
         <a:p>
-          <a:pPr marL="0" lvl="0" indent="0" algn="ctr" defTabSz="577850">
+          <a:pPr marL="0" lvl="0" indent="0" algn="ctr" defTabSz="533400">
             <a:lnSpc>
               <a:spcPct val="90000"/>
             </a:lnSpc>
@@ -10850,7 +10853,7 @@
             </a:spcAft>
             <a:buNone/>
           </a:pPr>
-          <a:endParaRPr lang="en-US" sz="1300" kern="1200"/>
+          <a:endParaRPr lang="en-US" sz="1200" kern="1200"/>
         </a:p>
       </dsp:txBody>
       <dsp:txXfrm>
@@ -10935,12 +10938,12 @@
         </a:fontRef>
       </dsp:style>
       <dsp:txBody>
-        <a:bodyPr spcFirstLastPara="0" vert="horz" wrap="square" lIns="21590" tIns="21590" rIns="21590" bIns="21590" numCol="1" spcCol="1270" anchor="ctr" anchorCtr="0">
+        <a:bodyPr spcFirstLastPara="0" vert="horz" wrap="square" lIns="19050" tIns="19050" rIns="19050" bIns="19050" numCol="1" spcCol="1270" anchor="ctr" anchorCtr="0">
           <a:noAutofit/>
         </a:bodyPr>
         <a:lstStyle/>
         <a:p>
-          <a:pPr marL="0" lvl="0" indent="0" algn="ctr" defTabSz="755650">
+          <a:pPr marL="0" lvl="0" indent="0" algn="ctr" defTabSz="666750">
             <a:lnSpc>
               <a:spcPct val="90000"/>
             </a:lnSpc>
@@ -10953,10 +10956,10 @@
             <a:buNone/>
           </a:pPr>
           <a:r>
-            <a:rPr lang="he-IL" sz="1700" kern="1200" dirty="0"/>
+            <a:rPr lang="he-IL" sz="1500" kern="1200" dirty="0"/>
             <a:t>איך עושים זאת</a:t>
           </a:r>
-          <a:endParaRPr lang="en-US" sz="1700" kern="1200" dirty="0"/>
+          <a:endParaRPr lang="en-US" sz="1500" kern="1200" dirty="0"/>
         </a:p>
       </dsp:txBody>
       <dsp:txXfrm>
@@ -11052,7 +11055,7 @@
         </a:bodyPr>
         <a:lstStyle/>
         <a:p>
-          <a:pPr marL="0" lvl="0" indent="0" algn="ctr" defTabSz="577850">
+          <a:pPr marL="0" lvl="0" indent="0" algn="ctr" defTabSz="533400">
             <a:lnSpc>
               <a:spcPct val="90000"/>
             </a:lnSpc>
@@ -11064,7 +11067,7 @@
             </a:spcAft>
             <a:buNone/>
           </a:pPr>
-          <a:endParaRPr lang="en-US" sz="1300" kern="1200"/>
+          <a:endParaRPr lang="en-US" sz="1200" kern="1200"/>
         </a:p>
       </dsp:txBody>
       <dsp:txXfrm>
@@ -11149,12 +11152,12 @@
         </a:fontRef>
       </dsp:style>
       <dsp:txBody>
-        <a:bodyPr spcFirstLastPara="0" vert="horz" wrap="square" lIns="21590" tIns="21590" rIns="21590" bIns="21590" numCol="1" spcCol="1270" anchor="ctr" anchorCtr="0">
+        <a:bodyPr spcFirstLastPara="0" vert="horz" wrap="square" lIns="19050" tIns="19050" rIns="19050" bIns="19050" numCol="1" spcCol="1270" anchor="ctr" anchorCtr="0">
           <a:noAutofit/>
         </a:bodyPr>
         <a:lstStyle/>
         <a:p>
-          <a:pPr marL="0" lvl="0" indent="0" algn="ctr" defTabSz="755650">
+          <a:pPr marL="0" lvl="0" indent="0" algn="ctr" defTabSz="666750">
             <a:lnSpc>
               <a:spcPct val="90000"/>
             </a:lnSpc>
@@ -11167,10 +11170,10 @@
             <a:buNone/>
           </a:pPr>
           <a:r>
-            <a:rPr lang="he-IL" sz="1700" kern="1200" dirty="0"/>
+            <a:rPr lang="he-IL" sz="1500" kern="1200" dirty="0"/>
             <a:t>ניסיון</a:t>
           </a:r>
-          <a:endParaRPr lang="en-US" sz="1700" kern="1200" dirty="0"/>
+          <a:endParaRPr lang="en-US" sz="1500" kern="1200" dirty="0"/>
         </a:p>
       </dsp:txBody>
       <dsp:txXfrm>
@@ -11266,7 +11269,7 @@
         </a:bodyPr>
         <a:lstStyle/>
         <a:p>
-          <a:pPr marL="0" lvl="0" indent="0" algn="ctr" defTabSz="577850">
+          <a:pPr marL="0" lvl="0" indent="0" algn="ctr" defTabSz="533400">
             <a:lnSpc>
               <a:spcPct val="90000"/>
             </a:lnSpc>
@@ -11278,7 +11281,7 @@
             </a:spcAft>
             <a:buNone/>
           </a:pPr>
-          <a:endParaRPr lang="en-US" sz="1300" kern="1200"/>
+          <a:endParaRPr lang="en-US" sz="1200" kern="1200"/>
         </a:p>
       </dsp:txBody>
       <dsp:txXfrm rot="10800000">
@@ -11363,12 +11366,12 @@
         </a:fontRef>
       </dsp:style>
       <dsp:txBody>
-        <a:bodyPr spcFirstLastPara="0" vert="horz" wrap="square" lIns="21590" tIns="21590" rIns="21590" bIns="21590" numCol="1" spcCol="1270" anchor="ctr" anchorCtr="0">
+        <a:bodyPr spcFirstLastPara="0" vert="horz" wrap="square" lIns="19050" tIns="19050" rIns="19050" bIns="19050" numCol="1" spcCol="1270" anchor="ctr" anchorCtr="0">
           <a:noAutofit/>
         </a:bodyPr>
         <a:lstStyle/>
         <a:p>
-          <a:pPr marL="0" lvl="0" indent="0" algn="ctr" defTabSz="755650">
+          <a:pPr marL="0" lvl="0" indent="0" algn="ctr" defTabSz="666750">
             <a:lnSpc>
               <a:spcPct val="90000"/>
             </a:lnSpc>
@@ -11381,10 +11384,10 @@
             <a:buNone/>
           </a:pPr>
           <a:r>
-            <a:rPr lang="he-IL" sz="1700" kern="1200" dirty="0"/>
+            <a:rPr lang="he-IL" sz="1500" kern="1200" dirty="0"/>
             <a:t>טעות</a:t>
           </a:r>
-          <a:endParaRPr lang="en-US" sz="1700" kern="1200" dirty="0"/>
+          <a:endParaRPr lang="en-US" sz="1500" kern="1200" dirty="0"/>
         </a:p>
       </dsp:txBody>
       <dsp:txXfrm>
@@ -11480,7 +11483,7 @@
         </a:bodyPr>
         <a:lstStyle/>
         <a:p>
-          <a:pPr marL="0" lvl="0" indent="0" algn="ctr" defTabSz="577850">
+          <a:pPr marL="0" lvl="0" indent="0" algn="ctr" defTabSz="533400">
             <a:lnSpc>
               <a:spcPct val="90000"/>
             </a:lnSpc>
@@ -11492,7 +11495,7 @@
             </a:spcAft>
             <a:buNone/>
           </a:pPr>
-          <a:endParaRPr lang="en-US" sz="1300" kern="1200"/>
+          <a:endParaRPr lang="en-US" sz="1200" kern="1200"/>
         </a:p>
       </dsp:txBody>
       <dsp:txXfrm rot="10800000">
@@ -11577,12 +11580,12 @@
         </a:fontRef>
       </dsp:style>
       <dsp:txBody>
-        <a:bodyPr spcFirstLastPara="0" vert="horz" wrap="square" lIns="21590" tIns="21590" rIns="21590" bIns="21590" numCol="1" spcCol="1270" anchor="ctr" anchorCtr="0">
+        <a:bodyPr spcFirstLastPara="0" vert="horz" wrap="square" lIns="19050" tIns="19050" rIns="19050" bIns="19050" numCol="1" spcCol="1270" anchor="ctr" anchorCtr="0">
           <a:noAutofit/>
         </a:bodyPr>
         <a:lstStyle/>
         <a:p>
-          <a:pPr marL="0" lvl="0" indent="0" algn="ctr" defTabSz="755650">
+          <a:pPr marL="0" lvl="0" indent="0" algn="ctr" defTabSz="666750">
             <a:lnSpc>
               <a:spcPct val="90000"/>
             </a:lnSpc>
@@ -11595,10 +11598,10 @@
             <a:buNone/>
           </a:pPr>
           <a:r>
-            <a:rPr lang="he-IL" sz="1700" kern="1200" dirty="0"/>
+            <a:rPr lang="he-IL" sz="1500" kern="1200" dirty="0"/>
             <a:t>לימוד קבוצתי מהטעות</a:t>
           </a:r>
-          <a:endParaRPr lang="en-US" sz="1700" kern="1200" dirty="0"/>
+          <a:endParaRPr lang="en-US" sz="1500" kern="1200" dirty="0"/>
         </a:p>
       </dsp:txBody>
       <dsp:txXfrm>
@@ -11694,7 +11697,7 @@
         </a:bodyPr>
         <a:lstStyle/>
         <a:p>
-          <a:pPr marL="0" lvl="0" indent="0" algn="ctr" defTabSz="577850">
+          <a:pPr marL="0" lvl="0" indent="0" algn="ctr" defTabSz="533400">
             <a:lnSpc>
               <a:spcPct val="90000"/>
             </a:lnSpc>
@@ -11706,7 +11709,7 @@
             </a:spcAft>
             <a:buNone/>
           </a:pPr>
-          <a:endParaRPr lang="en-US" sz="1300" kern="1200"/>
+          <a:endParaRPr lang="en-US" sz="1200" kern="1200"/>
         </a:p>
       </dsp:txBody>
       <dsp:txXfrm>
@@ -11791,12 +11794,12 @@
         </a:fontRef>
       </dsp:style>
       <dsp:txBody>
-        <a:bodyPr spcFirstLastPara="0" vert="horz" wrap="square" lIns="21590" tIns="21590" rIns="21590" bIns="21590" numCol="1" spcCol="1270" anchor="ctr" anchorCtr="0">
+        <a:bodyPr spcFirstLastPara="0" vert="horz" wrap="square" lIns="19050" tIns="19050" rIns="19050" bIns="19050" numCol="1" spcCol="1270" anchor="ctr" anchorCtr="0">
           <a:noAutofit/>
         </a:bodyPr>
         <a:lstStyle/>
         <a:p>
-          <a:pPr marL="0" lvl="0" indent="0" algn="ctr" defTabSz="755650">
+          <a:pPr marL="0" lvl="0" indent="0" algn="ctr" defTabSz="666750">
             <a:lnSpc>
               <a:spcPct val="90000"/>
             </a:lnSpc>
@@ -11809,10 +11812,10 @@
             <a:buNone/>
           </a:pPr>
           <a:r>
-            <a:rPr lang="he-IL" sz="1700" kern="1200" dirty="0"/>
+            <a:rPr lang="he-IL" sz="1500" kern="1200" dirty="0"/>
             <a:t>שיפור</a:t>
           </a:r>
-          <a:endParaRPr lang="en-US" sz="1700" kern="1200" dirty="0"/>
+          <a:endParaRPr lang="en-US" sz="1500" kern="1200" dirty="0"/>
         </a:p>
       </dsp:txBody>
       <dsp:txXfrm>
@@ -11908,7 +11911,7 @@
         </a:bodyPr>
         <a:lstStyle/>
         <a:p>
-          <a:pPr marL="0" lvl="0" indent="0" algn="ctr" defTabSz="577850">
+          <a:pPr marL="0" lvl="0" indent="0" algn="ctr" defTabSz="533400">
             <a:lnSpc>
               <a:spcPct val="90000"/>
             </a:lnSpc>
@@ -11920,7 +11923,7 @@
             </a:spcAft>
             <a:buNone/>
           </a:pPr>
-          <a:endParaRPr lang="en-US" sz="1300" kern="1200"/>
+          <a:endParaRPr lang="en-US" sz="1200" kern="1200"/>
         </a:p>
       </dsp:txBody>
       <dsp:txXfrm>
@@ -11987,7 +11990,7 @@
       </dsp:nvSpPr>
       <dsp:spPr>
         <a:xfrm>
-          <a:off x="5905183" y="1024890"/>
+          <a:off x="5883151" y="1024890"/>
           <a:ext cx="2628423" cy="1366520"/>
         </a:xfrm>
         <a:prstGeom prst="roundRect">
@@ -12030,12 +12033,12 @@
         </a:fontRef>
       </dsp:style>
       <dsp:txBody>
-        <a:bodyPr spcFirstLastPara="0" vert="horz" wrap="square" lIns="133350" tIns="133350" rIns="133350" bIns="133350" numCol="1" spcCol="1270" anchor="ctr" anchorCtr="0">
+        <a:bodyPr spcFirstLastPara="0" vert="horz" wrap="square" lIns="129540" tIns="129540" rIns="129540" bIns="129540" numCol="1" spcCol="1270" anchor="ctr" anchorCtr="0">
           <a:noAutofit/>
         </a:bodyPr>
         <a:lstStyle/>
         <a:p>
-          <a:pPr marL="0" lvl="0" indent="0" algn="ctr" defTabSz="1555750">
+          <a:pPr marL="0" lvl="0" indent="0" algn="ctr" defTabSz="1511300">
             <a:lnSpc>
               <a:spcPct val="90000"/>
             </a:lnSpc>
@@ -12048,14 +12051,14 @@
             <a:buNone/>
           </a:pPr>
           <a:r>
-            <a:rPr lang="he-IL" sz="3500" kern="1200" dirty="0"/>
+            <a:rPr lang="he-IL" sz="3400" kern="1200" dirty="0"/>
             <a:t>חלקים</a:t>
           </a:r>
-          <a:endParaRPr lang="en-US" sz="3500" kern="1200" dirty="0"/>
+          <a:endParaRPr lang="en-US" sz="3400" kern="1200" dirty="0"/>
         </a:p>
       </dsp:txBody>
       <dsp:txXfrm>
-        <a:off x="5971891" y="1091598"/>
+        <a:off x="5949859" y="1091598"/>
         <a:ext cx="2495007" cy="1233104"/>
       </dsp:txXfrm>
     </dsp:sp>
@@ -12109,12 +12112,12 @@
         </a:fontRef>
       </dsp:style>
       <dsp:txBody>
-        <a:bodyPr spcFirstLastPara="0" vert="horz" wrap="square" lIns="133350" tIns="133350" rIns="133350" bIns="133350" numCol="1" spcCol="1270" anchor="ctr" anchorCtr="0">
+        <a:bodyPr spcFirstLastPara="0" vert="horz" wrap="square" lIns="129540" tIns="129540" rIns="129540" bIns="129540" numCol="1" spcCol="1270" anchor="ctr" anchorCtr="0">
           <a:noAutofit/>
         </a:bodyPr>
         <a:lstStyle/>
         <a:p>
-          <a:pPr marL="0" lvl="0" indent="0" algn="ctr" defTabSz="1555750">
+          <a:pPr marL="0" lvl="0" indent="0" algn="ctr" defTabSz="1511300">
             <a:lnSpc>
               <a:spcPct val="90000"/>
             </a:lnSpc>
@@ -12127,10 +12130,10 @@
             <a:buNone/>
           </a:pPr>
           <a:r>
-            <a:rPr lang="he-IL" sz="3500" kern="1200" dirty="0"/>
+            <a:rPr lang="he-IL" sz="3400" kern="1200" dirty="0"/>
             <a:t>פרויקטים שתבחרו</a:t>
           </a:r>
-          <a:endParaRPr lang="en-US" sz="3500" kern="1200" dirty="0"/>
+          <a:endParaRPr lang="en-US" sz="3400" kern="1200" dirty="0"/>
         </a:p>
       </dsp:txBody>
       <dsp:txXfrm>
@@ -12145,7 +12148,7 @@
       </dsp:nvSpPr>
       <dsp:spPr>
         <a:xfrm>
-          <a:off x="227805" y="1024890"/>
+          <a:off x="249837" y="1024890"/>
           <a:ext cx="2628423" cy="1366520"/>
         </a:xfrm>
         <a:prstGeom prst="roundRect">
@@ -12188,12 +12191,12 @@
         </a:fontRef>
       </dsp:style>
       <dsp:txBody>
-        <a:bodyPr spcFirstLastPara="0" vert="horz" wrap="square" lIns="133350" tIns="133350" rIns="133350" bIns="133350" numCol="1" spcCol="1270" anchor="ctr" anchorCtr="0">
+        <a:bodyPr spcFirstLastPara="0" vert="horz" wrap="square" lIns="129540" tIns="129540" rIns="129540" bIns="129540" numCol="1" spcCol="1270" anchor="ctr" anchorCtr="0">
           <a:noAutofit/>
         </a:bodyPr>
         <a:lstStyle/>
         <a:p>
-          <a:pPr marL="0" lvl="0" indent="0" algn="ctr" defTabSz="1555750">
+          <a:pPr marL="0" lvl="0" indent="0" algn="ctr" defTabSz="1511300">
             <a:lnSpc>
               <a:spcPct val="90000"/>
             </a:lnSpc>
@@ -12206,18 +12209,18 @@
             <a:buNone/>
           </a:pPr>
           <a:r>
-            <a:rPr lang="he-IL" sz="3500" kern="1200" dirty="0"/>
+            <a:rPr lang="he-IL" sz="3400" kern="1200" dirty="0"/>
             <a:t>פיתוח </a:t>
           </a:r>
           <a:r>
-            <a:rPr lang="he-IL" sz="3500" kern="1200" dirty="0" err="1"/>
+            <a:rPr lang="he-IL" sz="3400" kern="1200" dirty="0" err="1"/>
             <a:t>בתעשיה</a:t>
           </a:r>
-          <a:endParaRPr lang="en-US" sz="3500" kern="1200" dirty="0"/>
+          <a:endParaRPr lang="en-US" sz="3400" kern="1200" dirty="0"/>
         </a:p>
       </dsp:txBody>
       <dsp:txXfrm>
-        <a:off x="294513" y="1091598"/>
+        <a:off x="316545" y="1091598"/>
         <a:ext cx="2495007" cy="1233104"/>
       </dsp:txXfrm>
     </dsp:sp>
@@ -16186,8 +16189,8 @@
       </dsp:nvSpPr>
       <dsp:spPr>
         <a:xfrm>
-          <a:off x="5950167" y="1024890"/>
-          <a:ext cx="2809085" cy="1366520"/>
+          <a:off x="5932991" y="1024890"/>
+          <a:ext cx="2820079" cy="1366520"/>
         </a:xfrm>
         <a:prstGeom prst="roundRect">
           <a:avLst/>
@@ -16229,12 +16232,12 @@
         </a:fontRef>
       </dsp:style>
       <dsp:txBody>
-        <a:bodyPr spcFirstLastPara="0" vert="horz" wrap="square" lIns="102870" tIns="102870" rIns="102870" bIns="102870" numCol="1" spcCol="1270" anchor="ctr" anchorCtr="0">
+        <a:bodyPr spcFirstLastPara="0" vert="horz" wrap="square" lIns="87630" tIns="87630" rIns="87630" bIns="87630" numCol="1" spcCol="1270" anchor="ctr" anchorCtr="0">
           <a:noAutofit/>
         </a:bodyPr>
         <a:lstStyle/>
         <a:p>
-          <a:pPr marL="0" lvl="0" indent="0" algn="ctr" defTabSz="1200150">
+          <a:pPr marL="0" lvl="0" indent="0" algn="ctr" defTabSz="1022350">
             <a:lnSpc>
               <a:spcPct val="90000"/>
             </a:lnSpc>
@@ -16247,15 +16250,15 @@
             <a:buNone/>
           </a:pPr>
           <a:r>
-            <a:rPr lang="he-IL" sz="2700" kern="1200" dirty="0"/>
+            <a:rPr lang="he-IL" sz="2300" kern="1200" dirty="0"/>
             <a:t>חלקים</a:t>
           </a:r>
-          <a:endParaRPr lang="en-US" sz="2700" kern="1200" dirty="0"/>
+          <a:endParaRPr lang="en-US" sz="2300" kern="1200" dirty="0"/>
         </a:p>
       </dsp:txBody>
       <dsp:txXfrm>
-        <a:off x="6016875" y="1091598"/>
-        <a:ext cx="2675669" cy="1233104"/>
+        <a:off x="5999699" y="1091598"/>
+        <a:ext cx="2686663" cy="1233104"/>
       </dsp:txXfrm>
     </dsp:sp>
     <dsp:sp modelId="{4E1E5F36-4C47-4B2F-A95C-FCBB11A30577}">
@@ -16265,8 +16268,8 @@
       </dsp:nvSpPr>
       <dsp:spPr>
         <a:xfrm>
-          <a:off x="2976163" y="1024890"/>
-          <a:ext cx="2809085" cy="1366520"/>
+          <a:off x="2970666" y="1024890"/>
+          <a:ext cx="2820079" cy="1366520"/>
         </a:xfrm>
         <a:prstGeom prst="roundRect">
           <a:avLst/>
@@ -16308,12 +16311,12 @@
         </a:fontRef>
       </dsp:style>
       <dsp:txBody>
-        <a:bodyPr spcFirstLastPara="0" vert="horz" wrap="square" lIns="102870" tIns="102870" rIns="102870" bIns="102870" numCol="1" spcCol="1270" anchor="ctr" anchorCtr="0">
+        <a:bodyPr spcFirstLastPara="0" vert="horz" wrap="square" lIns="87630" tIns="87630" rIns="87630" bIns="87630" numCol="1" spcCol="1270" anchor="ctr" anchorCtr="0">
           <a:noAutofit/>
         </a:bodyPr>
         <a:lstStyle/>
         <a:p>
-          <a:pPr marL="0" lvl="0" indent="0" algn="ctr" defTabSz="1200150">
+          <a:pPr marL="0" lvl="0" indent="0" algn="ctr" defTabSz="1022350">
             <a:lnSpc>
               <a:spcPct val="90000"/>
             </a:lnSpc>
@@ -16326,15 +16329,15 @@
             <a:buNone/>
           </a:pPr>
           <a:r>
-            <a:rPr lang="he-IL" sz="2700" kern="1200" dirty="0"/>
+            <a:rPr lang="he-IL" sz="2300" kern="1200" dirty="0"/>
             <a:t>פרויקטים שתבחרו</a:t>
           </a:r>
-          <a:endParaRPr lang="en-US" sz="2700" kern="1200" dirty="0"/>
+          <a:endParaRPr lang="en-US" sz="2300" kern="1200" dirty="0"/>
         </a:p>
       </dsp:txBody>
       <dsp:txXfrm>
-        <a:off x="3042871" y="1091598"/>
-        <a:ext cx="2675669" cy="1233104"/>
+        <a:off x="3037374" y="1091598"/>
+        <a:ext cx="2686663" cy="1233104"/>
       </dsp:txXfrm>
     </dsp:sp>
     <dsp:sp modelId="{1E1835AC-BC52-4FA3-8E86-A179AFA99438}">
@@ -16344,8 +16347,8 @@
       </dsp:nvSpPr>
       <dsp:spPr>
         <a:xfrm>
-          <a:off x="2160" y="1024890"/>
-          <a:ext cx="2809085" cy="1366520"/>
+          <a:off x="8342" y="1024890"/>
+          <a:ext cx="2820079" cy="1366520"/>
         </a:xfrm>
         <a:prstGeom prst="roundRect">
           <a:avLst/>
@@ -16387,12 +16390,12 @@
         </a:fontRef>
       </dsp:style>
       <dsp:txBody>
-        <a:bodyPr spcFirstLastPara="0" vert="horz" wrap="square" lIns="102870" tIns="102870" rIns="102870" bIns="102870" numCol="1" spcCol="1270" anchor="ctr" anchorCtr="0">
+        <a:bodyPr spcFirstLastPara="0" vert="horz" wrap="square" lIns="87630" tIns="87630" rIns="87630" bIns="87630" numCol="1" spcCol="1270" anchor="ctr" anchorCtr="0">
           <a:noAutofit/>
         </a:bodyPr>
         <a:lstStyle/>
         <a:p>
-          <a:pPr marL="0" lvl="0" indent="0" algn="ctr" defTabSz="1200150">
+          <a:pPr marL="0" lvl="0" indent="0" algn="ctr" defTabSz="1022350">
             <a:lnSpc>
               <a:spcPct val="90000"/>
             </a:lnSpc>
@@ -16405,23 +16408,23 @@
             <a:buNone/>
           </a:pPr>
           <a:r>
-            <a:rPr lang="he-IL" sz="2700" kern="1200" dirty="0"/>
+            <a:rPr lang="he-IL" sz="2300" kern="1200" dirty="0"/>
             <a:t>פיתוח </a:t>
           </a:r>
           <a:r>
-            <a:rPr lang="he-IL" sz="2700" kern="1200" dirty="0" err="1"/>
+            <a:rPr lang="he-IL" sz="2300" kern="1200" dirty="0" err="1"/>
             <a:t>לסטארטאפ</a:t>
           </a:r>
           <a:r>
-            <a:rPr lang="he-IL" sz="2700" kern="1200" dirty="0"/>
+            <a:rPr lang="he-IL" sz="2300" kern="1200" dirty="0"/>
             <a:t>/חברה</a:t>
           </a:r>
-          <a:endParaRPr lang="en-US" sz="2700" kern="1200" dirty="0"/>
+          <a:endParaRPr lang="en-US" sz="2300" kern="1200" dirty="0"/>
         </a:p>
       </dsp:txBody>
       <dsp:txXfrm>
-        <a:off x="68868" y="1091598"/>
-        <a:ext cx="2675669" cy="1233104"/>
+        <a:off x="75050" y="1091598"/>
+        <a:ext cx="2686663" cy="1233104"/>
       </dsp:txXfrm>
     </dsp:sp>
   </dsp:spTree>
@@ -32005,7 +32008,7 @@
           <a:p>
             <a:fld id="{8DE0CCD8-1C46-E145-B78A-0978D6A1FF02}" type="datetimeFigureOut">
               <a:rPr lang="en-IL" smtClean="0"/>
-              <a:t>28/03/2024</a:t>
+              <a:t>05/01/2024</a:t>
             </a:fld>
             <a:endParaRPr lang="en-IL"/>
           </a:p>
@@ -32506,7 +32509,7 @@
           <a:p>
             <a:fld id="{9E2EEBD9-8E66-144E-9700-42DA0637B9B5}" type="datetimeFigureOut">
               <a:rPr lang="en-IL" smtClean="0"/>
-              <a:t>28/03/2024</a:t>
+              <a:t>05/01/2024</a:t>
             </a:fld>
             <a:endParaRPr lang="en-IL"/>
           </a:p>
@@ -32706,7 +32709,7 @@
           <a:p>
             <a:fld id="{9E2EEBD9-8E66-144E-9700-42DA0637B9B5}" type="datetimeFigureOut">
               <a:rPr lang="en-IL" smtClean="0"/>
-              <a:t>28/03/2024</a:t>
+              <a:t>05/01/2024</a:t>
             </a:fld>
             <a:endParaRPr lang="en-IL"/>
           </a:p>
@@ -32916,7 +32919,7 @@
           <a:p>
             <a:fld id="{9E2EEBD9-8E66-144E-9700-42DA0637B9B5}" type="datetimeFigureOut">
               <a:rPr lang="en-IL" smtClean="0"/>
-              <a:t>28/03/2024</a:t>
+              <a:t>05/01/2024</a:t>
             </a:fld>
             <a:endParaRPr lang="en-IL"/>
           </a:p>
@@ -33116,7 +33119,7 @@
           <a:p>
             <a:fld id="{9E2EEBD9-8E66-144E-9700-42DA0637B9B5}" type="datetimeFigureOut">
               <a:rPr lang="en-IL" smtClean="0"/>
-              <a:t>28/03/2024</a:t>
+              <a:t>05/01/2024</a:t>
             </a:fld>
             <a:endParaRPr lang="en-IL"/>
           </a:p>
@@ -33392,7 +33395,7 @@
           <a:p>
             <a:fld id="{9E2EEBD9-8E66-144E-9700-42DA0637B9B5}" type="datetimeFigureOut">
               <a:rPr lang="en-IL" smtClean="0"/>
-              <a:t>28/03/2024</a:t>
+              <a:t>05/01/2024</a:t>
             </a:fld>
             <a:endParaRPr lang="en-IL"/>
           </a:p>
@@ -33660,7 +33663,7 @@
           <a:p>
             <a:fld id="{9E2EEBD9-8E66-144E-9700-42DA0637B9B5}" type="datetimeFigureOut">
               <a:rPr lang="en-IL" smtClean="0"/>
-              <a:t>28/03/2024</a:t>
+              <a:t>05/01/2024</a:t>
             </a:fld>
             <a:endParaRPr lang="en-IL"/>
           </a:p>
@@ -34075,7 +34078,7 @@
           <a:p>
             <a:fld id="{9E2EEBD9-8E66-144E-9700-42DA0637B9B5}" type="datetimeFigureOut">
               <a:rPr lang="en-IL" smtClean="0"/>
-              <a:t>28/03/2024</a:t>
+              <a:t>05/01/2024</a:t>
             </a:fld>
             <a:endParaRPr lang="en-IL"/>
           </a:p>
@@ -34217,7 +34220,7 @@
           <a:p>
             <a:fld id="{9E2EEBD9-8E66-144E-9700-42DA0637B9B5}" type="datetimeFigureOut">
               <a:rPr lang="en-IL" smtClean="0"/>
-              <a:t>28/03/2024</a:t>
+              <a:t>05/01/2024</a:t>
             </a:fld>
             <a:endParaRPr lang="en-IL"/>
           </a:p>
@@ -34330,7 +34333,7 @@
           <a:p>
             <a:fld id="{9E2EEBD9-8E66-144E-9700-42DA0637B9B5}" type="datetimeFigureOut">
               <a:rPr lang="en-IL" smtClean="0"/>
-              <a:t>28/03/2024</a:t>
+              <a:t>05/01/2024</a:t>
             </a:fld>
             <a:endParaRPr lang="en-IL"/>
           </a:p>
@@ -34643,7 +34646,7 @@
           <a:p>
             <a:fld id="{9E2EEBD9-8E66-144E-9700-42DA0637B9B5}" type="datetimeFigureOut">
               <a:rPr lang="en-IL" smtClean="0"/>
-              <a:t>28/03/2024</a:t>
+              <a:t>05/01/2024</a:t>
             </a:fld>
             <a:endParaRPr lang="en-IL"/>
           </a:p>
@@ -34932,7 +34935,7 @@
           <a:p>
             <a:fld id="{9E2EEBD9-8E66-144E-9700-42DA0637B9B5}" type="datetimeFigureOut">
               <a:rPr lang="en-IL" smtClean="0"/>
-              <a:t>28/03/2024</a:t>
+              <a:t>05/01/2024</a:t>
             </a:fld>
             <a:endParaRPr lang="en-IL"/>
           </a:p>
@@ -35175,7 +35178,7 @@
           <a:p>
             <a:fld id="{9E2EEBD9-8E66-144E-9700-42DA0637B9B5}" type="datetimeFigureOut">
               <a:rPr lang="en-IL" smtClean="0"/>
-              <a:t>28/03/2024</a:t>
+              <a:t>05/01/2024</a:t>
             </a:fld>
             <a:endParaRPr lang="en-IL"/>
           </a:p>
@@ -40328,7 +40331,7 @@
         </p:spPr>
         <p:txBody>
           <a:bodyPr vert="horz" lIns="91440" tIns="45720" rIns="91440" bIns="45720" rtlCol="0" anchor="ctr">
-            <a:normAutofit/>
+            <a:normAutofit fontScale="90000"/>
           </a:bodyPr>
           <a:lstStyle/>
           <a:p>
@@ -40469,7 +40472,7 @@
         </p:spPr>
         <p:txBody>
           <a:bodyPr vert="horz" lIns="91440" tIns="45720" rIns="91440" bIns="45720" rtlCol="0" anchor="b">
-            <a:normAutofit/>
+            <a:normAutofit fontScale="90000"/>
           </a:bodyPr>
           <a:lstStyle/>
           <a:p>
@@ -41426,6 +41429,27 @@
               <a:buAutoNum type="arabicPeriod"/>
             </a:pPr>
             <a:r>
+              <a:rPr lang="he-IL" sz="2000" b="1" dirty="0"/>
+              <a:t>להשתמש ב-</a:t>
+            </a:r>
+            <a:r>
+              <a:rPr lang="en-US" sz="2000" b="1" dirty="0"/>
+              <a:t>AI</a:t>
+            </a:r>
+            <a:r>
+              <a:rPr lang="he-IL" sz="2000" b="1" dirty="0"/>
+              <a:t> רק כשחייבים, ורק בסוף.</a:t>
+            </a:r>
+          </a:p>
+          <a:p>
+            <a:pPr marL="514350" indent="-514350" algn="r" defTabSz="914400" rtl="1" eaLnBrk="1" latinLnBrk="0" hangingPunct="1">
+              <a:spcBef>
+                <a:spcPts val="1000"/>
+              </a:spcBef>
+              <a:buFont typeface="+mj-lt"/>
+              <a:buAutoNum type="arabicPeriod"/>
+            </a:pPr>
+            <a:r>
               <a:rPr lang="he-IL" sz="2000" dirty="0"/>
               <a:t>לאחר שניסיתם לפתור לבד, להתייעץ עם חברים</a:t>
             </a:r>
@@ -41440,7 +41464,28 @@
             </a:pPr>
             <a:r>
               <a:rPr lang="he-IL" sz="2000" dirty="0"/>
-              <a:t>לחפש פתרונות באינטרנט</a:t>
+              <a:t>לחפש פתרונות באינטרנט או ב-</a:t>
+            </a:r>
+            <a:r>
+              <a:rPr lang="en-US" sz="2000" dirty="0"/>
+              <a:t>AI</a:t>
+            </a:r>
+            <a:r>
+              <a:rPr lang="he-IL" sz="2000" dirty="0"/>
+              <a:t>.</a:t>
+            </a:r>
+          </a:p>
+          <a:p>
+            <a:pPr marL="514350" indent="-514350" algn="r" defTabSz="914400" rtl="1" eaLnBrk="1" latinLnBrk="0" hangingPunct="1">
+              <a:spcBef>
+                <a:spcPts val="1000"/>
+              </a:spcBef>
+              <a:buFont typeface="+mj-lt"/>
+              <a:buAutoNum type="arabicPeriod"/>
+            </a:pPr>
+            <a:r>
+              <a:rPr lang="he-IL" sz="2000" b="1" dirty="0"/>
+              <a:t>לתרגל ביחד – טוב לכולם</a:t>
             </a:r>
           </a:p>
           <a:p>
@@ -41878,6 +41923,128 @@
                       </p:childTnLst>
                     </p:cTn>
                   </p:par>
+                  <p:par>
+                    <p:cTn id="33" fill="hold">
+                      <p:stCondLst>
+                        <p:cond delay="indefinite"/>
+                      </p:stCondLst>
+                      <p:childTnLst>
+                        <p:par>
+                          <p:cTn id="34" fill="hold">
+                            <p:stCondLst>
+                              <p:cond delay="0"/>
+                            </p:stCondLst>
+                            <p:childTnLst>
+                              <p:par>
+                                <p:cTn id="35" presetID="22" presetClass="entr" presetSubtype="2" fill="hold" nodeType="clickEffect">
+                                  <p:stCondLst>
+                                    <p:cond delay="0"/>
+                                  </p:stCondLst>
+                                  <p:childTnLst>
+                                    <p:set>
+                                      <p:cBhvr>
+                                        <p:cTn id="36" dur="1" fill="hold">
+                                          <p:stCondLst>
+                                            <p:cond delay="0"/>
+                                          </p:stCondLst>
+                                        </p:cTn>
+                                        <p:tgtEl>
+                                          <p:spTgt spid="3">
+                                            <p:txEl>
+                                              <p:pRg st="6" end="6"/>
+                                            </p:txEl>
+                                          </p:spTgt>
+                                        </p:tgtEl>
+                                        <p:attrNameLst>
+                                          <p:attrName>style.visibility</p:attrName>
+                                        </p:attrNameLst>
+                                      </p:cBhvr>
+                                      <p:to>
+                                        <p:strVal val="visible"/>
+                                      </p:to>
+                                    </p:set>
+                                    <p:animEffect transition="in" filter="wipe(right)">
+                                      <p:cBhvr>
+                                        <p:cTn id="37" dur="500"/>
+                                        <p:tgtEl>
+                                          <p:spTgt spid="3">
+                                            <p:txEl>
+                                              <p:pRg st="6" end="6"/>
+                                            </p:txEl>
+                                          </p:spTgt>
+                                        </p:tgtEl>
+                                      </p:cBhvr>
+                                    </p:animEffect>
+                                  </p:childTnLst>
+                                </p:cTn>
+                              </p:par>
+                            </p:childTnLst>
+                          </p:cTn>
+                        </p:par>
+                      </p:childTnLst>
+                    </p:cTn>
+                  </p:par>
+                  <p:par>
+                    <p:cTn id="38" fill="hold">
+                      <p:stCondLst>
+                        <p:cond delay="indefinite"/>
+                      </p:stCondLst>
+                      <p:childTnLst>
+                        <p:par>
+                          <p:cTn id="39" fill="hold">
+                            <p:stCondLst>
+                              <p:cond delay="0"/>
+                            </p:stCondLst>
+                            <p:childTnLst>
+                              <p:par>
+                                <p:cTn id="40" presetID="22" presetClass="entr" presetSubtype="2" fill="hold" nodeType="clickEffect">
+                                  <p:stCondLst>
+                                    <p:cond delay="0"/>
+                                  </p:stCondLst>
+                                  <p:childTnLst>
+                                    <p:set>
+                                      <p:cBhvr>
+                                        <p:cTn id="41" dur="1" fill="hold">
+                                          <p:stCondLst>
+                                            <p:cond delay="0"/>
+                                          </p:stCondLst>
+                                        </p:cTn>
+                                        <p:tgtEl>
+                                          <p:spTgt spid="3">
+                                            <p:txEl>
+                                              <p:pRg st="7" end="7"/>
+                                            </p:txEl>
+                                          </p:spTgt>
+                                        </p:tgtEl>
+                                        <p:attrNameLst>
+                                          <p:attrName>style.visibility</p:attrName>
+                                        </p:attrNameLst>
+                                      </p:cBhvr>
+                                      <p:to>
+                                        <p:strVal val="visible"/>
+                                      </p:to>
+                                    </p:set>
+                                    <p:animEffect transition="in" filter="wipe(right)">
+                                      <p:cBhvr>
+                                        <p:cTn id="42" dur="500"/>
+                                        <p:tgtEl>
+                                          <p:spTgt spid="3">
+                                            <p:txEl>
+                                              <p:pRg st="7" end="7"/>
+                                            </p:txEl>
+                                          </p:spTgt>
+                                        </p:tgtEl>
+                                      </p:cBhvr>
+                                    </p:animEffect>
+                                  </p:childTnLst>
+                                </p:cTn>
+                              </p:par>
+                            </p:childTnLst>
+                          </p:cTn>
+                        </p:par>
+                      </p:childTnLst>
+                    </p:cTn>
+                  </p:par>
                 </p:childTnLst>
               </p:cTn>
               <p:prevCondLst>
@@ -41904,6 +42071,3848 @@
 </file>
 
 <file path=ppt/slides/slide14.xml><?xml version="1.0" encoding="utf-8"?>
+<p:sld xmlns:a="http://schemas.openxmlformats.org/drawingml/2006/main" xmlns:r="http://schemas.openxmlformats.org/officeDocument/2006/relationships" xmlns:p="http://schemas.openxmlformats.org/presentationml/2006/main">
+  <p:cSld>
+    <p:bg>
+      <p:bgPr>
+        <a:solidFill>
+          <a:schemeClr val="bg1"/>
+        </a:solidFill>
+        <a:effectLst/>
+      </p:bgPr>
+    </p:bg>
+    <p:spTree>
+      <p:nvGrpSpPr>
+        <p:cNvPr id="1" name=""/>
+        <p:cNvGrpSpPr/>
+        <p:nvPr/>
+      </p:nvGrpSpPr>
+      <p:grpSpPr>
+        <a:xfrm>
+          <a:off x="0" y="0"/>
+          <a:ext cx="0" cy="0"/>
+          <a:chOff x="0" y="0"/>
+          <a:chExt cx="0" cy="0"/>
+        </a:xfrm>
+      </p:grpSpPr>
+      <p:sp useBgFill="1">
+        <p:nvSpPr>
+          <p:cNvPr id="22" name="Rectangle 21">
+            <a:extLst>
+              <a:ext uri="{FF2B5EF4-FFF2-40B4-BE49-F238E27FC236}">
+                <a16:creationId xmlns:a16="http://schemas.microsoft.com/office/drawing/2014/main" id="{04812C46-200A-4DEB-A05E-3ED6C68C2387}"/>
+              </a:ext>
+              <a:ext uri="{C183D7F6-B498-43B3-948B-1728B52AA6E4}">
+                <adec:decorative xmlns:adec="http://schemas.microsoft.com/office/drawing/2017/decorative" val="1"/>
+              </a:ext>
+            </a:extLst>
+          </p:cNvPr>
+          <p:cNvSpPr>
+            <a:spLocks noGrp="1" noRot="1" noChangeAspect="1" noMove="1" noResize="1" noEditPoints="1" noAdjustHandles="1" noChangeArrowheads="1" noChangeShapeType="1" noTextEdit="1"/>
+          </p:cNvSpPr>
+          <p:nvPr>
+            <p:extLst>
+              <p:ext uri="{386F3935-93C4-4BCD-93E2-E3B085C9AB24}">
+                <p16:designElem xmlns:p16="http://schemas.microsoft.com/office/powerpoint/2015/main" val="1"/>
+              </p:ext>
+            </p:extLst>
+          </p:nvPr>
+        </p:nvSpPr>
+        <p:spPr>
+          <a:xfrm>
+            <a:off x="-1" y="0"/>
+            <a:ext cx="12188952" cy="6858000"/>
+          </a:xfrm>
+          <a:prstGeom prst="rect">
+            <a:avLst/>
+          </a:prstGeom>
+          <a:ln>
+            <a:noFill/>
+          </a:ln>
+        </p:spPr>
+        <p:style>
+          <a:lnRef idx="2">
+            <a:schemeClr val="accent1">
+              <a:shade val="50000"/>
+            </a:schemeClr>
+          </a:lnRef>
+          <a:fillRef idx="1">
+            <a:schemeClr val="accent1"/>
+          </a:fillRef>
+          <a:effectRef idx="0">
+            <a:schemeClr val="accent1"/>
+          </a:effectRef>
+          <a:fontRef idx="minor">
+            <a:schemeClr val="lt1"/>
+          </a:fontRef>
+        </p:style>
+        <p:txBody>
+          <a:bodyPr rtlCol="0" anchor="ctr"/>
+          <a:lstStyle/>
+          <a:p>
+            <a:pPr algn="ctr"/>
+            <a:endParaRPr lang="en-US"/>
+          </a:p>
+        </p:txBody>
+      </p:sp>
+      <p:pic>
+        <p:nvPicPr>
+          <p:cNvPr id="18" name="Picture 17" descr="שחמט במשחק שחמט">
+            <a:extLst>
+              <a:ext uri="{FF2B5EF4-FFF2-40B4-BE49-F238E27FC236}">
+                <a16:creationId xmlns:a16="http://schemas.microsoft.com/office/drawing/2014/main" id="{29905A2C-199C-CC6F-8B31-30910AD6CEC6}"/>
+              </a:ext>
+            </a:extLst>
+          </p:cNvPr>
+          <p:cNvPicPr>
+            <a:picLocks noChangeAspect="1"/>
+          </p:cNvPicPr>
+          <p:nvPr/>
+        </p:nvPicPr>
+        <p:blipFill rotWithShape="1">
+          <a:blip r:embed="rId2"/>
+          <a:srcRect t="6372"/>
+          <a:stretch/>
+        </p:blipFill>
+        <p:spPr>
+          <a:xfrm>
+            <a:off x="1" y="10"/>
+            <a:ext cx="9669642" cy="6857990"/>
+          </a:xfrm>
+          <a:prstGeom prst="rect">
+            <a:avLst/>
+          </a:prstGeom>
+        </p:spPr>
+      </p:pic>
+      <p:sp>
+        <p:nvSpPr>
+          <p:cNvPr id="24" name="Rectangle 23">
+            <a:extLst>
+              <a:ext uri="{FF2B5EF4-FFF2-40B4-BE49-F238E27FC236}">
+                <a16:creationId xmlns:a16="http://schemas.microsoft.com/office/drawing/2014/main" id="{D1EA859B-E555-4109-94F3-6700E046E008}"/>
+              </a:ext>
+              <a:ext uri="{C183D7F6-B498-43B3-948B-1728B52AA6E4}">
+                <adec:decorative xmlns:adec="http://schemas.microsoft.com/office/drawing/2017/decorative" val="1"/>
+              </a:ext>
+            </a:extLst>
+          </p:cNvPr>
+          <p:cNvSpPr>
+            <a:spLocks noGrp="1" noRot="1" noChangeAspect="1" noMove="1" noResize="1" noEditPoints="1" noAdjustHandles="1" noChangeArrowheads="1" noChangeShapeType="1" noTextEdit="1"/>
+          </p:cNvSpPr>
+          <p:nvPr>
+            <p:extLst>
+              <p:ext uri="{386F3935-93C4-4BCD-93E2-E3B085C9AB24}">
+                <p16:designElem xmlns:p16="http://schemas.microsoft.com/office/powerpoint/2015/main" val="1"/>
+              </p:ext>
+            </p:extLst>
+          </p:nvPr>
+        </p:nvSpPr>
+        <p:spPr>
+          <a:xfrm flipH="1">
+            <a:off x="5125019" y="0"/>
+            <a:ext cx="7066978" cy="6858000"/>
+          </a:xfrm>
+          <a:prstGeom prst="rect">
+            <a:avLst/>
+          </a:prstGeom>
+          <a:gradFill>
+            <a:gsLst>
+              <a:gs pos="48000">
+                <a:schemeClr val="bg1"/>
+              </a:gs>
+              <a:gs pos="35000">
+                <a:schemeClr val="bg1">
+                  <a:alpha val="77000"/>
+                </a:schemeClr>
+              </a:gs>
+              <a:gs pos="19000">
+                <a:schemeClr val="bg1">
+                  <a:alpha val="38000"/>
+                </a:schemeClr>
+              </a:gs>
+              <a:gs pos="0">
+                <a:schemeClr val="bg1">
+                  <a:alpha val="0"/>
+                </a:schemeClr>
+              </a:gs>
+              <a:gs pos="100000">
+                <a:schemeClr val="bg1"/>
+              </a:gs>
+            </a:gsLst>
+            <a:lin ang="10800000" scaled="0"/>
+          </a:gradFill>
+          <a:ln>
+            <a:noFill/>
+          </a:ln>
+        </p:spPr>
+        <p:style>
+          <a:lnRef idx="2">
+            <a:schemeClr val="accent1">
+              <a:shade val="50000"/>
+            </a:schemeClr>
+          </a:lnRef>
+          <a:fillRef idx="1">
+            <a:schemeClr val="accent1"/>
+          </a:fillRef>
+          <a:effectRef idx="0">
+            <a:schemeClr val="accent1"/>
+          </a:effectRef>
+          <a:fontRef idx="minor">
+            <a:schemeClr val="lt1"/>
+          </a:fontRef>
+        </p:style>
+        <p:txBody>
+          <a:bodyPr rtlCol="0" anchor="ctr"/>
+          <a:lstStyle/>
+          <a:p>
+            <a:pPr algn="ctr"/>
+            <a:endParaRPr lang="en-US" dirty="0"/>
+          </a:p>
+        </p:txBody>
+      </p:sp>
+      <p:sp>
+        <p:nvSpPr>
+          <p:cNvPr id="2" name="כותרת 1">
+            <a:extLst>
+              <a:ext uri="{FF2B5EF4-FFF2-40B4-BE49-F238E27FC236}">
+                <a16:creationId xmlns:a16="http://schemas.microsoft.com/office/drawing/2014/main" id="{D1DAFF2F-6235-E174-BB19-3FD8F2C9C255}"/>
+              </a:ext>
+            </a:extLst>
+          </p:cNvPr>
+          <p:cNvSpPr>
+            <a:spLocks noGrp="1"/>
+          </p:cNvSpPr>
+          <p:nvPr>
+            <p:ph type="title"/>
+          </p:nvPr>
+        </p:nvSpPr>
+        <p:spPr>
+          <a:xfrm>
+            <a:off x="7531610" y="365125"/>
+            <a:ext cx="3822189" cy="1899912"/>
+          </a:xfrm>
+        </p:spPr>
+        <p:txBody>
+          <a:bodyPr>
+            <a:normAutofit/>
+          </a:bodyPr>
+          <a:lstStyle/>
+          <a:p>
+            <a:pPr rtl="1"/>
+            <a:r>
+              <a:rPr lang="he-IL" sz="4000"/>
+              <a:t>להיות מפתח/ת</a:t>
+            </a:r>
+          </a:p>
+        </p:txBody>
+      </p:sp>
+      <p:sp>
+        <p:nvSpPr>
+          <p:cNvPr id="3" name="מציין מיקום תוכן 2">
+            <a:extLst>
+              <a:ext uri="{FF2B5EF4-FFF2-40B4-BE49-F238E27FC236}">
+                <a16:creationId xmlns:a16="http://schemas.microsoft.com/office/drawing/2014/main" id="{75BA3340-6DB5-08C0-08A6-57293ABC91F7}"/>
+              </a:ext>
+            </a:extLst>
+          </p:cNvPr>
+          <p:cNvSpPr>
+            <a:spLocks noGrp="1"/>
+          </p:cNvSpPr>
+          <p:nvPr>
+            <p:ph idx="1"/>
+          </p:nvPr>
+        </p:nvSpPr>
+        <p:spPr>
+          <a:xfrm>
+            <a:off x="7531610" y="2434201"/>
+            <a:ext cx="3822189" cy="3742762"/>
+          </a:xfrm>
+        </p:spPr>
+        <p:txBody>
+          <a:bodyPr>
+            <a:normAutofit/>
+          </a:bodyPr>
+          <a:lstStyle/>
+          <a:p>
+            <a:pPr algn="r" rtl="1">
+              <a:lnSpc>
+                <a:spcPct val="150000"/>
+              </a:lnSpc>
+            </a:pPr>
+            <a:r>
+              <a:rPr lang="he-IL" sz="1400" dirty="0"/>
+              <a:t>לקבל בעיה ולפתור אותה מהתחלה ועד הסוף</a:t>
+            </a:r>
+          </a:p>
+          <a:p>
+            <a:pPr lvl="1" algn="r" rtl="1">
+              <a:lnSpc>
+                <a:spcPct val="150000"/>
+              </a:lnSpc>
+            </a:pPr>
+            <a:r>
+              <a:rPr lang="he-IL" sz="1400" dirty="0"/>
+              <a:t>קוד נקי וברור</a:t>
+            </a:r>
+          </a:p>
+          <a:p>
+            <a:pPr lvl="1" algn="r" rtl="1">
+              <a:lnSpc>
+                <a:spcPct val="150000"/>
+              </a:lnSpc>
+            </a:pPr>
+            <a:r>
+              <a:rPr lang="he-IL" sz="1400" dirty="0"/>
+              <a:t>מהיר</a:t>
+            </a:r>
+          </a:p>
+          <a:p>
+            <a:pPr lvl="1" algn="r" rtl="1">
+              <a:lnSpc>
+                <a:spcPct val="150000"/>
+              </a:lnSpc>
+            </a:pPr>
+            <a:r>
+              <a:rPr lang="he-IL" sz="1400" dirty="0"/>
+              <a:t>עומד בעקרונות הקוד הטוב שנלמד בקורס</a:t>
+            </a:r>
+          </a:p>
+          <a:p>
+            <a:pPr lvl="1" algn="r" rtl="1">
+              <a:lnSpc>
+                <a:spcPct val="150000"/>
+              </a:lnSpc>
+            </a:pPr>
+            <a:r>
+              <a:rPr lang="en-US" sz="1400" dirty="0"/>
+              <a:t>End To End</a:t>
+            </a:r>
+            <a:endParaRPr lang="he-IL" sz="1400" dirty="0"/>
+          </a:p>
+          <a:p>
+            <a:pPr lvl="1" algn="r" rtl="1">
+              <a:lnSpc>
+                <a:spcPct val="150000"/>
+              </a:lnSpc>
+            </a:pPr>
+            <a:r>
+              <a:rPr lang="he-IL" sz="1400" dirty="0"/>
+              <a:t>שחקן צוות שכיף לעבוד אתו/ה.</a:t>
+            </a:r>
+          </a:p>
+        </p:txBody>
+      </p:sp>
+    </p:spTree>
+    <p:extLst>
+      <p:ext uri="{BB962C8B-B14F-4D97-AF65-F5344CB8AC3E}">
+        <p14:creationId xmlns:p14="http://schemas.microsoft.com/office/powerpoint/2010/main" val="3689529609"/>
+      </p:ext>
+    </p:extLst>
+  </p:cSld>
+  <p:clrMapOvr>
+    <a:masterClrMapping/>
+  </p:clrMapOvr>
+</p:sld>
+</file>
+
+<file path=ppt/slides/slide15.xml><?xml version="1.0" encoding="utf-8"?>
+<p:sld xmlns:a="http://schemas.openxmlformats.org/drawingml/2006/main" xmlns:r="http://schemas.openxmlformats.org/officeDocument/2006/relationships" xmlns:p="http://schemas.openxmlformats.org/presentationml/2006/main">
+  <p:cSld>
+    <p:bg>
+      <p:bgPr>
+        <a:solidFill>
+          <a:schemeClr val="bg1"/>
+        </a:solidFill>
+        <a:effectLst/>
+      </p:bgPr>
+    </p:bg>
+    <p:spTree>
+      <p:nvGrpSpPr>
+        <p:cNvPr id="1" name=""/>
+        <p:cNvGrpSpPr/>
+        <p:nvPr/>
+      </p:nvGrpSpPr>
+      <p:grpSpPr>
+        <a:xfrm>
+          <a:off x="0" y="0"/>
+          <a:ext cx="0" cy="0"/>
+          <a:chOff x="0" y="0"/>
+          <a:chExt cx="0" cy="0"/>
+        </a:xfrm>
+      </p:grpSpPr>
+      <p:sp useBgFill="1">
+        <p:nvSpPr>
+          <p:cNvPr id="8" name="Rectangle 7">
+            <a:extLst>
+              <a:ext uri="{FF2B5EF4-FFF2-40B4-BE49-F238E27FC236}">
+                <a16:creationId xmlns:a16="http://schemas.microsoft.com/office/drawing/2014/main" id="{F837543A-6020-4505-A233-C9DB4BF74011}"/>
+              </a:ext>
+              <a:ext uri="{C183D7F6-B498-43B3-948B-1728B52AA6E4}">
+                <adec:decorative xmlns:adec="http://schemas.microsoft.com/office/drawing/2017/decorative" val="1"/>
+              </a:ext>
+            </a:extLst>
+          </p:cNvPr>
+          <p:cNvSpPr>
+            <a:spLocks noGrp="1" noRot="1" noChangeAspect="1" noMove="1" noResize="1" noEditPoints="1" noAdjustHandles="1" noChangeArrowheads="1" noChangeShapeType="1" noTextEdit="1"/>
+          </p:cNvSpPr>
+          <p:nvPr>
+            <p:extLst>
+              <p:ext uri="{386F3935-93C4-4BCD-93E2-E3B085C9AB24}">
+                <p16:designElem xmlns:p16="http://schemas.microsoft.com/office/powerpoint/2015/main" val="1"/>
+              </p:ext>
+            </p:extLst>
+          </p:nvPr>
+        </p:nvSpPr>
+        <p:spPr>
+          <a:xfrm>
+            <a:off x="3048" y="0"/>
+            <a:ext cx="12188952" cy="6858000"/>
+          </a:xfrm>
+          <a:prstGeom prst="rect">
+            <a:avLst/>
+          </a:prstGeom>
+          <a:ln>
+            <a:noFill/>
+          </a:ln>
+        </p:spPr>
+        <p:style>
+          <a:lnRef idx="2">
+            <a:schemeClr val="accent1">
+              <a:shade val="50000"/>
+            </a:schemeClr>
+          </a:lnRef>
+          <a:fillRef idx="1">
+            <a:schemeClr val="accent1"/>
+          </a:fillRef>
+          <a:effectRef idx="0">
+            <a:schemeClr val="accent1"/>
+          </a:effectRef>
+          <a:fontRef idx="minor">
+            <a:schemeClr val="lt1"/>
+          </a:fontRef>
+        </p:style>
+        <p:txBody>
+          <a:bodyPr rtlCol="0" anchor="ctr"/>
+          <a:lstStyle/>
+          <a:p>
+            <a:pPr algn="ctr"/>
+            <a:endParaRPr lang="en-US"/>
+          </a:p>
+        </p:txBody>
+      </p:sp>
+      <p:sp>
+        <p:nvSpPr>
+          <p:cNvPr id="2" name="כותרת 1">
+            <a:extLst>
+              <a:ext uri="{FF2B5EF4-FFF2-40B4-BE49-F238E27FC236}">
+                <a16:creationId xmlns:a16="http://schemas.microsoft.com/office/drawing/2014/main" id="{FD72897E-BF79-2BE7-CD8F-64487C6E5E9B}"/>
+              </a:ext>
+            </a:extLst>
+          </p:cNvPr>
+          <p:cNvSpPr>
+            <a:spLocks noGrp="1"/>
+          </p:cNvSpPr>
+          <p:nvPr>
+            <p:ph type="title"/>
+          </p:nvPr>
+        </p:nvSpPr>
+        <p:spPr>
+          <a:xfrm>
+            <a:off x="838200" y="365125"/>
+            <a:ext cx="5558489" cy="1325563"/>
+          </a:xfrm>
+        </p:spPr>
+        <p:txBody>
+          <a:bodyPr>
+            <a:normAutofit/>
+          </a:bodyPr>
+          <a:lstStyle/>
+          <a:p>
+            <a:pPr algn="r" rtl="1"/>
+            <a:r>
+              <a:rPr lang="he-IL" dirty="0"/>
+              <a:t>עבודת צוות</a:t>
+            </a:r>
+          </a:p>
+        </p:txBody>
+      </p:sp>
+      <p:sp>
+        <p:nvSpPr>
+          <p:cNvPr id="10" name="Freeform: Shape 9">
+            <a:extLst>
+              <a:ext uri="{FF2B5EF4-FFF2-40B4-BE49-F238E27FC236}">
+                <a16:creationId xmlns:a16="http://schemas.microsoft.com/office/drawing/2014/main" id="{35B16301-FB18-48BA-A6DD-C37CAF6F9A18}"/>
+              </a:ext>
+              <a:ext uri="{C183D7F6-B498-43B3-948B-1728B52AA6E4}">
+                <adec:decorative xmlns:adec="http://schemas.microsoft.com/office/drawing/2017/decorative" val="1"/>
+              </a:ext>
+            </a:extLst>
+          </p:cNvPr>
+          <p:cNvSpPr>
+            <a:spLocks noGrp="1" noRot="1" noChangeAspect="1" noMove="1" noResize="1" noEditPoints="1" noAdjustHandles="1" noChangeArrowheads="1" noChangeShapeType="1" noTextEdit="1"/>
+          </p:cNvSpPr>
+          <p:nvPr>
+            <p:extLst>
+              <p:ext uri="{386F3935-93C4-4BCD-93E2-E3B085C9AB24}">
+                <p16:designElem xmlns:p16="http://schemas.microsoft.com/office/powerpoint/2015/main" val="1"/>
+              </p:ext>
+            </p:extLst>
+          </p:nvPr>
+        </p:nvSpPr>
+        <p:spPr>
+          <a:xfrm>
+            <a:off x="10208695" y="1"/>
+            <a:ext cx="1135066" cy="477997"/>
+          </a:xfrm>
+          <a:custGeom>
+            <a:avLst/>
+            <a:gdLst>
+              <a:gd name="connsiteX0" fmla="*/ 0 w 1135066"/>
+              <a:gd name="connsiteY0" fmla="*/ 0 h 477997"/>
+              <a:gd name="connsiteX1" fmla="*/ 1135066 w 1135066"/>
+              <a:gd name="connsiteY1" fmla="*/ 0 h 477997"/>
+              <a:gd name="connsiteX2" fmla="*/ 1133370 w 1135066"/>
+              <a:gd name="connsiteY2" fmla="*/ 16827 h 477997"/>
+              <a:gd name="connsiteX3" fmla="*/ 567533 w 1135066"/>
+              <a:gd name="connsiteY3" fmla="*/ 477997 h 477997"/>
+              <a:gd name="connsiteX4" fmla="*/ 1696 w 1135066"/>
+              <a:gd name="connsiteY4" fmla="*/ 16827 h 477997"/>
+            </a:gdLst>
+            <a:ahLst/>
+            <a:cxnLst>
+              <a:cxn ang="0">
+                <a:pos x="connsiteX0" y="connsiteY0"/>
+              </a:cxn>
+              <a:cxn ang="0">
+                <a:pos x="connsiteX1" y="connsiteY1"/>
+              </a:cxn>
+              <a:cxn ang="0">
+                <a:pos x="connsiteX2" y="connsiteY2"/>
+              </a:cxn>
+              <a:cxn ang="0">
+                <a:pos x="connsiteX3" y="connsiteY3"/>
+              </a:cxn>
+              <a:cxn ang="0">
+                <a:pos x="connsiteX4" y="connsiteY4"/>
+              </a:cxn>
+            </a:cxnLst>
+            <a:rect l="l" t="t" r="r" b="b"/>
+            <a:pathLst>
+              <a:path w="1135066" h="477997">
+                <a:moveTo>
+                  <a:pt x="0" y="0"/>
+                </a:moveTo>
+                <a:lnTo>
+                  <a:pt x="1135066" y="0"/>
+                </a:lnTo>
+                <a:lnTo>
+                  <a:pt x="1133370" y="16827"/>
+                </a:lnTo>
+                <a:cubicBezTo>
+                  <a:pt x="1079514" y="280016"/>
+                  <a:pt x="846644" y="477997"/>
+                  <a:pt x="567533" y="477997"/>
+                </a:cubicBezTo>
+                <a:cubicBezTo>
+                  <a:pt x="288422" y="477997"/>
+                  <a:pt x="55552" y="280016"/>
+                  <a:pt x="1696" y="16827"/>
+                </a:cubicBezTo>
+                <a:close/>
+              </a:path>
+            </a:pathLst>
+          </a:custGeom>
+          <a:solidFill>
+            <a:schemeClr val="accent5"/>
+          </a:solidFill>
+          <a:ln>
+            <a:noFill/>
+          </a:ln>
+        </p:spPr>
+        <p:style>
+          <a:lnRef idx="2">
+            <a:schemeClr val="accent1">
+              <a:shade val="50000"/>
+            </a:schemeClr>
+          </a:lnRef>
+          <a:fillRef idx="1">
+            <a:schemeClr val="accent1"/>
+          </a:fillRef>
+          <a:effectRef idx="0">
+            <a:schemeClr val="accent1"/>
+          </a:effectRef>
+          <a:fontRef idx="minor">
+            <a:schemeClr val="lt1"/>
+          </a:fontRef>
+        </p:style>
+        <p:txBody>
+          <a:bodyPr wrap="square" rtlCol="0" anchor="ctr">
+            <a:noAutofit/>
+          </a:bodyPr>
+          <a:lstStyle/>
+          <a:p>
+            <a:pPr algn="ctr"/>
+            <a:endParaRPr lang="en-US"/>
+          </a:p>
+        </p:txBody>
+      </p:sp>
+      <p:sp>
+        <p:nvSpPr>
+          <p:cNvPr id="3" name="מציין מיקום תוכן 2">
+            <a:extLst>
+              <a:ext uri="{FF2B5EF4-FFF2-40B4-BE49-F238E27FC236}">
+                <a16:creationId xmlns:a16="http://schemas.microsoft.com/office/drawing/2014/main" id="{788678D0-468E-AC7A-B50D-46B872D02EBE}"/>
+              </a:ext>
+            </a:extLst>
+          </p:cNvPr>
+          <p:cNvSpPr>
+            <a:spLocks noGrp="1"/>
+          </p:cNvSpPr>
+          <p:nvPr>
+            <p:ph idx="1"/>
+          </p:nvPr>
+        </p:nvSpPr>
+        <p:spPr>
+          <a:xfrm>
+            <a:off x="838200" y="1825625"/>
+            <a:ext cx="5558489" cy="4351338"/>
+          </a:xfrm>
+        </p:spPr>
+        <p:txBody>
+          <a:bodyPr>
+            <a:normAutofit fontScale="92500" lnSpcReduction="10000"/>
+          </a:bodyPr>
+          <a:lstStyle/>
+          <a:p>
+            <a:pPr algn="r" rtl="1"/>
+            <a:r>
+              <a:rPr lang="he-IL" sz="2200" dirty="0"/>
+              <a:t>המוצר שלנו הוא...</a:t>
+            </a:r>
+          </a:p>
+          <a:p>
+            <a:pPr algn="r" rtl="1"/>
+            <a:r>
+              <a:rPr lang="he-IL" sz="2200" dirty="0"/>
+              <a:t>להוציא מפתחים טובים לשוק</a:t>
+            </a:r>
+          </a:p>
+          <a:p>
+            <a:pPr algn="r" rtl="1"/>
+            <a:r>
+              <a:rPr lang="he-IL" sz="2200" dirty="0"/>
+              <a:t>לעזור אחד לשני... מי שמבין, עוזר למי שלא מבין</a:t>
+            </a:r>
+          </a:p>
+          <a:p>
+            <a:pPr algn="r" rtl="1"/>
+            <a:r>
+              <a:rPr lang="he-IL" sz="2200" dirty="0"/>
+              <a:t>אנו כרגע 13, ועלינו לעבוד כך ש-13 יגיעו לקו הסיום ויתקבלו לעבודה</a:t>
+            </a:r>
+          </a:p>
+          <a:p>
+            <a:pPr algn="r" rtl="1"/>
+            <a:r>
+              <a:rPr lang="he-IL" sz="2200" dirty="0"/>
+              <a:t>חשבון </a:t>
+            </a:r>
+            <a:r>
+              <a:rPr lang="he-IL" sz="2200" dirty="0" err="1"/>
+              <a:t>לינקדאין</a:t>
+            </a:r>
+            <a:r>
+              <a:rPr lang="he-IL" sz="2200" dirty="0"/>
+              <a:t>... כבר לפרסם את עצמנו (רות בשן)</a:t>
+            </a:r>
+          </a:p>
+          <a:p>
+            <a:pPr algn="r" rtl="1"/>
+            <a:r>
+              <a:rPr lang="he-IL" sz="2200" dirty="0"/>
+              <a:t>להיות מעורבים בפרויקטים נוספים (עמותות וקוד פתוח)</a:t>
+            </a:r>
+          </a:p>
+          <a:p>
+            <a:pPr algn="r" rtl="1"/>
+            <a:r>
+              <a:rPr lang="he-IL" sz="2200" dirty="0"/>
+              <a:t>לגייס סטרטאפים</a:t>
+            </a:r>
+          </a:p>
+          <a:p>
+            <a:pPr algn="r" rtl="1"/>
+            <a:r>
+              <a:rPr lang="he-IL" sz="2200" dirty="0"/>
+              <a:t>לאהוב את המקצוע</a:t>
+            </a:r>
+          </a:p>
+          <a:p>
+            <a:pPr algn="r" rtl="1"/>
+            <a:r>
+              <a:rPr lang="he-IL" sz="2200" dirty="0"/>
+              <a:t>שיווק (</a:t>
+            </a:r>
+            <a:r>
+              <a:rPr lang="en-US" sz="2200" dirty="0"/>
+              <a:t>Marketing</a:t>
+            </a:r>
+            <a:r>
+              <a:rPr lang="he-IL" sz="2200"/>
+              <a:t>)...</a:t>
+            </a:r>
+            <a:endParaRPr lang="he-IL" sz="2200" dirty="0"/>
+          </a:p>
+        </p:txBody>
+      </p:sp>
+      <p:sp>
+        <p:nvSpPr>
+          <p:cNvPr id="12" name="Oval 11">
+            <a:extLst>
+              <a:ext uri="{FF2B5EF4-FFF2-40B4-BE49-F238E27FC236}">
+                <a16:creationId xmlns:a16="http://schemas.microsoft.com/office/drawing/2014/main" id="{C3C0D90E-074A-4F52-9B11-B52BEF4BCBE5}"/>
+              </a:ext>
+              <a:ext uri="{C183D7F6-B498-43B3-948B-1728B52AA6E4}">
+                <adec:decorative xmlns:adec="http://schemas.microsoft.com/office/drawing/2017/decorative" val="1"/>
+              </a:ext>
+            </a:extLst>
+          </p:cNvPr>
+          <p:cNvSpPr>
+            <a:spLocks noGrp="1" noRot="1" noChangeAspect="1" noMove="1" noResize="1" noEditPoints="1" noAdjustHandles="1" noChangeArrowheads="1" noChangeShapeType="1" noTextEdit="1"/>
+          </p:cNvSpPr>
+          <p:nvPr>
+            <p:extLst>
+              <p:ext uri="{386F3935-93C4-4BCD-93E2-E3B085C9AB24}">
+                <p16:designElem xmlns:p16="http://schemas.microsoft.com/office/powerpoint/2015/main" val="1"/>
+              </p:ext>
+            </p:extLst>
+          </p:nvPr>
+        </p:nvSpPr>
+        <p:spPr>
+          <a:xfrm>
+            <a:off x="6821310" y="2624479"/>
+            <a:ext cx="812427" cy="812427"/>
+          </a:xfrm>
+          <a:prstGeom prst="ellipse">
+            <a:avLst/>
+          </a:prstGeom>
+          <a:noFill/>
+          <a:ln w="127000">
+            <a:solidFill>
+              <a:schemeClr val="accent5"/>
+            </a:solidFill>
+          </a:ln>
+        </p:spPr>
+        <p:style>
+          <a:lnRef idx="2">
+            <a:schemeClr val="accent1">
+              <a:shade val="50000"/>
+            </a:schemeClr>
+          </a:lnRef>
+          <a:fillRef idx="1">
+            <a:schemeClr val="accent1"/>
+          </a:fillRef>
+          <a:effectRef idx="0">
+            <a:schemeClr val="accent1"/>
+          </a:effectRef>
+          <a:fontRef idx="minor">
+            <a:schemeClr val="lt1"/>
+          </a:fontRef>
+        </p:style>
+        <p:txBody>
+          <a:bodyPr rtlCol="0" anchor="ctr"/>
+          <a:lstStyle/>
+          <a:p>
+            <a:pPr algn="ctr"/>
+            <a:endParaRPr lang="en-US" dirty="0"/>
+          </a:p>
+        </p:txBody>
+      </p:sp>
+      <p:sp>
+        <p:nvSpPr>
+          <p:cNvPr id="14" name="Block Arc 13">
+            <a:extLst>
+              <a:ext uri="{FF2B5EF4-FFF2-40B4-BE49-F238E27FC236}">
+                <a16:creationId xmlns:a16="http://schemas.microsoft.com/office/drawing/2014/main" id="{CABBD4C1-E6F8-46F6-8152-A8A97490BF4D}"/>
+              </a:ext>
+              <a:ext uri="{C183D7F6-B498-43B3-948B-1728B52AA6E4}">
+                <adec:decorative xmlns:adec="http://schemas.microsoft.com/office/drawing/2017/decorative" val="1"/>
+              </a:ext>
+            </a:extLst>
+          </p:cNvPr>
+          <p:cNvSpPr>
+            <a:spLocks noGrp="1" noRot="1" noChangeAspect="1" noMove="1" noResize="1" noEditPoints="1" noAdjustHandles="1" noChangeArrowheads="1" noChangeShapeType="1" noTextEdit="1"/>
+          </p:cNvSpPr>
+          <p:nvPr>
+            <p:extLst>
+              <p:ext uri="{386F3935-93C4-4BCD-93E2-E3B085C9AB24}">
+                <p16:designElem xmlns:p16="http://schemas.microsoft.com/office/powerpoint/2015/main" val="1"/>
+              </p:ext>
+            </p:extLst>
+          </p:nvPr>
+        </p:nvSpPr>
+        <p:spPr>
+          <a:xfrm rot="16200000">
+            <a:off x="8912417" y="1218531"/>
+            <a:ext cx="2387600" cy="2387600"/>
+          </a:xfrm>
+          <a:prstGeom prst="blockArc">
+            <a:avLst/>
+          </a:prstGeom>
+          <a:solidFill>
+            <a:schemeClr val="accent2"/>
+          </a:solidFill>
+          <a:ln>
+            <a:noFill/>
+          </a:ln>
+        </p:spPr>
+        <p:style>
+          <a:lnRef idx="2">
+            <a:schemeClr val="accent1">
+              <a:shade val="50000"/>
+            </a:schemeClr>
+          </a:lnRef>
+          <a:fillRef idx="1">
+            <a:schemeClr val="accent1"/>
+          </a:fillRef>
+          <a:effectRef idx="0">
+            <a:schemeClr val="accent1"/>
+          </a:effectRef>
+          <a:fontRef idx="minor">
+            <a:schemeClr val="lt1"/>
+          </a:fontRef>
+        </p:style>
+        <p:txBody>
+          <a:bodyPr rtlCol="0" anchor="ctr"/>
+          <a:lstStyle/>
+          <a:p>
+            <a:pPr algn="ctr"/>
+            <a:endParaRPr lang="en-US">
+              <a:solidFill>
+                <a:schemeClr val="tx1"/>
+              </a:solidFill>
+            </a:endParaRPr>
+          </a:p>
+        </p:txBody>
+      </p:sp>
+      <p:sp>
+        <p:nvSpPr>
+          <p:cNvPr id="16" name="Freeform: Shape 15">
+            <a:extLst>
+              <a:ext uri="{FF2B5EF4-FFF2-40B4-BE49-F238E27FC236}">
+                <a16:creationId xmlns:a16="http://schemas.microsoft.com/office/drawing/2014/main" id="{83BA5EF5-1FE9-4BF9-83BB-269BCDDF6156}"/>
+              </a:ext>
+              <a:ext uri="{C183D7F6-B498-43B3-948B-1728B52AA6E4}">
+                <adec:decorative xmlns:adec="http://schemas.microsoft.com/office/drawing/2017/decorative" val="1"/>
+              </a:ext>
+            </a:extLst>
+          </p:cNvPr>
+          <p:cNvSpPr>
+            <a:spLocks noGrp="1" noRot="1" noChangeAspect="1" noMove="1" noResize="1" noEditPoints="1" noAdjustHandles="1" noChangeArrowheads="1" noChangeShapeType="1" noTextEdit="1"/>
+          </p:cNvSpPr>
+          <p:nvPr>
+            <p:extLst>
+              <p:ext uri="{386F3935-93C4-4BCD-93E2-E3B085C9AB24}">
+                <p16:designElem xmlns:p16="http://schemas.microsoft.com/office/powerpoint/2015/main" val="1"/>
+              </p:ext>
+            </p:extLst>
+          </p:nvPr>
+        </p:nvSpPr>
+        <p:spPr>
+          <a:xfrm>
+            <a:off x="6821310" y="0"/>
+            <a:ext cx="2315251" cy="1550992"/>
+          </a:xfrm>
+          <a:custGeom>
+            <a:avLst/>
+            <a:gdLst>
+              <a:gd name="connsiteX0" fmla="*/ 0 w 2315251"/>
+              <a:gd name="connsiteY0" fmla="*/ 0 h 1550992"/>
+              <a:gd name="connsiteX1" fmla="*/ 138700 w 2315251"/>
+              <a:gd name="connsiteY1" fmla="*/ 0 h 1550992"/>
+              <a:gd name="connsiteX2" fmla="*/ 138700 w 2315251"/>
+              <a:gd name="connsiteY2" fmla="*/ 1361400 h 1550992"/>
+              <a:gd name="connsiteX3" fmla="*/ 2107387 w 2315251"/>
+              <a:gd name="connsiteY3" fmla="*/ 222673 h 1550992"/>
+              <a:gd name="connsiteX4" fmla="*/ 1722420 w 2315251"/>
+              <a:gd name="connsiteY4" fmla="*/ 0 h 1550992"/>
+              <a:gd name="connsiteX5" fmla="*/ 1999436 w 2315251"/>
+              <a:gd name="connsiteY5" fmla="*/ 0 h 1550992"/>
+              <a:gd name="connsiteX6" fmla="*/ 2280549 w 2315251"/>
+              <a:gd name="connsiteY6" fmla="*/ 162605 h 1550992"/>
+              <a:gd name="connsiteX7" fmla="*/ 2305953 w 2315251"/>
+              <a:gd name="connsiteY7" fmla="*/ 257336 h 1550992"/>
+              <a:gd name="connsiteX8" fmla="*/ 2280549 w 2315251"/>
+              <a:gd name="connsiteY8" fmla="*/ 282740 h 1550992"/>
+              <a:gd name="connsiteX9" fmla="*/ 104026 w 2315251"/>
+              <a:gd name="connsiteY9" fmla="*/ 1541710 h 1550992"/>
+              <a:gd name="connsiteX10" fmla="*/ 69351 w 2315251"/>
+              <a:gd name="connsiteY10" fmla="*/ 1550992 h 1550992"/>
+              <a:gd name="connsiteX11" fmla="*/ 0 w 2315251"/>
+              <a:gd name="connsiteY11" fmla="*/ 1481643 h 1550992"/>
+            </a:gdLst>
+            <a:ahLst/>
+            <a:cxnLst>
+              <a:cxn ang="0">
+                <a:pos x="connsiteX0" y="connsiteY0"/>
+              </a:cxn>
+              <a:cxn ang="0">
+                <a:pos x="connsiteX1" y="connsiteY1"/>
+              </a:cxn>
+              <a:cxn ang="0">
+                <a:pos x="connsiteX2" y="connsiteY2"/>
+              </a:cxn>
+              <a:cxn ang="0">
+                <a:pos x="connsiteX3" y="connsiteY3"/>
+              </a:cxn>
+              <a:cxn ang="0">
+                <a:pos x="connsiteX4" y="connsiteY4"/>
+              </a:cxn>
+              <a:cxn ang="0">
+                <a:pos x="connsiteX5" y="connsiteY5"/>
+              </a:cxn>
+              <a:cxn ang="0">
+                <a:pos x="connsiteX6" y="connsiteY6"/>
+              </a:cxn>
+              <a:cxn ang="0">
+                <a:pos x="connsiteX7" y="connsiteY7"/>
+              </a:cxn>
+              <a:cxn ang="0">
+                <a:pos x="connsiteX8" y="connsiteY8"/>
+              </a:cxn>
+              <a:cxn ang="0">
+                <a:pos x="connsiteX9" y="connsiteY9"/>
+              </a:cxn>
+              <a:cxn ang="0">
+                <a:pos x="connsiteX10" y="connsiteY10"/>
+              </a:cxn>
+              <a:cxn ang="0">
+                <a:pos x="connsiteX11" y="connsiteY11"/>
+              </a:cxn>
+            </a:cxnLst>
+            <a:rect l="l" t="t" r="r" b="b"/>
+            <a:pathLst>
+              <a:path w="2315251" h="1550992">
+                <a:moveTo>
+                  <a:pt x="0" y="0"/>
+                </a:moveTo>
+                <a:lnTo>
+                  <a:pt x="138700" y="0"/>
+                </a:lnTo>
+                <a:lnTo>
+                  <a:pt x="138700" y="1361400"/>
+                </a:lnTo>
+                <a:lnTo>
+                  <a:pt x="2107387" y="222673"/>
+                </a:lnTo>
+                <a:lnTo>
+                  <a:pt x="1722420" y="0"/>
+                </a:lnTo>
+                <a:lnTo>
+                  <a:pt x="1999436" y="0"/>
+                </a:lnTo>
+                <a:lnTo>
+                  <a:pt x="2280549" y="162605"/>
+                </a:lnTo>
+                <a:cubicBezTo>
+                  <a:pt x="2313720" y="181745"/>
+                  <a:pt x="2325104" y="224155"/>
+                  <a:pt x="2305953" y="257336"/>
+                </a:cubicBezTo>
+                <a:cubicBezTo>
+                  <a:pt x="2299872" y="267889"/>
+                  <a:pt x="2291101" y="276648"/>
+                  <a:pt x="2280549" y="282740"/>
+                </a:cubicBezTo>
+                <a:lnTo>
+                  <a:pt x="104026" y="1541710"/>
+                </a:lnTo>
+                <a:cubicBezTo>
+                  <a:pt x="93484" y="1547802"/>
+                  <a:pt x="81523" y="1551003"/>
+                  <a:pt x="69351" y="1550992"/>
+                </a:cubicBezTo>
+                <a:cubicBezTo>
+                  <a:pt x="31049" y="1550992"/>
+                  <a:pt x="0" y="1519944"/>
+                  <a:pt x="0" y="1481643"/>
+                </a:cubicBezTo>
+                <a:close/>
+              </a:path>
+            </a:pathLst>
+          </a:custGeom>
+          <a:solidFill>
+            <a:schemeClr val="accent6"/>
+          </a:solidFill>
+          <a:ln w="9525" cap="flat">
+            <a:noFill/>
+            <a:prstDash val="solid"/>
+            <a:miter/>
+          </a:ln>
+        </p:spPr>
+        <p:txBody>
+          <a:bodyPr rtlCol="0" anchor="ctr"/>
+          <a:lstStyle/>
+          <a:p>
+            <a:endParaRPr lang="en-US" dirty="0"/>
+          </a:p>
+        </p:txBody>
+      </p:sp>
+      <p:cxnSp>
+        <p:nvCxnSpPr>
+          <p:cNvPr id="18" name="Straight Connector 17">
+            <a:extLst>
+              <a:ext uri="{FF2B5EF4-FFF2-40B4-BE49-F238E27FC236}">
+                <a16:creationId xmlns:a16="http://schemas.microsoft.com/office/drawing/2014/main" id="{4B3BCACB-5880-460B-9606-8C433A9AF99D}"/>
+              </a:ext>
+              <a:ext uri="{C183D7F6-B498-43B3-948B-1728B52AA6E4}">
+                <adec:decorative xmlns:adec="http://schemas.microsoft.com/office/drawing/2017/decorative" val="1"/>
+              </a:ext>
+            </a:extLst>
+          </p:cNvPr>
+          <p:cNvCxnSpPr>
+            <a:cxnSpLocks noGrp="1" noRot="1" noChangeAspect="1" noMove="1" noResize="1" noEditPoints="1" noAdjustHandles="1" noChangeArrowheads="1" noChangeShapeType="1"/>
+          </p:cNvCxnSpPr>
+          <p:nvPr>
+            <p:extLst>
+              <p:ext uri="{386F3935-93C4-4BCD-93E2-E3B085C9AB24}">
+                <p16:designElem xmlns:p16="http://schemas.microsoft.com/office/powerpoint/2015/main" val="1"/>
+              </p:ext>
+            </p:extLst>
+          </p:nvPr>
+        </p:nvCxnSpPr>
+        <p:spPr>
+          <a:xfrm>
+            <a:off x="11724638" y="1331572"/>
+            <a:ext cx="0" cy="1597708"/>
+          </a:xfrm>
+          <a:prstGeom prst="line">
+            <a:avLst/>
+          </a:prstGeom>
+          <a:ln w="127000" cap="rnd">
+            <a:solidFill>
+              <a:schemeClr val="accent4"/>
+            </a:solidFill>
+            <a:prstDash val="dash"/>
+          </a:ln>
+        </p:spPr>
+        <p:style>
+          <a:lnRef idx="1">
+            <a:schemeClr val="accent1"/>
+          </a:lnRef>
+          <a:fillRef idx="0">
+            <a:schemeClr val="accent1"/>
+          </a:fillRef>
+          <a:effectRef idx="0">
+            <a:schemeClr val="accent1"/>
+          </a:effectRef>
+          <a:fontRef idx="minor">
+            <a:schemeClr val="tx1"/>
+          </a:fontRef>
+        </p:style>
+      </p:cxnSp>
+      <p:sp>
+        <p:nvSpPr>
+          <p:cNvPr id="20" name="Freeform: Shape 19">
+            <a:extLst>
+              <a:ext uri="{FF2B5EF4-FFF2-40B4-BE49-F238E27FC236}">
+                <a16:creationId xmlns:a16="http://schemas.microsoft.com/office/drawing/2014/main" id="{88853921-7BC9-4BDE-ACAB-133C683C82D6}"/>
+              </a:ext>
+              <a:ext uri="{C183D7F6-B498-43B3-948B-1728B52AA6E4}">
+                <adec:decorative xmlns:adec="http://schemas.microsoft.com/office/drawing/2017/decorative" val="1"/>
+              </a:ext>
+            </a:extLst>
+          </p:cNvPr>
+          <p:cNvSpPr>
+            <a:spLocks noGrp="1" noRot="1" noChangeAspect="1" noMove="1" noResize="1" noEditPoints="1" noAdjustHandles="1" noChangeArrowheads="1" noChangeShapeType="1" noTextEdit="1"/>
+          </p:cNvSpPr>
+          <p:nvPr>
+            <p:extLst>
+              <p:ext uri="{386F3935-93C4-4BCD-93E2-E3B085C9AB24}">
+                <p16:designElem xmlns:p16="http://schemas.microsoft.com/office/powerpoint/2015/main" val="1"/>
+              </p:ext>
+            </p:extLst>
+          </p:nvPr>
+        </p:nvSpPr>
+        <p:spPr>
+          <a:xfrm>
+            <a:off x="11005550" y="4112081"/>
+            <a:ext cx="1186451" cy="1771650"/>
+          </a:xfrm>
+          <a:custGeom>
+            <a:avLst/>
+            <a:gdLst>
+              <a:gd name="connsiteX0" fmla="*/ 61913 w 1186451"/>
+              <a:gd name="connsiteY0" fmla="*/ 0 h 1771650"/>
+              <a:gd name="connsiteX1" fmla="*/ 1186451 w 1186451"/>
+              <a:gd name="connsiteY1" fmla="*/ 0 h 1771650"/>
+              <a:gd name="connsiteX2" fmla="*/ 1186451 w 1186451"/>
+              <a:gd name="connsiteY2" fmla="*/ 123825 h 1771650"/>
+              <a:gd name="connsiteX3" fmla="*/ 123825 w 1186451"/>
+              <a:gd name="connsiteY3" fmla="*/ 123825 h 1771650"/>
+              <a:gd name="connsiteX4" fmla="*/ 123825 w 1186451"/>
+              <a:gd name="connsiteY4" fmla="*/ 1647825 h 1771650"/>
+              <a:gd name="connsiteX5" fmla="*/ 1186451 w 1186451"/>
+              <a:gd name="connsiteY5" fmla="*/ 1647825 h 1771650"/>
+              <a:gd name="connsiteX6" fmla="*/ 1186451 w 1186451"/>
+              <a:gd name="connsiteY6" fmla="*/ 1771650 h 1771650"/>
+              <a:gd name="connsiteX7" fmla="*/ 61913 w 1186451"/>
+              <a:gd name="connsiteY7" fmla="*/ 1771650 h 1771650"/>
+              <a:gd name="connsiteX8" fmla="*/ 0 w 1186451"/>
+              <a:gd name="connsiteY8" fmla="*/ 1709738 h 1771650"/>
+              <a:gd name="connsiteX9" fmla="*/ 0 w 1186451"/>
+              <a:gd name="connsiteY9" fmla="*/ 61913 h 1771650"/>
+              <a:gd name="connsiteX10" fmla="*/ 61913 w 1186451"/>
+              <a:gd name="connsiteY10" fmla="*/ 0 h 1771650"/>
+            </a:gdLst>
+            <a:ahLst/>
+            <a:cxnLst>
+              <a:cxn ang="0">
+                <a:pos x="connsiteX0" y="connsiteY0"/>
+              </a:cxn>
+              <a:cxn ang="0">
+                <a:pos x="connsiteX1" y="connsiteY1"/>
+              </a:cxn>
+              <a:cxn ang="0">
+                <a:pos x="connsiteX2" y="connsiteY2"/>
+              </a:cxn>
+              <a:cxn ang="0">
+                <a:pos x="connsiteX3" y="connsiteY3"/>
+              </a:cxn>
+              <a:cxn ang="0">
+                <a:pos x="connsiteX4" y="connsiteY4"/>
+              </a:cxn>
+              <a:cxn ang="0">
+                <a:pos x="connsiteX5" y="connsiteY5"/>
+              </a:cxn>
+              <a:cxn ang="0">
+                <a:pos x="connsiteX6" y="connsiteY6"/>
+              </a:cxn>
+              <a:cxn ang="0">
+                <a:pos x="connsiteX7" y="connsiteY7"/>
+              </a:cxn>
+              <a:cxn ang="0">
+                <a:pos x="connsiteX8" y="connsiteY8"/>
+              </a:cxn>
+              <a:cxn ang="0">
+                <a:pos x="connsiteX9" y="connsiteY9"/>
+              </a:cxn>
+              <a:cxn ang="0">
+                <a:pos x="connsiteX10" y="connsiteY10"/>
+              </a:cxn>
+            </a:cxnLst>
+            <a:rect l="l" t="t" r="r" b="b"/>
+            <a:pathLst>
+              <a:path w="1186451" h="1771650">
+                <a:moveTo>
+                  <a:pt x="61913" y="0"/>
+                </a:moveTo>
+                <a:lnTo>
+                  <a:pt x="1186451" y="0"/>
+                </a:lnTo>
+                <a:lnTo>
+                  <a:pt x="1186451" y="123825"/>
+                </a:lnTo>
+                <a:lnTo>
+                  <a:pt x="123825" y="123825"/>
+                </a:lnTo>
+                <a:lnTo>
+                  <a:pt x="123825" y="1647825"/>
+                </a:lnTo>
+                <a:lnTo>
+                  <a:pt x="1186451" y="1647825"/>
+                </a:lnTo>
+                <a:lnTo>
+                  <a:pt x="1186451" y="1771650"/>
+                </a:lnTo>
+                <a:lnTo>
+                  <a:pt x="61913" y="1771650"/>
+                </a:lnTo>
+                <a:cubicBezTo>
+                  <a:pt x="27719" y="1771650"/>
+                  <a:pt x="0" y="1743932"/>
+                  <a:pt x="0" y="1709738"/>
+                </a:cubicBezTo>
+                <a:lnTo>
+                  <a:pt x="0" y="61913"/>
+                </a:lnTo>
+                <a:cubicBezTo>
+                  <a:pt x="0" y="27719"/>
+                  <a:pt x="27719" y="0"/>
+                  <a:pt x="61913" y="0"/>
+                </a:cubicBezTo>
+                <a:close/>
+              </a:path>
+            </a:pathLst>
+          </a:custGeom>
+          <a:solidFill>
+            <a:schemeClr val="accent6"/>
+          </a:solidFill>
+          <a:ln w="9525" cap="flat">
+            <a:noFill/>
+            <a:prstDash val="solid"/>
+            <a:miter/>
+          </a:ln>
+        </p:spPr>
+        <p:txBody>
+          <a:bodyPr rtlCol="0" anchor="ctr"/>
+          <a:lstStyle/>
+          <a:p>
+            <a:endParaRPr lang="en-US"/>
+          </a:p>
+        </p:txBody>
+      </p:sp>
+      <p:sp>
+        <p:nvSpPr>
+          <p:cNvPr id="22" name="Arc 21">
+            <a:extLst>
+              <a:ext uri="{FF2B5EF4-FFF2-40B4-BE49-F238E27FC236}">
+                <a16:creationId xmlns:a16="http://schemas.microsoft.com/office/drawing/2014/main" id="{09192968-3AE7-4470-A61C-97294BB92731}"/>
+              </a:ext>
+              <a:ext uri="{C183D7F6-B498-43B3-948B-1728B52AA6E4}">
+                <adec:decorative xmlns:adec="http://schemas.microsoft.com/office/drawing/2017/decorative" val="1"/>
+              </a:ext>
+            </a:extLst>
+          </p:cNvPr>
+          <p:cNvSpPr>
+            <a:spLocks noGrp="1" noRot="1" noChangeAspect="1" noMove="1" noResize="1" noEditPoints="1" noAdjustHandles="1" noChangeArrowheads="1" noChangeShapeType="1" noTextEdit="1"/>
+          </p:cNvSpPr>
+          <p:nvPr>
+            <p:extLst>
+              <p:ext uri="{386F3935-93C4-4BCD-93E2-E3B085C9AB24}">
+                <p16:designElem xmlns:p16="http://schemas.microsoft.com/office/powerpoint/2015/main" val="1"/>
+              </p:ext>
+            </p:extLst>
+          </p:nvPr>
+        </p:nvSpPr>
+        <p:spPr>
+          <a:xfrm rot="20992895">
+            <a:off x="6086940" y="4145122"/>
+            <a:ext cx="4083433" cy="4083433"/>
+          </a:xfrm>
+          <a:prstGeom prst="arc">
+            <a:avLst/>
+          </a:prstGeom>
+          <a:ln w="127000" cap="rnd">
+            <a:solidFill>
+              <a:schemeClr val="accent4"/>
+            </a:solidFill>
+            <a:prstDash val="dash"/>
+          </a:ln>
+        </p:spPr>
+        <p:style>
+          <a:lnRef idx="1">
+            <a:schemeClr val="accent1"/>
+          </a:lnRef>
+          <a:fillRef idx="0">
+            <a:schemeClr val="accent1"/>
+          </a:fillRef>
+          <a:effectRef idx="0">
+            <a:schemeClr val="accent1"/>
+          </a:effectRef>
+          <a:fontRef idx="minor">
+            <a:schemeClr val="tx1"/>
+          </a:fontRef>
+        </p:style>
+        <p:txBody>
+          <a:bodyPr rtlCol="0" anchor="ctr"/>
+          <a:lstStyle/>
+          <a:p>
+            <a:pPr algn="ctr"/>
+            <a:endParaRPr lang="en-US" dirty="0"/>
+          </a:p>
+        </p:txBody>
+      </p:sp>
+      <p:sp>
+        <p:nvSpPr>
+          <p:cNvPr id="24" name="Freeform: Shape 23">
+            <a:extLst>
+              <a:ext uri="{FF2B5EF4-FFF2-40B4-BE49-F238E27FC236}">
+                <a16:creationId xmlns:a16="http://schemas.microsoft.com/office/drawing/2014/main" id="{3AB72E55-43E4-4356-BFE8-E2102CB0B505}"/>
+              </a:ext>
+              <a:ext uri="{C183D7F6-B498-43B3-948B-1728B52AA6E4}">
+                <adec:decorative xmlns:adec="http://schemas.microsoft.com/office/drawing/2017/decorative" val="1"/>
+              </a:ext>
+            </a:extLst>
+          </p:cNvPr>
+          <p:cNvSpPr>
+            <a:spLocks noGrp="1" noRot="1" noChangeAspect="1" noMove="1" noResize="1" noEditPoints="1" noAdjustHandles="1" noChangeArrowheads="1" noChangeShapeType="1" noTextEdit="1"/>
+          </p:cNvSpPr>
+          <p:nvPr>
+            <p:extLst>
+              <p:ext uri="{386F3935-93C4-4BCD-93E2-E3B085C9AB24}">
+                <p16:designElem xmlns:p16="http://schemas.microsoft.com/office/powerpoint/2015/main" val="1"/>
+              </p:ext>
+            </p:extLst>
+          </p:nvPr>
+        </p:nvSpPr>
+        <p:spPr>
+          <a:xfrm>
+            <a:off x="6821310" y="4962670"/>
+            <a:ext cx="2643352" cy="1895331"/>
+          </a:xfrm>
+          <a:custGeom>
+            <a:avLst/>
+            <a:gdLst>
+              <a:gd name="connsiteX0" fmla="*/ 1321676 w 2643352"/>
+              <a:gd name="connsiteY0" fmla="*/ 0 h 1895331"/>
+              <a:gd name="connsiteX1" fmla="*/ 2643352 w 2643352"/>
+              <a:gd name="connsiteY1" fmla="*/ 1321676 h 1895331"/>
+              <a:gd name="connsiteX2" fmla="*/ 2539488 w 2643352"/>
+              <a:gd name="connsiteY2" fmla="*/ 1836132 h 1895331"/>
+              <a:gd name="connsiteX3" fmla="*/ 2510970 w 2643352"/>
+              <a:gd name="connsiteY3" fmla="*/ 1895331 h 1895331"/>
+              <a:gd name="connsiteX4" fmla="*/ 132382 w 2643352"/>
+              <a:gd name="connsiteY4" fmla="*/ 1895331 h 1895331"/>
+              <a:gd name="connsiteX5" fmla="*/ 103864 w 2643352"/>
+              <a:gd name="connsiteY5" fmla="*/ 1836132 h 1895331"/>
+              <a:gd name="connsiteX6" fmla="*/ 0 w 2643352"/>
+              <a:gd name="connsiteY6" fmla="*/ 1321676 h 1895331"/>
+              <a:gd name="connsiteX7" fmla="*/ 1321676 w 2643352"/>
+              <a:gd name="connsiteY7" fmla="*/ 0 h 1895331"/>
+            </a:gdLst>
+            <a:ahLst/>
+            <a:cxnLst>
+              <a:cxn ang="0">
+                <a:pos x="connsiteX0" y="connsiteY0"/>
+              </a:cxn>
+              <a:cxn ang="0">
+                <a:pos x="connsiteX1" y="connsiteY1"/>
+              </a:cxn>
+              <a:cxn ang="0">
+                <a:pos x="connsiteX2" y="connsiteY2"/>
+              </a:cxn>
+              <a:cxn ang="0">
+                <a:pos x="connsiteX3" y="connsiteY3"/>
+              </a:cxn>
+              <a:cxn ang="0">
+                <a:pos x="connsiteX4" y="connsiteY4"/>
+              </a:cxn>
+              <a:cxn ang="0">
+                <a:pos x="connsiteX5" y="connsiteY5"/>
+              </a:cxn>
+              <a:cxn ang="0">
+                <a:pos x="connsiteX6" y="connsiteY6"/>
+              </a:cxn>
+              <a:cxn ang="0">
+                <a:pos x="connsiteX7" y="connsiteY7"/>
+              </a:cxn>
+            </a:cxnLst>
+            <a:rect l="l" t="t" r="r" b="b"/>
+            <a:pathLst>
+              <a:path w="2643352" h="1895331">
+                <a:moveTo>
+                  <a:pt x="1321676" y="0"/>
+                </a:moveTo>
+                <a:cubicBezTo>
+                  <a:pt x="2051617" y="0"/>
+                  <a:pt x="2643352" y="591735"/>
+                  <a:pt x="2643352" y="1321676"/>
+                </a:cubicBezTo>
+                <a:cubicBezTo>
+                  <a:pt x="2643352" y="1504161"/>
+                  <a:pt x="2606369" y="1678009"/>
+                  <a:pt x="2539488" y="1836132"/>
+                </a:cubicBezTo>
+                <a:lnTo>
+                  <a:pt x="2510970" y="1895331"/>
+                </a:lnTo>
+                <a:lnTo>
+                  <a:pt x="132382" y="1895331"/>
+                </a:lnTo>
+                <a:lnTo>
+                  <a:pt x="103864" y="1836132"/>
+                </a:lnTo>
+                <a:cubicBezTo>
+                  <a:pt x="36984" y="1678009"/>
+                  <a:pt x="0" y="1504161"/>
+                  <a:pt x="0" y="1321676"/>
+                </a:cubicBezTo>
+                <a:cubicBezTo>
+                  <a:pt x="0" y="591735"/>
+                  <a:pt x="591735" y="0"/>
+                  <a:pt x="1321676" y="0"/>
+                </a:cubicBezTo>
+                <a:close/>
+              </a:path>
+            </a:pathLst>
+          </a:custGeom>
+          <a:solidFill>
+            <a:schemeClr val="accent2"/>
+          </a:solidFill>
+          <a:ln>
+            <a:noFill/>
+          </a:ln>
+        </p:spPr>
+        <p:style>
+          <a:lnRef idx="2">
+            <a:schemeClr val="accent1">
+              <a:shade val="50000"/>
+            </a:schemeClr>
+          </a:lnRef>
+          <a:fillRef idx="1">
+            <a:schemeClr val="accent1"/>
+          </a:fillRef>
+          <a:effectRef idx="0">
+            <a:schemeClr val="accent1"/>
+          </a:effectRef>
+          <a:fontRef idx="minor">
+            <a:schemeClr val="lt1"/>
+          </a:fontRef>
+        </p:style>
+        <p:txBody>
+          <a:bodyPr rtlCol="0" anchor="ctr"/>
+          <a:lstStyle/>
+          <a:p>
+            <a:pPr algn="ctr"/>
+            <a:endParaRPr lang="en-US"/>
+          </a:p>
+        </p:txBody>
+      </p:sp>
+    </p:spTree>
+    <p:extLst>
+      <p:ext uri="{BB962C8B-B14F-4D97-AF65-F5344CB8AC3E}">
+        <p14:creationId xmlns:p14="http://schemas.microsoft.com/office/powerpoint/2010/main" val="4001053230"/>
+      </p:ext>
+    </p:extLst>
+  </p:cSld>
+  <p:clrMapOvr>
+    <a:masterClrMapping/>
+  </p:clrMapOvr>
+  <p:timing>
+    <p:tnLst>
+      <p:par>
+        <p:cTn id="1" dur="indefinite" restart="never" nodeType="tmRoot">
+          <p:childTnLst>
+            <p:seq concurrent="1" nextAc="seek">
+              <p:cTn id="2" dur="indefinite" nodeType="mainSeq">
+                <p:childTnLst>
+                  <p:par>
+                    <p:cTn id="3" fill="hold">
+                      <p:stCondLst>
+                        <p:cond delay="indefinite"/>
+                      </p:stCondLst>
+                      <p:childTnLst>
+                        <p:par>
+                          <p:cTn id="4" fill="hold">
+                            <p:stCondLst>
+                              <p:cond delay="0"/>
+                            </p:stCondLst>
+                            <p:childTnLst>
+                              <p:par>
+                                <p:cTn id="5" presetID="42" presetClass="entr" presetSubtype="0" fill="hold" nodeType="clickEffect">
+                                  <p:stCondLst>
+                                    <p:cond delay="0"/>
+                                  </p:stCondLst>
+                                  <p:childTnLst>
+                                    <p:set>
+                                      <p:cBhvr>
+                                        <p:cTn id="6" dur="1" fill="hold">
+                                          <p:stCondLst>
+                                            <p:cond delay="0"/>
+                                          </p:stCondLst>
+                                        </p:cTn>
+                                        <p:tgtEl>
+                                          <p:spTgt spid="3">
+                                            <p:txEl>
+                                              <p:pRg st="0" end="0"/>
+                                            </p:txEl>
+                                          </p:spTgt>
+                                        </p:tgtEl>
+                                        <p:attrNameLst>
+                                          <p:attrName>style.visibility</p:attrName>
+                                        </p:attrNameLst>
+                                      </p:cBhvr>
+                                      <p:to>
+                                        <p:strVal val="visible"/>
+                                      </p:to>
+                                    </p:set>
+                                    <p:animEffect transition="in" filter="fade">
+                                      <p:cBhvr>
+                                        <p:cTn id="7" dur="1000"/>
+                                        <p:tgtEl>
+                                          <p:spTgt spid="3">
+                                            <p:txEl>
+                                              <p:pRg st="0" end="0"/>
+                                            </p:txEl>
+                                          </p:spTgt>
+                                        </p:tgtEl>
+                                      </p:cBhvr>
+                                    </p:animEffect>
+                                    <p:anim calcmode="lin" valueType="num">
+                                      <p:cBhvr>
+                                        <p:cTn id="8" dur="1000" fill="hold"/>
+                                        <p:tgtEl>
+                                          <p:spTgt spid="3">
+                                            <p:txEl>
+                                              <p:pRg st="0" end="0"/>
+                                            </p:txEl>
+                                          </p:spTgt>
+                                        </p:tgtEl>
+                                        <p:attrNameLst>
+                                          <p:attrName>ppt_x</p:attrName>
+                                        </p:attrNameLst>
+                                      </p:cBhvr>
+                                      <p:tavLst>
+                                        <p:tav tm="0">
+                                          <p:val>
+                                            <p:strVal val="#ppt_x"/>
+                                          </p:val>
+                                        </p:tav>
+                                        <p:tav tm="100000">
+                                          <p:val>
+                                            <p:strVal val="#ppt_x"/>
+                                          </p:val>
+                                        </p:tav>
+                                      </p:tavLst>
+                                    </p:anim>
+                                    <p:anim calcmode="lin" valueType="num">
+                                      <p:cBhvr>
+                                        <p:cTn id="9" dur="1000" fill="hold"/>
+                                        <p:tgtEl>
+                                          <p:spTgt spid="3">
+                                            <p:txEl>
+                                              <p:pRg st="0" end="0"/>
+                                            </p:txEl>
+                                          </p:spTgt>
+                                        </p:tgtEl>
+                                        <p:attrNameLst>
+                                          <p:attrName>ppt_y</p:attrName>
+                                        </p:attrNameLst>
+                                      </p:cBhvr>
+                                      <p:tavLst>
+                                        <p:tav tm="0">
+                                          <p:val>
+                                            <p:strVal val="#ppt_y+.1"/>
+                                          </p:val>
+                                        </p:tav>
+                                        <p:tav tm="100000">
+                                          <p:val>
+                                            <p:strVal val="#ppt_y"/>
+                                          </p:val>
+                                        </p:tav>
+                                      </p:tavLst>
+                                    </p:anim>
+                                  </p:childTnLst>
+                                </p:cTn>
+                              </p:par>
+                            </p:childTnLst>
+                          </p:cTn>
+                        </p:par>
+                      </p:childTnLst>
+                    </p:cTn>
+                  </p:par>
+                  <p:par>
+                    <p:cTn id="10" fill="hold">
+                      <p:stCondLst>
+                        <p:cond delay="indefinite"/>
+                      </p:stCondLst>
+                      <p:childTnLst>
+                        <p:par>
+                          <p:cTn id="11" fill="hold">
+                            <p:stCondLst>
+                              <p:cond delay="0"/>
+                            </p:stCondLst>
+                            <p:childTnLst>
+                              <p:par>
+                                <p:cTn id="12" presetID="42" presetClass="entr" presetSubtype="0" fill="hold" nodeType="clickEffect">
+                                  <p:stCondLst>
+                                    <p:cond delay="0"/>
+                                  </p:stCondLst>
+                                  <p:childTnLst>
+                                    <p:set>
+                                      <p:cBhvr>
+                                        <p:cTn id="13" dur="1" fill="hold">
+                                          <p:stCondLst>
+                                            <p:cond delay="0"/>
+                                          </p:stCondLst>
+                                        </p:cTn>
+                                        <p:tgtEl>
+                                          <p:spTgt spid="3">
+                                            <p:txEl>
+                                              <p:pRg st="1" end="1"/>
+                                            </p:txEl>
+                                          </p:spTgt>
+                                        </p:tgtEl>
+                                        <p:attrNameLst>
+                                          <p:attrName>style.visibility</p:attrName>
+                                        </p:attrNameLst>
+                                      </p:cBhvr>
+                                      <p:to>
+                                        <p:strVal val="visible"/>
+                                      </p:to>
+                                    </p:set>
+                                    <p:animEffect transition="in" filter="fade">
+                                      <p:cBhvr>
+                                        <p:cTn id="14" dur="1000"/>
+                                        <p:tgtEl>
+                                          <p:spTgt spid="3">
+                                            <p:txEl>
+                                              <p:pRg st="1" end="1"/>
+                                            </p:txEl>
+                                          </p:spTgt>
+                                        </p:tgtEl>
+                                      </p:cBhvr>
+                                    </p:animEffect>
+                                    <p:anim calcmode="lin" valueType="num">
+                                      <p:cBhvr>
+                                        <p:cTn id="15" dur="1000" fill="hold"/>
+                                        <p:tgtEl>
+                                          <p:spTgt spid="3">
+                                            <p:txEl>
+                                              <p:pRg st="1" end="1"/>
+                                            </p:txEl>
+                                          </p:spTgt>
+                                        </p:tgtEl>
+                                        <p:attrNameLst>
+                                          <p:attrName>ppt_x</p:attrName>
+                                        </p:attrNameLst>
+                                      </p:cBhvr>
+                                      <p:tavLst>
+                                        <p:tav tm="0">
+                                          <p:val>
+                                            <p:strVal val="#ppt_x"/>
+                                          </p:val>
+                                        </p:tav>
+                                        <p:tav tm="100000">
+                                          <p:val>
+                                            <p:strVal val="#ppt_x"/>
+                                          </p:val>
+                                        </p:tav>
+                                      </p:tavLst>
+                                    </p:anim>
+                                    <p:anim calcmode="lin" valueType="num">
+                                      <p:cBhvr>
+                                        <p:cTn id="16" dur="1000" fill="hold"/>
+                                        <p:tgtEl>
+                                          <p:spTgt spid="3">
+                                            <p:txEl>
+                                              <p:pRg st="1" end="1"/>
+                                            </p:txEl>
+                                          </p:spTgt>
+                                        </p:tgtEl>
+                                        <p:attrNameLst>
+                                          <p:attrName>ppt_y</p:attrName>
+                                        </p:attrNameLst>
+                                      </p:cBhvr>
+                                      <p:tavLst>
+                                        <p:tav tm="0">
+                                          <p:val>
+                                            <p:strVal val="#ppt_y+.1"/>
+                                          </p:val>
+                                        </p:tav>
+                                        <p:tav tm="100000">
+                                          <p:val>
+                                            <p:strVal val="#ppt_y"/>
+                                          </p:val>
+                                        </p:tav>
+                                      </p:tavLst>
+                                    </p:anim>
+                                  </p:childTnLst>
+                                </p:cTn>
+                              </p:par>
+                            </p:childTnLst>
+                          </p:cTn>
+                        </p:par>
+                      </p:childTnLst>
+                    </p:cTn>
+                  </p:par>
+                  <p:par>
+                    <p:cTn id="17" fill="hold">
+                      <p:stCondLst>
+                        <p:cond delay="indefinite"/>
+                      </p:stCondLst>
+                      <p:childTnLst>
+                        <p:par>
+                          <p:cTn id="18" fill="hold">
+                            <p:stCondLst>
+                              <p:cond delay="0"/>
+                            </p:stCondLst>
+                            <p:childTnLst>
+                              <p:par>
+                                <p:cTn id="19" presetID="42" presetClass="entr" presetSubtype="0" fill="hold" nodeType="clickEffect">
+                                  <p:stCondLst>
+                                    <p:cond delay="0"/>
+                                  </p:stCondLst>
+                                  <p:childTnLst>
+                                    <p:set>
+                                      <p:cBhvr>
+                                        <p:cTn id="20" dur="1" fill="hold">
+                                          <p:stCondLst>
+                                            <p:cond delay="0"/>
+                                          </p:stCondLst>
+                                        </p:cTn>
+                                        <p:tgtEl>
+                                          <p:spTgt spid="3">
+                                            <p:txEl>
+                                              <p:pRg st="2" end="2"/>
+                                            </p:txEl>
+                                          </p:spTgt>
+                                        </p:tgtEl>
+                                        <p:attrNameLst>
+                                          <p:attrName>style.visibility</p:attrName>
+                                        </p:attrNameLst>
+                                      </p:cBhvr>
+                                      <p:to>
+                                        <p:strVal val="visible"/>
+                                      </p:to>
+                                    </p:set>
+                                    <p:animEffect transition="in" filter="fade">
+                                      <p:cBhvr>
+                                        <p:cTn id="21" dur="1000"/>
+                                        <p:tgtEl>
+                                          <p:spTgt spid="3">
+                                            <p:txEl>
+                                              <p:pRg st="2" end="2"/>
+                                            </p:txEl>
+                                          </p:spTgt>
+                                        </p:tgtEl>
+                                      </p:cBhvr>
+                                    </p:animEffect>
+                                    <p:anim calcmode="lin" valueType="num">
+                                      <p:cBhvr>
+                                        <p:cTn id="22" dur="1000" fill="hold"/>
+                                        <p:tgtEl>
+                                          <p:spTgt spid="3">
+                                            <p:txEl>
+                                              <p:pRg st="2" end="2"/>
+                                            </p:txEl>
+                                          </p:spTgt>
+                                        </p:tgtEl>
+                                        <p:attrNameLst>
+                                          <p:attrName>ppt_x</p:attrName>
+                                        </p:attrNameLst>
+                                      </p:cBhvr>
+                                      <p:tavLst>
+                                        <p:tav tm="0">
+                                          <p:val>
+                                            <p:strVal val="#ppt_x"/>
+                                          </p:val>
+                                        </p:tav>
+                                        <p:tav tm="100000">
+                                          <p:val>
+                                            <p:strVal val="#ppt_x"/>
+                                          </p:val>
+                                        </p:tav>
+                                      </p:tavLst>
+                                    </p:anim>
+                                    <p:anim calcmode="lin" valueType="num">
+                                      <p:cBhvr>
+                                        <p:cTn id="23" dur="1000" fill="hold"/>
+                                        <p:tgtEl>
+                                          <p:spTgt spid="3">
+                                            <p:txEl>
+                                              <p:pRg st="2" end="2"/>
+                                            </p:txEl>
+                                          </p:spTgt>
+                                        </p:tgtEl>
+                                        <p:attrNameLst>
+                                          <p:attrName>ppt_y</p:attrName>
+                                        </p:attrNameLst>
+                                      </p:cBhvr>
+                                      <p:tavLst>
+                                        <p:tav tm="0">
+                                          <p:val>
+                                            <p:strVal val="#ppt_y+.1"/>
+                                          </p:val>
+                                        </p:tav>
+                                        <p:tav tm="100000">
+                                          <p:val>
+                                            <p:strVal val="#ppt_y"/>
+                                          </p:val>
+                                        </p:tav>
+                                      </p:tavLst>
+                                    </p:anim>
+                                  </p:childTnLst>
+                                </p:cTn>
+                              </p:par>
+                            </p:childTnLst>
+                          </p:cTn>
+                        </p:par>
+                      </p:childTnLst>
+                    </p:cTn>
+                  </p:par>
+                  <p:par>
+                    <p:cTn id="24" fill="hold">
+                      <p:stCondLst>
+                        <p:cond delay="indefinite"/>
+                      </p:stCondLst>
+                      <p:childTnLst>
+                        <p:par>
+                          <p:cTn id="25" fill="hold">
+                            <p:stCondLst>
+                              <p:cond delay="0"/>
+                            </p:stCondLst>
+                            <p:childTnLst>
+                              <p:par>
+                                <p:cTn id="26" presetID="42" presetClass="entr" presetSubtype="0" fill="hold" nodeType="clickEffect">
+                                  <p:stCondLst>
+                                    <p:cond delay="0"/>
+                                  </p:stCondLst>
+                                  <p:childTnLst>
+                                    <p:set>
+                                      <p:cBhvr>
+                                        <p:cTn id="27" dur="1" fill="hold">
+                                          <p:stCondLst>
+                                            <p:cond delay="0"/>
+                                          </p:stCondLst>
+                                        </p:cTn>
+                                        <p:tgtEl>
+                                          <p:spTgt spid="3">
+                                            <p:txEl>
+                                              <p:pRg st="3" end="3"/>
+                                            </p:txEl>
+                                          </p:spTgt>
+                                        </p:tgtEl>
+                                        <p:attrNameLst>
+                                          <p:attrName>style.visibility</p:attrName>
+                                        </p:attrNameLst>
+                                      </p:cBhvr>
+                                      <p:to>
+                                        <p:strVal val="visible"/>
+                                      </p:to>
+                                    </p:set>
+                                    <p:animEffect transition="in" filter="fade">
+                                      <p:cBhvr>
+                                        <p:cTn id="28" dur="1000"/>
+                                        <p:tgtEl>
+                                          <p:spTgt spid="3">
+                                            <p:txEl>
+                                              <p:pRg st="3" end="3"/>
+                                            </p:txEl>
+                                          </p:spTgt>
+                                        </p:tgtEl>
+                                      </p:cBhvr>
+                                    </p:animEffect>
+                                    <p:anim calcmode="lin" valueType="num">
+                                      <p:cBhvr>
+                                        <p:cTn id="29" dur="1000" fill="hold"/>
+                                        <p:tgtEl>
+                                          <p:spTgt spid="3">
+                                            <p:txEl>
+                                              <p:pRg st="3" end="3"/>
+                                            </p:txEl>
+                                          </p:spTgt>
+                                        </p:tgtEl>
+                                        <p:attrNameLst>
+                                          <p:attrName>ppt_x</p:attrName>
+                                        </p:attrNameLst>
+                                      </p:cBhvr>
+                                      <p:tavLst>
+                                        <p:tav tm="0">
+                                          <p:val>
+                                            <p:strVal val="#ppt_x"/>
+                                          </p:val>
+                                        </p:tav>
+                                        <p:tav tm="100000">
+                                          <p:val>
+                                            <p:strVal val="#ppt_x"/>
+                                          </p:val>
+                                        </p:tav>
+                                      </p:tavLst>
+                                    </p:anim>
+                                    <p:anim calcmode="lin" valueType="num">
+                                      <p:cBhvr>
+                                        <p:cTn id="30" dur="1000" fill="hold"/>
+                                        <p:tgtEl>
+                                          <p:spTgt spid="3">
+                                            <p:txEl>
+                                              <p:pRg st="3" end="3"/>
+                                            </p:txEl>
+                                          </p:spTgt>
+                                        </p:tgtEl>
+                                        <p:attrNameLst>
+                                          <p:attrName>ppt_y</p:attrName>
+                                        </p:attrNameLst>
+                                      </p:cBhvr>
+                                      <p:tavLst>
+                                        <p:tav tm="0">
+                                          <p:val>
+                                            <p:strVal val="#ppt_y+.1"/>
+                                          </p:val>
+                                        </p:tav>
+                                        <p:tav tm="100000">
+                                          <p:val>
+                                            <p:strVal val="#ppt_y"/>
+                                          </p:val>
+                                        </p:tav>
+                                      </p:tavLst>
+                                    </p:anim>
+                                  </p:childTnLst>
+                                </p:cTn>
+                              </p:par>
+                            </p:childTnLst>
+                          </p:cTn>
+                        </p:par>
+                      </p:childTnLst>
+                    </p:cTn>
+                  </p:par>
+                  <p:par>
+                    <p:cTn id="31" fill="hold">
+                      <p:stCondLst>
+                        <p:cond delay="indefinite"/>
+                      </p:stCondLst>
+                      <p:childTnLst>
+                        <p:par>
+                          <p:cTn id="32" fill="hold">
+                            <p:stCondLst>
+                              <p:cond delay="0"/>
+                            </p:stCondLst>
+                            <p:childTnLst>
+                              <p:par>
+                                <p:cTn id="33" presetID="42" presetClass="entr" presetSubtype="0" fill="hold" nodeType="clickEffect">
+                                  <p:stCondLst>
+                                    <p:cond delay="0"/>
+                                  </p:stCondLst>
+                                  <p:childTnLst>
+                                    <p:set>
+                                      <p:cBhvr>
+                                        <p:cTn id="34" dur="1" fill="hold">
+                                          <p:stCondLst>
+                                            <p:cond delay="0"/>
+                                          </p:stCondLst>
+                                        </p:cTn>
+                                        <p:tgtEl>
+                                          <p:spTgt spid="3">
+                                            <p:txEl>
+                                              <p:pRg st="4" end="4"/>
+                                            </p:txEl>
+                                          </p:spTgt>
+                                        </p:tgtEl>
+                                        <p:attrNameLst>
+                                          <p:attrName>style.visibility</p:attrName>
+                                        </p:attrNameLst>
+                                      </p:cBhvr>
+                                      <p:to>
+                                        <p:strVal val="visible"/>
+                                      </p:to>
+                                    </p:set>
+                                    <p:animEffect transition="in" filter="fade">
+                                      <p:cBhvr>
+                                        <p:cTn id="35" dur="1000"/>
+                                        <p:tgtEl>
+                                          <p:spTgt spid="3">
+                                            <p:txEl>
+                                              <p:pRg st="4" end="4"/>
+                                            </p:txEl>
+                                          </p:spTgt>
+                                        </p:tgtEl>
+                                      </p:cBhvr>
+                                    </p:animEffect>
+                                    <p:anim calcmode="lin" valueType="num">
+                                      <p:cBhvr>
+                                        <p:cTn id="36" dur="1000" fill="hold"/>
+                                        <p:tgtEl>
+                                          <p:spTgt spid="3">
+                                            <p:txEl>
+                                              <p:pRg st="4" end="4"/>
+                                            </p:txEl>
+                                          </p:spTgt>
+                                        </p:tgtEl>
+                                        <p:attrNameLst>
+                                          <p:attrName>ppt_x</p:attrName>
+                                        </p:attrNameLst>
+                                      </p:cBhvr>
+                                      <p:tavLst>
+                                        <p:tav tm="0">
+                                          <p:val>
+                                            <p:strVal val="#ppt_x"/>
+                                          </p:val>
+                                        </p:tav>
+                                        <p:tav tm="100000">
+                                          <p:val>
+                                            <p:strVal val="#ppt_x"/>
+                                          </p:val>
+                                        </p:tav>
+                                      </p:tavLst>
+                                    </p:anim>
+                                    <p:anim calcmode="lin" valueType="num">
+                                      <p:cBhvr>
+                                        <p:cTn id="37" dur="1000" fill="hold"/>
+                                        <p:tgtEl>
+                                          <p:spTgt spid="3">
+                                            <p:txEl>
+                                              <p:pRg st="4" end="4"/>
+                                            </p:txEl>
+                                          </p:spTgt>
+                                        </p:tgtEl>
+                                        <p:attrNameLst>
+                                          <p:attrName>ppt_y</p:attrName>
+                                        </p:attrNameLst>
+                                      </p:cBhvr>
+                                      <p:tavLst>
+                                        <p:tav tm="0">
+                                          <p:val>
+                                            <p:strVal val="#ppt_y+.1"/>
+                                          </p:val>
+                                        </p:tav>
+                                        <p:tav tm="100000">
+                                          <p:val>
+                                            <p:strVal val="#ppt_y"/>
+                                          </p:val>
+                                        </p:tav>
+                                      </p:tavLst>
+                                    </p:anim>
+                                  </p:childTnLst>
+                                </p:cTn>
+                              </p:par>
+                            </p:childTnLst>
+                          </p:cTn>
+                        </p:par>
+                      </p:childTnLst>
+                    </p:cTn>
+                  </p:par>
+                  <p:par>
+                    <p:cTn id="38" fill="hold">
+                      <p:stCondLst>
+                        <p:cond delay="indefinite"/>
+                      </p:stCondLst>
+                      <p:childTnLst>
+                        <p:par>
+                          <p:cTn id="39" fill="hold">
+                            <p:stCondLst>
+                              <p:cond delay="0"/>
+                            </p:stCondLst>
+                            <p:childTnLst>
+                              <p:par>
+                                <p:cTn id="40" presetID="42" presetClass="entr" presetSubtype="0" fill="hold" nodeType="clickEffect">
+                                  <p:stCondLst>
+                                    <p:cond delay="0"/>
+                                  </p:stCondLst>
+                                  <p:childTnLst>
+                                    <p:set>
+                                      <p:cBhvr>
+                                        <p:cTn id="41" dur="1" fill="hold">
+                                          <p:stCondLst>
+                                            <p:cond delay="0"/>
+                                          </p:stCondLst>
+                                        </p:cTn>
+                                        <p:tgtEl>
+                                          <p:spTgt spid="3">
+                                            <p:txEl>
+                                              <p:pRg st="5" end="5"/>
+                                            </p:txEl>
+                                          </p:spTgt>
+                                        </p:tgtEl>
+                                        <p:attrNameLst>
+                                          <p:attrName>style.visibility</p:attrName>
+                                        </p:attrNameLst>
+                                      </p:cBhvr>
+                                      <p:to>
+                                        <p:strVal val="visible"/>
+                                      </p:to>
+                                    </p:set>
+                                    <p:animEffect transition="in" filter="fade">
+                                      <p:cBhvr>
+                                        <p:cTn id="42" dur="1000"/>
+                                        <p:tgtEl>
+                                          <p:spTgt spid="3">
+                                            <p:txEl>
+                                              <p:pRg st="5" end="5"/>
+                                            </p:txEl>
+                                          </p:spTgt>
+                                        </p:tgtEl>
+                                      </p:cBhvr>
+                                    </p:animEffect>
+                                    <p:anim calcmode="lin" valueType="num">
+                                      <p:cBhvr>
+                                        <p:cTn id="43" dur="1000" fill="hold"/>
+                                        <p:tgtEl>
+                                          <p:spTgt spid="3">
+                                            <p:txEl>
+                                              <p:pRg st="5" end="5"/>
+                                            </p:txEl>
+                                          </p:spTgt>
+                                        </p:tgtEl>
+                                        <p:attrNameLst>
+                                          <p:attrName>ppt_x</p:attrName>
+                                        </p:attrNameLst>
+                                      </p:cBhvr>
+                                      <p:tavLst>
+                                        <p:tav tm="0">
+                                          <p:val>
+                                            <p:strVal val="#ppt_x"/>
+                                          </p:val>
+                                        </p:tav>
+                                        <p:tav tm="100000">
+                                          <p:val>
+                                            <p:strVal val="#ppt_x"/>
+                                          </p:val>
+                                        </p:tav>
+                                      </p:tavLst>
+                                    </p:anim>
+                                    <p:anim calcmode="lin" valueType="num">
+                                      <p:cBhvr>
+                                        <p:cTn id="44" dur="1000" fill="hold"/>
+                                        <p:tgtEl>
+                                          <p:spTgt spid="3">
+                                            <p:txEl>
+                                              <p:pRg st="5" end="5"/>
+                                            </p:txEl>
+                                          </p:spTgt>
+                                        </p:tgtEl>
+                                        <p:attrNameLst>
+                                          <p:attrName>ppt_y</p:attrName>
+                                        </p:attrNameLst>
+                                      </p:cBhvr>
+                                      <p:tavLst>
+                                        <p:tav tm="0">
+                                          <p:val>
+                                            <p:strVal val="#ppt_y+.1"/>
+                                          </p:val>
+                                        </p:tav>
+                                        <p:tav tm="100000">
+                                          <p:val>
+                                            <p:strVal val="#ppt_y"/>
+                                          </p:val>
+                                        </p:tav>
+                                      </p:tavLst>
+                                    </p:anim>
+                                  </p:childTnLst>
+                                </p:cTn>
+                              </p:par>
+                            </p:childTnLst>
+                          </p:cTn>
+                        </p:par>
+                      </p:childTnLst>
+                    </p:cTn>
+                  </p:par>
+                  <p:par>
+                    <p:cTn id="45" fill="hold">
+                      <p:stCondLst>
+                        <p:cond delay="indefinite"/>
+                      </p:stCondLst>
+                      <p:childTnLst>
+                        <p:par>
+                          <p:cTn id="46" fill="hold">
+                            <p:stCondLst>
+                              <p:cond delay="0"/>
+                            </p:stCondLst>
+                            <p:childTnLst>
+                              <p:par>
+                                <p:cTn id="47" presetID="42" presetClass="entr" presetSubtype="0" fill="hold" nodeType="clickEffect">
+                                  <p:stCondLst>
+                                    <p:cond delay="0"/>
+                                  </p:stCondLst>
+                                  <p:childTnLst>
+                                    <p:set>
+                                      <p:cBhvr>
+                                        <p:cTn id="48" dur="1" fill="hold">
+                                          <p:stCondLst>
+                                            <p:cond delay="0"/>
+                                          </p:stCondLst>
+                                        </p:cTn>
+                                        <p:tgtEl>
+                                          <p:spTgt spid="3">
+                                            <p:txEl>
+                                              <p:pRg st="6" end="6"/>
+                                            </p:txEl>
+                                          </p:spTgt>
+                                        </p:tgtEl>
+                                        <p:attrNameLst>
+                                          <p:attrName>style.visibility</p:attrName>
+                                        </p:attrNameLst>
+                                      </p:cBhvr>
+                                      <p:to>
+                                        <p:strVal val="visible"/>
+                                      </p:to>
+                                    </p:set>
+                                    <p:animEffect transition="in" filter="fade">
+                                      <p:cBhvr>
+                                        <p:cTn id="49" dur="1000"/>
+                                        <p:tgtEl>
+                                          <p:spTgt spid="3">
+                                            <p:txEl>
+                                              <p:pRg st="6" end="6"/>
+                                            </p:txEl>
+                                          </p:spTgt>
+                                        </p:tgtEl>
+                                      </p:cBhvr>
+                                    </p:animEffect>
+                                    <p:anim calcmode="lin" valueType="num">
+                                      <p:cBhvr>
+                                        <p:cTn id="50" dur="1000" fill="hold"/>
+                                        <p:tgtEl>
+                                          <p:spTgt spid="3">
+                                            <p:txEl>
+                                              <p:pRg st="6" end="6"/>
+                                            </p:txEl>
+                                          </p:spTgt>
+                                        </p:tgtEl>
+                                        <p:attrNameLst>
+                                          <p:attrName>ppt_x</p:attrName>
+                                        </p:attrNameLst>
+                                      </p:cBhvr>
+                                      <p:tavLst>
+                                        <p:tav tm="0">
+                                          <p:val>
+                                            <p:strVal val="#ppt_x"/>
+                                          </p:val>
+                                        </p:tav>
+                                        <p:tav tm="100000">
+                                          <p:val>
+                                            <p:strVal val="#ppt_x"/>
+                                          </p:val>
+                                        </p:tav>
+                                      </p:tavLst>
+                                    </p:anim>
+                                    <p:anim calcmode="lin" valueType="num">
+                                      <p:cBhvr>
+                                        <p:cTn id="51" dur="1000" fill="hold"/>
+                                        <p:tgtEl>
+                                          <p:spTgt spid="3">
+                                            <p:txEl>
+                                              <p:pRg st="6" end="6"/>
+                                            </p:txEl>
+                                          </p:spTgt>
+                                        </p:tgtEl>
+                                        <p:attrNameLst>
+                                          <p:attrName>ppt_y</p:attrName>
+                                        </p:attrNameLst>
+                                      </p:cBhvr>
+                                      <p:tavLst>
+                                        <p:tav tm="0">
+                                          <p:val>
+                                            <p:strVal val="#ppt_y+.1"/>
+                                          </p:val>
+                                        </p:tav>
+                                        <p:tav tm="100000">
+                                          <p:val>
+                                            <p:strVal val="#ppt_y"/>
+                                          </p:val>
+                                        </p:tav>
+                                      </p:tavLst>
+                                    </p:anim>
+                                  </p:childTnLst>
+                                </p:cTn>
+                              </p:par>
+                            </p:childTnLst>
+                          </p:cTn>
+                        </p:par>
+                      </p:childTnLst>
+                    </p:cTn>
+                  </p:par>
+                  <p:par>
+                    <p:cTn id="52" fill="hold">
+                      <p:stCondLst>
+                        <p:cond delay="indefinite"/>
+                      </p:stCondLst>
+                      <p:childTnLst>
+                        <p:par>
+                          <p:cTn id="53" fill="hold">
+                            <p:stCondLst>
+                              <p:cond delay="0"/>
+                            </p:stCondLst>
+                            <p:childTnLst>
+                              <p:par>
+                                <p:cTn id="54" presetID="42" presetClass="entr" presetSubtype="0" fill="hold" nodeType="clickEffect">
+                                  <p:stCondLst>
+                                    <p:cond delay="0"/>
+                                  </p:stCondLst>
+                                  <p:childTnLst>
+                                    <p:set>
+                                      <p:cBhvr>
+                                        <p:cTn id="55" dur="1" fill="hold">
+                                          <p:stCondLst>
+                                            <p:cond delay="0"/>
+                                          </p:stCondLst>
+                                        </p:cTn>
+                                        <p:tgtEl>
+                                          <p:spTgt spid="3">
+                                            <p:txEl>
+                                              <p:pRg st="7" end="7"/>
+                                            </p:txEl>
+                                          </p:spTgt>
+                                        </p:tgtEl>
+                                        <p:attrNameLst>
+                                          <p:attrName>style.visibility</p:attrName>
+                                        </p:attrNameLst>
+                                      </p:cBhvr>
+                                      <p:to>
+                                        <p:strVal val="visible"/>
+                                      </p:to>
+                                    </p:set>
+                                    <p:animEffect transition="in" filter="fade">
+                                      <p:cBhvr>
+                                        <p:cTn id="56" dur="1000"/>
+                                        <p:tgtEl>
+                                          <p:spTgt spid="3">
+                                            <p:txEl>
+                                              <p:pRg st="7" end="7"/>
+                                            </p:txEl>
+                                          </p:spTgt>
+                                        </p:tgtEl>
+                                      </p:cBhvr>
+                                    </p:animEffect>
+                                    <p:anim calcmode="lin" valueType="num">
+                                      <p:cBhvr>
+                                        <p:cTn id="57" dur="1000" fill="hold"/>
+                                        <p:tgtEl>
+                                          <p:spTgt spid="3">
+                                            <p:txEl>
+                                              <p:pRg st="7" end="7"/>
+                                            </p:txEl>
+                                          </p:spTgt>
+                                        </p:tgtEl>
+                                        <p:attrNameLst>
+                                          <p:attrName>ppt_x</p:attrName>
+                                        </p:attrNameLst>
+                                      </p:cBhvr>
+                                      <p:tavLst>
+                                        <p:tav tm="0">
+                                          <p:val>
+                                            <p:strVal val="#ppt_x"/>
+                                          </p:val>
+                                        </p:tav>
+                                        <p:tav tm="100000">
+                                          <p:val>
+                                            <p:strVal val="#ppt_x"/>
+                                          </p:val>
+                                        </p:tav>
+                                      </p:tavLst>
+                                    </p:anim>
+                                    <p:anim calcmode="lin" valueType="num">
+                                      <p:cBhvr>
+                                        <p:cTn id="58" dur="1000" fill="hold"/>
+                                        <p:tgtEl>
+                                          <p:spTgt spid="3">
+                                            <p:txEl>
+                                              <p:pRg st="7" end="7"/>
+                                            </p:txEl>
+                                          </p:spTgt>
+                                        </p:tgtEl>
+                                        <p:attrNameLst>
+                                          <p:attrName>ppt_y</p:attrName>
+                                        </p:attrNameLst>
+                                      </p:cBhvr>
+                                      <p:tavLst>
+                                        <p:tav tm="0">
+                                          <p:val>
+                                            <p:strVal val="#ppt_y+.1"/>
+                                          </p:val>
+                                        </p:tav>
+                                        <p:tav tm="100000">
+                                          <p:val>
+                                            <p:strVal val="#ppt_y"/>
+                                          </p:val>
+                                        </p:tav>
+                                      </p:tavLst>
+                                    </p:anim>
+                                  </p:childTnLst>
+                                </p:cTn>
+                              </p:par>
+                            </p:childTnLst>
+                          </p:cTn>
+                        </p:par>
+                      </p:childTnLst>
+                    </p:cTn>
+                  </p:par>
+                  <p:par>
+                    <p:cTn id="59" fill="hold">
+                      <p:stCondLst>
+                        <p:cond delay="indefinite"/>
+                      </p:stCondLst>
+                      <p:childTnLst>
+                        <p:par>
+                          <p:cTn id="60" fill="hold">
+                            <p:stCondLst>
+                              <p:cond delay="0"/>
+                            </p:stCondLst>
+                            <p:childTnLst>
+                              <p:par>
+                                <p:cTn id="61" presetID="42" presetClass="entr" presetSubtype="0" fill="hold" nodeType="clickEffect">
+                                  <p:stCondLst>
+                                    <p:cond delay="0"/>
+                                  </p:stCondLst>
+                                  <p:childTnLst>
+                                    <p:set>
+                                      <p:cBhvr>
+                                        <p:cTn id="62" dur="1" fill="hold">
+                                          <p:stCondLst>
+                                            <p:cond delay="0"/>
+                                          </p:stCondLst>
+                                        </p:cTn>
+                                        <p:tgtEl>
+                                          <p:spTgt spid="3">
+                                            <p:txEl>
+                                              <p:pRg st="8" end="8"/>
+                                            </p:txEl>
+                                          </p:spTgt>
+                                        </p:tgtEl>
+                                        <p:attrNameLst>
+                                          <p:attrName>style.visibility</p:attrName>
+                                        </p:attrNameLst>
+                                      </p:cBhvr>
+                                      <p:to>
+                                        <p:strVal val="visible"/>
+                                      </p:to>
+                                    </p:set>
+                                    <p:animEffect transition="in" filter="fade">
+                                      <p:cBhvr>
+                                        <p:cTn id="63" dur="1000"/>
+                                        <p:tgtEl>
+                                          <p:spTgt spid="3">
+                                            <p:txEl>
+                                              <p:pRg st="8" end="8"/>
+                                            </p:txEl>
+                                          </p:spTgt>
+                                        </p:tgtEl>
+                                      </p:cBhvr>
+                                    </p:animEffect>
+                                    <p:anim calcmode="lin" valueType="num">
+                                      <p:cBhvr>
+                                        <p:cTn id="64" dur="1000" fill="hold"/>
+                                        <p:tgtEl>
+                                          <p:spTgt spid="3">
+                                            <p:txEl>
+                                              <p:pRg st="8" end="8"/>
+                                            </p:txEl>
+                                          </p:spTgt>
+                                        </p:tgtEl>
+                                        <p:attrNameLst>
+                                          <p:attrName>ppt_x</p:attrName>
+                                        </p:attrNameLst>
+                                      </p:cBhvr>
+                                      <p:tavLst>
+                                        <p:tav tm="0">
+                                          <p:val>
+                                            <p:strVal val="#ppt_x"/>
+                                          </p:val>
+                                        </p:tav>
+                                        <p:tav tm="100000">
+                                          <p:val>
+                                            <p:strVal val="#ppt_x"/>
+                                          </p:val>
+                                        </p:tav>
+                                      </p:tavLst>
+                                    </p:anim>
+                                    <p:anim calcmode="lin" valueType="num">
+                                      <p:cBhvr>
+                                        <p:cTn id="65" dur="1000" fill="hold"/>
+                                        <p:tgtEl>
+                                          <p:spTgt spid="3">
+                                            <p:txEl>
+                                              <p:pRg st="8" end="8"/>
+                                            </p:txEl>
+                                          </p:spTgt>
+                                        </p:tgtEl>
+                                        <p:attrNameLst>
+                                          <p:attrName>ppt_y</p:attrName>
+                                        </p:attrNameLst>
+                                      </p:cBhvr>
+                                      <p:tavLst>
+                                        <p:tav tm="0">
+                                          <p:val>
+                                            <p:strVal val="#ppt_y+.1"/>
+                                          </p:val>
+                                        </p:tav>
+                                        <p:tav tm="100000">
+                                          <p:val>
+                                            <p:strVal val="#ppt_y"/>
+                                          </p:val>
+                                        </p:tav>
+                                      </p:tavLst>
+                                    </p:anim>
+                                  </p:childTnLst>
+                                </p:cTn>
+                              </p:par>
+                            </p:childTnLst>
+                          </p:cTn>
+                        </p:par>
+                      </p:childTnLst>
+                    </p:cTn>
+                  </p:par>
+                </p:childTnLst>
+              </p:cTn>
+              <p:prevCondLst>
+                <p:cond evt="onPrev" delay="0">
+                  <p:tgtEl>
+                    <p:sldTgt/>
+                  </p:tgtEl>
+                </p:cond>
+              </p:prevCondLst>
+              <p:nextCondLst>
+                <p:cond evt="onNext" delay="0">
+                  <p:tgtEl>
+                    <p:sldTgt/>
+                  </p:tgtEl>
+                </p:cond>
+              </p:nextCondLst>
+            </p:seq>
+          </p:childTnLst>
+        </p:cTn>
+      </p:par>
+    </p:tnLst>
+  </p:timing>
+</p:sld>
+</file>
+
+<file path=ppt/slides/slide16.xml><?xml version="1.0" encoding="utf-8"?>
+<p:sld xmlns:a="http://schemas.openxmlformats.org/drawingml/2006/main" xmlns:r="http://schemas.openxmlformats.org/officeDocument/2006/relationships" xmlns:p="http://schemas.openxmlformats.org/presentationml/2006/main">
+  <p:cSld>
+    <p:bg>
+      <p:bgPr>
+        <a:solidFill>
+          <a:schemeClr val="bg1"/>
+        </a:solidFill>
+        <a:effectLst/>
+      </p:bgPr>
+    </p:bg>
+    <p:spTree>
+      <p:nvGrpSpPr>
+        <p:cNvPr id="1" name=""/>
+        <p:cNvGrpSpPr/>
+        <p:nvPr/>
+      </p:nvGrpSpPr>
+      <p:grpSpPr>
+        <a:xfrm>
+          <a:off x="0" y="0"/>
+          <a:ext cx="0" cy="0"/>
+          <a:chOff x="0" y="0"/>
+          <a:chExt cx="0" cy="0"/>
+        </a:xfrm>
+      </p:grpSpPr>
+      <p:sp useBgFill="1">
+        <p:nvSpPr>
+          <p:cNvPr id="9" name="Rectangle 8">
+            <a:extLst>
+              <a:ext uri="{FF2B5EF4-FFF2-40B4-BE49-F238E27FC236}">
+                <a16:creationId xmlns:a16="http://schemas.microsoft.com/office/drawing/2014/main" id="{F13C74B1-5B17-4795-BED0-7140497B445A}"/>
+              </a:ext>
+              <a:ext uri="{C183D7F6-B498-43B3-948B-1728B52AA6E4}">
+                <adec:decorative xmlns:adec="http://schemas.microsoft.com/office/drawing/2017/decorative" val="1"/>
+              </a:ext>
+            </a:extLst>
+          </p:cNvPr>
+          <p:cNvSpPr>
+            <a:spLocks noGrp="1" noRot="1" noChangeAspect="1" noMove="1" noResize="1" noEditPoints="1" noAdjustHandles="1" noChangeArrowheads="1" noChangeShapeType="1" noTextEdit="1"/>
+          </p:cNvSpPr>
+          <p:nvPr>
+            <p:extLst>
+              <p:ext uri="{386F3935-93C4-4BCD-93E2-E3B085C9AB24}">
+                <p16:designElem xmlns:p16="http://schemas.microsoft.com/office/powerpoint/2015/main" val="1"/>
+              </p:ext>
+            </p:extLst>
+          </p:nvPr>
+        </p:nvSpPr>
+        <p:spPr>
+          <a:xfrm>
+            <a:off x="0" y="0"/>
+            <a:ext cx="12188952" cy="6858000"/>
+          </a:xfrm>
+          <a:prstGeom prst="rect">
+            <a:avLst/>
+          </a:prstGeom>
+          <a:ln>
+            <a:noFill/>
+          </a:ln>
+        </p:spPr>
+        <p:style>
+          <a:lnRef idx="2">
+            <a:schemeClr val="accent1">
+              <a:shade val="50000"/>
+            </a:schemeClr>
+          </a:lnRef>
+          <a:fillRef idx="1">
+            <a:schemeClr val="accent1"/>
+          </a:fillRef>
+          <a:effectRef idx="0">
+            <a:schemeClr val="accent1"/>
+          </a:effectRef>
+          <a:fontRef idx="minor">
+            <a:schemeClr val="lt1"/>
+          </a:fontRef>
+        </p:style>
+        <p:txBody>
+          <a:bodyPr rtlCol="0" anchor="ctr"/>
+          <a:lstStyle/>
+          <a:p>
+            <a:pPr algn="ctr"/>
+            <a:endParaRPr lang="en-US"/>
+          </a:p>
+        </p:txBody>
+      </p:sp>
+      <p:sp>
+        <p:nvSpPr>
+          <p:cNvPr id="2" name="כותרת 1">
+            <a:extLst>
+              <a:ext uri="{FF2B5EF4-FFF2-40B4-BE49-F238E27FC236}">
+                <a16:creationId xmlns:a16="http://schemas.microsoft.com/office/drawing/2014/main" id="{AF87C8AD-1D5C-F602-2737-C384BC63012A}"/>
+              </a:ext>
+            </a:extLst>
+          </p:cNvPr>
+          <p:cNvSpPr>
+            <a:spLocks noGrp="1"/>
+          </p:cNvSpPr>
+          <p:nvPr>
+            <p:ph type="title"/>
+          </p:nvPr>
+        </p:nvSpPr>
+        <p:spPr>
+          <a:xfrm>
+            <a:off x="640080" y="325369"/>
+            <a:ext cx="4368602" cy="1956841"/>
+          </a:xfrm>
+        </p:spPr>
+        <p:txBody>
+          <a:bodyPr anchor="b">
+            <a:normAutofit/>
+          </a:bodyPr>
+          <a:lstStyle/>
+          <a:p>
+            <a:pPr rtl="1"/>
+            <a:r>
+              <a:rPr lang="he-IL" sz="5400" dirty="0"/>
+              <a:t>פסיכולוגיה</a:t>
+            </a:r>
+          </a:p>
+        </p:txBody>
+      </p:sp>
+      <p:sp>
+        <p:nvSpPr>
+          <p:cNvPr id="11" name="sketchy line">
+            <a:extLst>
+              <a:ext uri="{FF2B5EF4-FFF2-40B4-BE49-F238E27FC236}">
+                <a16:creationId xmlns:a16="http://schemas.microsoft.com/office/drawing/2014/main" id="{D4974D33-8DC5-464E-8C6D-BE58F0669C17}"/>
+              </a:ext>
+              <a:ext uri="{C183D7F6-B498-43B3-948B-1728B52AA6E4}">
+                <adec:decorative xmlns:adec="http://schemas.microsoft.com/office/drawing/2017/decorative" val="1"/>
+              </a:ext>
+            </a:extLst>
+          </p:cNvPr>
+          <p:cNvSpPr>
+            <a:spLocks noGrp="1" noRot="1" noChangeAspect="1" noMove="1" noResize="1" noEditPoints="1" noAdjustHandles="1" noChangeArrowheads="1" noChangeShapeType="1" noTextEdit="1"/>
+          </p:cNvSpPr>
+          <p:nvPr>
+            <p:extLst>
+              <p:ext uri="{386F3935-93C4-4BCD-93E2-E3B085C9AB24}">
+                <p16:designElem xmlns:p16="http://schemas.microsoft.com/office/powerpoint/2015/main" val="1"/>
+              </p:ext>
+            </p:extLst>
+          </p:nvPr>
+        </p:nvSpPr>
+        <p:spPr>
+          <a:xfrm>
+            <a:off x="640080" y="2586994"/>
+            <a:ext cx="3474720" cy="18288"/>
+          </a:xfrm>
+          <a:custGeom>
+            <a:avLst/>
+            <a:gdLst>
+              <a:gd name="connsiteX0" fmla="*/ 0 w 3474720"/>
+              <a:gd name="connsiteY0" fmla="*/ 0 h 18288"/>
+              <a:gd name="connsiteX1" fmla="*/ 694944 w 3474720"/>
+              <a:gd name="connsiteY1" fmla="*/ 0 h 18288"/>
+              <a:gd name="connsiteX2" fmla="*/ 1355141 w 3474720"/>
+              <a:gd name="connsiteY2" fmla="*/ 0 h 18288"/>
+              <a:gd name="connsiteX3" fmla="*/ 2015338 w 3474720"/>
+              <a:gd name="connsiteY3" fmla="*/ 0 h 18288"/>
+              <a:gd name="connsiteX4" fmla="*/ 2779776 w 3474720"/>
+              <a:gd name="connsiteY4" fmla="*/ 0 h 18288"/>
+              <a:gd name="connsiteX5" fmla="*/ 3474720 w 3474720"/>
+              <a:gd name="connsiteY5" fmla="*/ 0 h 18288"/>
+              <a:gd name="connsiteX6" fmla="*/ 3474720 w 3474720"/>
+              <a:gd name="connsiteY6" fmla="*/ 18288 h 18288"/>
+              <a:gd name="connsiteX7" fmla="*/ 2779776 w 3474720"/>
+              <a:gd name="connsiteY7" fmla="*/ 18288 h 18288"/>
+              <a:gd name="connsiteX8" fmla="*/ 2189074 w 3474720"/>
+              <a:gd name="connsiteY8" fmla="*/ 18288 h 18288"/>
+              <a:gd name="connsiteX9" fmla="*/ 1528877 w 3474720"/>
+              <a:gd name="connsiteY9" fmla="*/ 18288 h 18288"/>
+              <a:gd name="connsiteX10" fmla="*/ 868680 w 3474720"/>
+              <a:gd name="connsiteY10" fmla="*/ 18288 h 18288"/>
+              <a:gd name="connsiteX11" fmla="*/ 0 w 3474720"/>
+              <a:gd name="connsiteY11" fmla="*/ 18288 h 18288"/>
+              <a:gd name="connsiteX12" fmla="*/ 0 w 3474720"/>
+              <a:gd name="connsiteY12" fmla="*/ 0 h 18288"/>
+            </a:gdLst>
+            <a:ahLst/>
+            <a:cxnLst>
+              <a:cxn ang="0">
+                <a:pos x="connsiteX0" y="connsiteY0"/>
+              </a:cxn>
+              <a:cxn ang="0">
+                <a:pos x="connsiteX1" y="connsiteY1"/>
+              </a:cxn>
+              <a:cxn ang="0">
+                <a:pos x="connsiteX2" y="connsiteY2"/>
+              </a:cxn>
+              <a:cxn ang="0">
+                <a:pos x="connsiteX3" y="connsiteY3"/>
+              </a:cxn>
+              <a:cxn ang="0">
+                <a:pos x="connsiteX4" y="connsiteY4"/>
+              </a:cxn>
+              <a:cxn ang="0">
+                <a:pos x="connsiteX5" y="connsiteY5"/>
+              </a:cxn>
+              <a:cxn ang="0">
+                <a:pos x="connsiteX6" y="connsiteY6"/>
+              </a:cxn>
+              <a:cxn ang="0">
+                <a:pos x="connsiteX7" y="connsiteY7"/>
+              </a:cxn>
+              <a:cxn ang="0">
+                <a:pos x="connsiteX8" y="connsiteY8"/>
+              </a:cxn>
+              <a:cxn ang="0">
+                <a:pos x="connsiteX9" y="connsiteY9"/>
+              </a:cxn>
+              <a:cxn ang="0">
+                <a:pos x="connsiteX10" y="connsiteY10"/>
+              </a:cxn>
+              <a:cxn ang="0">
+                <a:pos x="connsiteX11" y="connsiteY11"/>
+              </a:cxn>
+              <a:cxn ang="0">
+                <a:pos x="connsiteX12" y="connsiteY12"/>
+              </a:cxn>
+            </a:cxnLst>
+            <a:rect l="l" t="t" r="r" b="b"/>
+            <a:pathLst>
+              <a:path w="3474720" h="18288" fill="none" extrusionOk="0">
+                <a:moveTo>
+                  <a:pt x="0" y="0"/>
+                </a:moveTo>
+                <a:cubicBezTo>
+                  <a:pt x="224454" y="-14544"/>
+                  <a:pt x="495407" y="26540"/>
+                  <a:pt x="694944" y="0"/>
+                </a:cubicBezTo>
+                <a:cubicBezTo>
+                  <a:pt x="894481" y="-26540"/>
+                  <a:pt x="1130063" y="24713"/>
+                  <a:pt x="1355141" y="0"/>
+                </a:cubicBezTo>
+                <a:cubicBezTo>
+                  <a:pt x="1580219" y="-24713"/>
+                  <a:pt x="1820099" y="26695"/>
+                  <a:pt x="2015338" y="0"/>
+                </a:cubicBezTo>
+                <a:cubicBezTo>
+                  <a:pt x="2210577" y="-26695"/>
+                  <a:pt x="2402045" y="165"/>
+                  <a:pt x="2779776" y="0"/>
+                </a:cubicBezTo>
+                <a:cubicBezTo>
+                  <a:pt x="3157507" y="-165"/>
+                  <a:pt x="3286859" y="-15571"/>
+                  <a:pt x="3474720" y="0"/>
+                </a:cubicBezTo>
+                <a:cubicBezTo>
+                  <a:pt x="3474286" y="7551"/>
+                  <a:pt x="3474253" y="9822"/>
+                  <a:pt x="3474720" y="18288"/>
+                </a:cubicBezTo>
+                <a:cubicBezTo>
+                  <a:pt x="3233904" y="29845"/>
+                  <a:pt x="2945134" y="-5256"/>
+                  <a:pt x="2779776" y="18288"/>
+                </a:cubicBezTo>
+                <a:cubicBezTo>
+                  <a:pt x="2614418" y="41832"/>
+                  <a:pt x="2339768" y="22709"/>
+                  <a:pt x="2189074" y="18288"/>
+                </a:cubicBezTo>
+                <a:cubicBezTo>
+                  <a:pt x="2038380" y="13867"/>
+                  <a:pt x="1817434" y="-4947"/>
+                  <a:pt x="1528877" y="18288"/>
+                </a:cubicBezTo>
+                <a:cubicBezTo>
+                  <a:pt x="1240320" y="41523"/>
+                  <a:pt x="1042447" y="37198"/>
+                  <a:pt x="868680" y="18288"/>
+                </a:cubicBezTo>
+                <a:cubicBezTo>
+                  <a:pt x="694913" y="-622"/>
+                  <a:pt x="233232" y="44909"/>
+                  <a:pt x="0" y="18288"/>
+                </a:cubicBezTo>
+                <a:cubicBezTo>
+                  <a:pt x="60" y="11696"/>
+                  <a:pt x="66" y="3758"/>
+                  <a:pt x="0" y="0"/>
+                </a:cubicBezTo>
+                <a:close/>
+              </a:path>
+              <a:path w="3474720" h="18288" stroke="0" extrusionOk="0">
+                <a:moveTo>
+                  <a:pt x="0" y="0"/>
+                </a:moveTo>
+                <a:cubicBezTo>
+                  <a:pt x="202328" y="-14716"/>
+                  <a:pt x="332722" y="-11499"/>
+                  <a:pt x="625450" y="0"/>
+                </a:cubicBezTo>
+                <a:cubicBezTo>
+                  <a:pt x="918178" y="11499"/>
+                  <a:pt x="1096688" y="5123"/>
+                  <a:pt x="1389888" y="0"/>
+                </a:cubicBezTo>
+                <a:cubicBezTo>
+                  <a:pt x="1683088" y="-5123"/>
+                  <a:pt x="1835981" y="-14038"/>
+                  <a:pt x="1980590" y="0"/>
+                </a:cubicBezTo>
+                <a:cubicBezTo>
+                  <a:pt x="2125199" y="14038"/>
+                  <a:pt x="2396099" y="-7203"/>
+                  <a:pt x="2571293" y="0"/>
+                </a:cubicBezTo>
+                <a:cubicBezTo>
+                  <a:pt x="2746487" y="7203"/>
+                  <a:pt x="3041609" y="-12036"/>
+                  <a:pt x="3474720" y="0"/>
+                </a:cubicBezTo>
+                <a:cubicBezTo>
+                  <a:pt x="3474638" y="4406"/>
+                  <a:pt x="3474631" y="9982"/>
+                  <a:pt x="3474720" y="18288"/>
+                </a:cubicBezTo>
+                <a:cubicBezTo>
+                  <a:pt x="3324873" y="21876"/>
+                  <a:pt x="3136771" y="12587"/>
+                  <a:pt x="2814523" y="18288"/>
+                </a:cubicBezTo>
+                <a:cubicBezTo>
+                  <a:pt x="2492275" y="23989"/>
+                  <a:pt x="2294402" y="47111"/>
+                  <a:pt x="2154326" y="18288"/>
+                </a:cubicBezTo>
+                <a:cubicBezTo>
+                  <a:pt x="2014250" y="-10535"/>
+                  <a:pt x="1820317" y="33903"/>
+                  <a:pt x="1494130" y="18288"/>
+                </a:cubicBezTo>
+                <a:cubicBezTo>
+                  <a:pt x="1167943" y="2673"/>
+                  <a:pt x="948432" y="14868"/>
+                  <a:pt x="729691" y="18288"/>
+                </a:cubicBezTo>
+                <a:cubicBezTo>
+                  <a:pt x="510950" y="21708"/>
+                  <a:pt x="264032" y="24354"/>
+                  <a:pt x="0" y="18288"/>
+                </a:cubicBezTo>
+                <a:cubicBezTo>
+                  <a:pt x="189" y="14288"/>
+                  <a:pt x="-703" y="3747"/>
+                  <a:pt x="0" y="0"/>
+                </a:cubicBezTo>
+                <a:close/>
+              </a:path>
+            </a:pathLst>
+          </a:custGeom>
+          <a:solidFill>
+            <a:schemeClr val="accent2"/>
+          </a:solidFill>
+          <a:ln w="44450" cap="rnd">
+            <a:solidFill>
+              <a:schemeClr val="accent2"/>
+            </a:solidFill>
+            <a:round/>
+            <a:extLst>
+              <a:ext uri="{C807C97D-BFC1-408E-A445-0C87EB9F89A2}">
+                <ask:lineSketchStyleProps xmlns:ask="http://schemas.microsoft.com/office/drawing/2018/sketchyshapes" sd="2863741219">
+                  <a:prstGeom prst="rect">
+                    <a:avLst/>
+                  </a:prstGeom>
+                  <ask:type>
+                    <ask:lineSketchFreehand/>
+                  </ask:type>
+                </ask:lineSketchStyleProps>
+              </a:ext>
+            </a:extLst>
+          </a:ln>
+        </p:spPr>
+        <p:style>
+          <a:lnRef idx="2">
+            <a:schemeClr val="accent1">
+              <a:shade val="50000"/>
+            </a:schemeClr>
+          </a:lnRef>
+          <a:fillRef idx="1">
+            <a:schemeClr val="accent1"/>
+          </a:fillRef>
+          <a:effectRef idx="0">
+            <a:schemeClr val="accent1"/>
+          </a:effectRef>
+          <a:fontRef idx="minor">
+            <a:schemeClr val="lt1"/>
+          </a:fontRef>
+        </p:style>
+        <p:txBody>
+          <a:bodyPr rtlCol="0" anchor="ctr"/>
+          <a:lstStyle/>
+          <a:p>
+            <a:pPr algn="ctr"/>
+            <a:endParaRPr lang="en-US"/>
+          </a:p>
+        </p:txBody>
+      </p:sp>
+      <p:sp>
+        <p:nvSpPr>
+          <p:cNvPr id="3" name="מציין מיקום תוכן 2">
+            <a:extLst>
+              <a:ext uri="{FF2B5EF4-FFF2-40B4-BE49-F238E27FC236}">
+                <a16:creationId xmlns:a16="http://schemas.microsoft.com/office/drawing/2014/main" id="{16E8CA71-9EA4-EF74-B80E-A8FD081EB903}"/>
+              </a:ext>
+            </a:extLst>
+          </p:cNvPr>
+          <p:cNvSpPr>
+            <a:spLocks noGrp="1"/>
+          </p:cNvSpPr>
+          <p:nvPr>
+            <p:ph idx="1"/>
+          </p:nvPr>
+        </p:nvSpPr>
+        <p:spPr>
+          <a:xfrm>
+            <a:off x="640080" y="2872899"/>
+            <a:ext cx="4243589" cy="3320668"/>
+          </a:xfrm>
+        </p:spPr>
+        <p:txBody>
+          <a:bodyPr>
+            <a:normAutofit/>
+          </a:bodyPr>
+          <a:lstStyle/>
+          <a:p>
+            <a:pPr algn="r" rtl="1"/>
+            <a:r>
+              <a:rPr lang="he-IL" sz="1500" dirty="0"/>
+              <a:t>מה שיהפוך אותכם למפתחים טובים זה המון עבודה קשה... המון</a:t>
+            </a:r>
+          </a:p>
+          <a:p>
+            <a:pPr algn="r" rtl="1"/>
+            <a:r>
+              <a:rPr lang="he-IL" sz="1500" dirty="0"/>
+              <a:t>חלקכם ילמד מהר נושאים </a:t>
+            </a:r>
+            <a:r>
+              <a:rPr lang="he-IL" sz="1500" dirty="0" err="1"/>
+              <a:t>מסויימים</a:t>
+            </a:r>
+            <a:r>
+              <a:rPr lang="he-IL" sz="1500" dirty="0"/>
+              <a:t> וחלקכם ילמד לאט. לא להתייאש</a:t>
+            </a:r>
+          </a:p>
+          <a:p>
+            <a:pPr algn="r" rtl="1"/>
+            <a:r>
+              <a:rPr lang="he-IL" sz="1500" dirty="0"/>
+              <a:t>ראו </a:t>
+            </a:r>
+            <a:r>
+              <a:rPr lang="he-IL" sz="1500" dirty="0" err="1"/>
+              <a:t>הכל</a:t>
+            </a:r>
+            <a:r>
+              <a:rPr lang="he-IL" sz="1500" dirty="0"/>
+              <a:t> כמשחק. תהנו, גם אם אתם לא הכי טובים. פשוט תשקיעו יותר.</a:t>
+            </a:r>
+          </a:p>
+          <a:p>
+            <a:pPr algn="r" rtl="1"/>
+            <a:r>
+              <a:rPr lang="he-IL" sz="1500" dirty="0"/>
+              <a:t>עזרו אחד לשני, תהנו</a:t>
+            </a:r>
+          </a:p>
+          <a:p>
+            <a:pPr algn="r" rtl="1"/>
+            <a:r>
+              <a:rPr lang="he-IL" sz="1500" dirty="0"/>
+              <a:t>ככל שתתמכרו למשחק הזה, כך תהיו טובים יותר.</a:t>
+            </a:r>
+          </a:p>
+          <a:p>
+            <a:pPr algn="r" rtl="1"/>
+            <a:r>
+              <a:rPr lang="he-IL" sz="1500" dirty="0"/>
+              <a:t>זהו משחק פאזלים</a:t>
+            </a:r>
+          </a:p>
+        </p:txBody>
+      </p:sp>
+      <p:pic>
+        <p:nvPicPr>
+          <p:cNvPr id="5" name="Picture 4" descr="קבוצת צונחים גדולה באוויר">
+            <a:extLst>
+              <a:ext uri="{FF2B5EF4-FFF2-40B4-BE49-F238E27FC236}">
+                <a16:creationId xmlns:a16="http://schemas.microsoft.com/office/drawing/2014/main" id="{24AD3ABA-77E5-91F0-44B3-032ADB410793}"/>
+              </a:ext>
+            </a:extLst>
+          </p:cNvPr>
+          <p:cNvPicPr>
+            <a:picLocks noChangeAspect="1"/>
+          </p:cNvPicPr>
+          <p:nvPr/>
+        </p:nvPicPr>
+        <p:blipFill rotWithShape="1">
+          <a:blip r:embed="rId2"/>
+          <a:srcRect l="17233" r="16065"/>
+          <a:stretch/>
+        </p:blipFill>
+        <p:spPr>
+          <a:xfrm>
+            <a:off x="5311702" y="10"/>
+            <a:ext cx="6878775" cy="6857990"/>
+          </a:xfrm>
+          <a:custGeom>
+            <a:avLst/>
+            <a:gdLst/>
+            <a:ahLst/>
+            <a:cxnLst/>
+            <a:rect l="l" t="t" r="r" b="b"/>
+            <a:pathLst>
+              <a:path w="6878775" h="6858000">
+                <a:moveTo>
+                  <a:pt x="1102973" y="0"/>
+                </a:moveTo>
+                <a:lnTo>
+                  <a:pt x="1160688" y="0"/>
+                </a:lnTo>
+                <a:lnTo>
+                  <a:pt x="983189" y="331786"/>
+                </a:lnTo>
+                <a:cubicBezTo>
+                  <a:pt x="914866" y="469145"/>
+                  <a:pt x="850355" y="608712"/>
+                  <a:pt x="789261" y="750263"/>
+                </a:cubicBezTo>
+                <a:cubicBezTo>
+                  <a:pt x="774307" y="784928"/>
+                  <a:pt x="759992" y="819849"/>
+                  <a:pt x="745295" y="854514"/>
+                </a:cubicBezTo>
+                <a:cubicBezTo>
+                  <a:pt x="756682" y="845393"/>
+                  <a:pt x="765489" y="833492"/>
+                  <a:pt x="770857" y="819975"/>
+                </a:cubicBezTo>
+                <a:cubicBezTo>
+                  <a:pt x="879943" y="589569"/>
+                  <a:pt x="999605" y="365513"/>
+                  <a:pt x="1131329" y="148742"/>
+                </a:cubicBezTo>
+                <a:lnTo>
+                  <a:pt x="1227589" y="0"/>
+                </a:lnTo>
+                <a:lnTo>
+                  <a:pt x="6878775" y="0"/>
+                </a:lnTo>
+                <a:lnTo>
+                  <a:pt x="6878775" y="6858000"/>
+                </a:lnTo>
+                <a:lnTo>
+                  <a:pt x="713521" y="6858000"/>
+                </a:lnTo>
+                <a:lnTo>
+                  <a:pt x="625642" y="6670527"/>
+                </a:lnTo>
+                <a:cubicBezTo>
+                  <a:pt x="507232" y="6398531"/>
+                  <a:pt x="403083" y="6118381"/>
+                  <a:pt x="312785" y="5830359"/>
+                </a:cubicBezTo>
+                <a:cubicBezTo>
+                  <a:pt x="278149" y="5719759"/>
+                  <a:pt x="248879" y="5607635"/>
+                  <a:pt x="212198" y="5480401"/>
+                </a:cubicBezTo>
+                <a:cubicBezTo>
+                  <a:pt x="212208" y="5491601"/>
+                  <a:pt x="212803" y="5502788"/>
+                  <a:pt x="213988" y="5513923"/>
+                </a:cubicBezTo>
+                <a:cubicBezTo>
+                  <a:pt x="264089" y="5723695"/>
+                  <a:pt x="307290" y="5935370"/>
+                  <a:pt x="365826" y="6142729"/>
+                </a:cubicBezTo>
+                <a:cubicBezTo>
+                  <a:pt x="433152" y="6380817"/>
+                  <a:pt x="510068" y="6614016"/>
+                  <a:pt x="597975" y="6841549"/>
+                </a:cubicBezTo>
+                <a:lnTo>
+                  <a:pt x="604824" y="6858000"/>
+                </a:lnTo>
+                <a:lnTo>
+                  <a:pt x="552056" y="6858000"/>
+                </a:lnTo>
+                <a:lnTo>
+                  <a:pt x="539576" y="6828295"/>
+                </a:lnTo>
+                <a:cubicBezTo>
+                  <a:pt x="380597" y="6414594"/>
+                  <a:pt x="260223" y="5988893"/>
+                  <a:pt x="171555" y="5552906"/>
+                </a:cubicBezTo>
+                <a:cubicBezTo>
+                  <a:pt x="91163" y="5157998"/>
+                  <a:pt x="43746" y="4758899"/>
+                  <a:pt x="12305" y="4357388"/>
+                </a:cubicBezTo>
+                <a:cubicBezTo>
+                  <a:pt x="-14281" y="4013908"/>
+                  <a:pt x="4507" y="3672965"/>
+                  <a:pt x="46684" y="3331516"/>
+                </a:cubicBezTo>
+                <a:cubicBezTo>
+                  <a:pt x="127203" y="2664286"/>
+                  <a:pt x="277819" y="2007265"/>
+                  <a:pt x="496065" y="1371196"/>
+                </a:cubicBezTo>
+                <a:cubicBezTo>
+                  <a:pt x="636273" y="966066"/>
+                  <a:pt x="800445" y="573253"/>
+                  <a:pt x="995723" y="196614"/>
+                </a:cubicBezTo>
+                <a:close/>
+              </a:path>
+            </a:pathLst>
+          </a:custGeom>
+        </p:spPr>
+      </p:pic>
+    </p:spTree>
+    <p:extLst>
+      <p:ext uri="{BB962C8B-B14F-4D97-AF65-F5344CB8AC3E}">
+        <p14:creationId xmlns:p14="http://schemas.microsoft.com/office/powerpoint/2010/main" val="2193348647"/>
+      </p:ext>
+    </p:extLst>
+  </p:cSld>
+  <p:clrMapOvr>
+    <a:masterClrMapping/>
+  </p:clrMapOvr>
+  <p:timing>
+    <p:tnLst>
+      <p:par>
+        <p:cTn id="1" dur="indefinite" restart="never" nodeType="tmRoot">
+          <p:childTnLst>
+            <p:seq concurrent="1" nextAc="seek">
+              <p:cTn id="2" dur="indefinite" nodeType="mainSeq">
+                <p:childTnLst>
+                  <p:par>
+                    <p:cTn id="3" fill="hold">
+                      <p:stCondLst>
+                        <p:cond delay="indefinite"/>
+                      </p:stCondLst>
+                      <p:childTnLst>
+                        <p:par>
+                          <p:cTn id="4" fill="hold">
+                            <p:stCondLst>
+                              <p:cond delay="0"/>
+                            </p:stCondLst>
+                            <p:childTnLst>
+                              <p:par>
+                                <p:cTn id="5" presetID="42" presetClass="entr" presetSubtype="0" fill="hold" nodeType="clickEffect">
+                                  <p:stCondLst>
+                                    <p:cond delay="0"/>
+                                  </p:stCondLst>
+                                  <p:childTnLst>
+                                    <p:set>
+                                      <p:cBhvr>
+                                        <p:cTn id="6" dur="1" fill="hold">
+                                          <p:stCondLst>
+                                            <p:cond delay="0"/>
+                                          </p:stCondLst>
+                                        </p:cTn>
+                                        <p:tgtEl>
+                                          <p:spTgt spid="3">
+                                            <p:txEl>
+                                              <p:pRg st="0" end="0"/>
+                                            </p:txEl>
+                                          </p:spTgt>
+                                        </p:tgtEl>
+                                        <p:attrNameLst>
+                                          <p:attrName>style.visibility</p:attrName>
+                                        </p:attrNameLst>
+                                      </p:cBhvr>
+                                      <p:to>
+                                        <p:strVal val="visible"/>
+                                      </p:to>
+                                    </p:set>
+                                    <p:animEffect transition="in" filter="fade">
+                                      <p:cBhvr>
+                                        <p:cTn id="7" dur="1000"/>
+                                        <p:tgtEl>
+                                          <p:spTgt spid="3">
+                                            <p:txEl>
+                                              <p:pRg st="0" end="0"/>
+                                            </p:txEl>
+                                          </p:spTgt>
+                                        </p:tgtEl>
+                                      </p:cBhvr>
+                                    </p:animEffect>
+                                    <p:anim calcmode="lin" valueType="num">
+                                      <p:cBhvr>
+                                        <p:cTn id="8" dur="1000" fill="hold"/>
+                                        <p:tgtEl>
+                                          <p:spTgt spid="3">
+                                            <p:txEl>
+                                              <p:pRg st="0" end="0"/>
+                                            </p:txEl>
+                                          </p:spTgt>
+                                        </p:tgtEl>
+                                        <p:attrNameLst>
+                                          <p:attrName>ppt_x</p:attrName>
+                                        </p:attrNameLst>
+                                      </p:cBhvr>
+                                      <p:tavLst>
+                                        <p:tav tm="0">
+                                          <p:val>
+                                            <p:strVal val="#ppt_x"/>
+                                          </p:val>
+                                        </p:tav>
+                                        <p:tav tm="100000">
+                                          <p:val>
+                                            <p:strVal val="#ppt_x"/>
+                                          </p:val>
+                                        </p:tav>
+                                      </p:tavLst>
+                                    </p:anim>
+                                    <p:anim calcmode="lin" valueType="num">
+                                      <p:cBhvr>
+                                        <p:cTn id="9" dur="1000" fill="hold"/>
+                                        <p:tgtEl>
+                                          <p:spTgt spid="3">
+                                            <p:txEl>
+                                              <p:pRg st="0" end="0"/>
+                                            </p:txEl>
+                                          </p:spTgt>
+                                        </p:tgtEl>
+                                        <p:attrNameLst>
+                                          <p:attrName>ppt_y</p:attrName>
+                                        </p:attrNameLst>
+                                      </p:cBhvr>
+                                      <p:tavLst>
+                                        <p:tav tm="0">
+                                          <p:val>
+                                            <p:strVal val="#ppt_y+.1"/>
+                                          </p:val>
+                                        </p:tav>
+                                        <p:tav tm="100000">
+                                          <p:val>
+                                            <p:strVal val="#ppt_y"/>
+                                          </p:val>
+                                        </p:tav>
+                                      </p:tavLst>
+                                    </p:anim>
+                                  </p:childTnLst>
+                                </p:cTn>
+                              </p:par>
+                            </p:childTnLst>
+                          </p:cTn>
+                        </p:par>
+                      </p:childTnLst>
+                    </p:cTn>
+                  </p:par>
+                  <p:par>
+                    <p:cTn id="10" fill="hold">
+                      <p:stCondLst>
+                        <p:cond delay="indefinite"/>
+                      </p:stCondLst>
+                      <p:childTnLst>
+                        <p:par>
+                          <p:cTn id="11" fill="hold">
+                            <p:stCondLst>
+                              <p:cond delay="0"/>
+                            </p:stCondLst>
+                            <p:childTnLst>
+                              <p:par>
+                                <p:cTn id="12" presetID="42" presetClass="entr" presetSubtype="0" fill="hold" nodeType="clickEffect">
+                                  <p:stCondLst>
+                                    <p:cond delay="0"/>
+                                  </p:stCondLst>
+                                  <p:childTnLst>
+                                    <p:set>
+                                      <p:cBhvr>
+                                        <p:cTn id="13" dur="1" fill="hold">
+                                          <p:stCondLst>
+                                            <p:cond delay="0"/>
+                                          </p:stCondLst>
+                                        </p:cTn>
+                                        <p:tgtEl>
+                                          <p:spTgt spid="3">
+                                            <p:txEl>
+                                              <p:pRg st="1" end="1"/>
+                                            </p:txEl>
+                                          </p:spTgt>
+                                        </p:tgtEl>
+                                        <p:attrNameLst>
+                                          <p:attrName>style.visibility</p:attrName>
+                                        </p:attrNameLst>
+                                      </p:cBhvr>
+                                      <p:to>
+                                        <p:strVal val="visible"/>
+                                      </p:to>
+                                    </p:set>
+                                    <p:animEffect transition="in" filter="fade">
+                                      <p:cBhvr>
+                                        <p:cTn id="14" dur="1000"/>
+                                        <p:tgtEl>
+                                          <p:spTgt spid="3">
+                                            <p:txEl>
+                                              <p:pRg st="1" end="1"/>
+                                            </p:txEl>
+                                          </p:spTgt>
+                                        </p:tgtEl>
+                                      </p:cBhvr>
+                                    </p:animEffect>
+                                    <p:anim calcmode="lin" valueType="num">
+                                      <p:cBhvr>
+                                        <p:cTn id="15" dur="1000" fill="hold"/>
+                                        <p:tgtEl>
+                                          <p:spTgt spid="3">
+                                            <p:txEl>
+                                              <p:pRg st="1" end="1"/>
+                                            </p:txEl>
+                                          </p:spTgt>
+                                        </p:tgtEl>
+                                        <p:attrNameLst>
+                                          <p:attrName>ppt_x</p:attrName>
+                                        </p:attrNameLst>
+                                      </p:cBhvr>
+                                      <p:tavLst>
+                                        <p:tav tm="0">
+                                          <p:val>
+                                            <p:strVal val="#ppt_x"/>
+                                          </p:val>
+                                        </p:tav>
+                                        <p:tav tm="100000">
+                                          <p:val>
+                                            <p:strVal val="#ppt_x"/>
+                                          </p:val>
+                                        </p:tav>
+                                      </p:tavLst>
+                                    </p:anim>
+                                    <p:anim calcmode="lin" valueType="num">
+                                      <p:cBhvr>
+                                        <p:cTn id="16" dur="1000" fill="hold"/>
+                                        <p:tgtEl>
+                                          <p:spTgt spid="3">
+                                            <p:txEl>
+                                              <p:pRg st="1" end="1"/>
+                                            </p:txEl>
+                                          </p:spTgt>
+                                        </p:tgtEl>
+                                        <p:attrNameLst>
+                                          <p:attrName>ppt_y</p:attrName>
+                                        </p:attrNameLst>
+                                      </p:cBhvr>
+                                      <p:tavLst>
+                                        <p:tav tm="0">
+                                          <p:val>
+                                            <p:strVal val="#ppt_y+.1"/>
+                                          </p:val>
+                                        </p:tav>
+                                        <p:tav tm="100000">
+                                          <p:val>
+                                            <p:strVal val="#ppt_y"/>
+                                          </p:val>
+                                        </p:tav>
+                                      </p:tavLst>
+                                    </p:anim>
+                                  </p:childTnLst>
+                                </p:cTn>
+                              </p:par>
+                            </p:childTnLst>
+                          </p:cTn>
+                        </p:par>
+                      </p:childTnLst>
+                    </p:cTn>
+                  </p:par>
+                  <p:par>
+                    <p:cTn id="17" fill="hold">
+                      <p:stCondLst>
+                        <p:cond delay="indefinite"/>
+                      </p:stCondLst>
+                      <p:childTnLst>
+                        <p:par>
+                          <p:cTn id="18" fill="hold">
+                            <p:stCondLst>
+                              <p:cond delay="0"/>
+                            </p:stCondLst>
+                            <p:childTnLst>
+                              <p:par>
+                                <p:cTn id="19" presetID="42" presetClass="entr" presetSubtype="0" fill="hold" nodeType="clickEffect">
+                                  <p:stCondLst>
+                                    <p:cond delay="0"/>
+                                  </p:stCondLst>
+                                  <p:childTnLst>
+                                    <p:set>
+                                      <p:cBhvr>
+                                        <p:cTn id="20" dur="1" fill="hold">
+                                          <p:stCondLst>
+                                            <p:cond delay="0"/>
+                                          </p:stCondLst>
+                                        </p:cTn>
+                                        <p:tgtEl>
+                                          <p:spTgt spid="3">
+                                            <p:txEl>
+                                              <p:pRg st="2" end="2"/>
+                                            </p:txEl>
+                                          </p:spTgt>
+                                        </p:tgtEl>
+                                        <p:attrNameLst>
+                                          <p:attrName>style.visibility</p:attrName>
+                                        </p:attrNameLst>
+                                      </p:cBhvr>
+                                      <p:to>
+                                        <p:strVal val="visible"/>
+                                      </p:to>
+                                    </p:set>
+                                    <p:animEffect transition="in" filter="fade">
+                                      <p:cBhvr>
+                                        <p:cTn id="21" dur="1000"/>
+                                        <p:tgtEl>
+                                          <p:spTgt spid="3">
+                                            <p:txEl>
+                                              <p:pRg st="2" end="2"/>
+                                            </p:txEl>
+                                          </p:spTgt>
+                                        </p:tgtEl>
+                                      </p:cBhvr>
+                                    </p:animEffect>
+                                    <p:anim calcmode="lin" valueType="num">
+                                      <p:cBhvr>
+                                        <p:cTn id="22" dur="1000" fill="hold"/>
+                                        <p:tgtEl>
+                                          <p:spTgt spid="3">
+                                            <p:txEl>
+                                              <p:pRg st="2" end="2"/>
+                                            </p:txEl>
+                                          </p:spTgt>
+                                        </p:tgtEl>
+                                        <p:attrNameLst>
+                                          <p:attrName>ppt_x</p:attrName>
+                                        </p:attrNameLst>
+                                      </p:cBhvr>
+                                      <p:tavLst>
+                                        <p:tav tm="0">
+                                          <p:val>
+                                            <p:strVal val="#ppt_x"/>
+                                          </p:val>
+                                        </p:tav>
+                                        <p:tav tm="100000">
+                                          <p:val>
+                                            <p:strVal val="#ppt_x"/>
+                                          </p:val>
+                                        </p:tav>
+                                      </p:tavLst>
+                                    </p:anim>
+                                    <p:anim calcmode="lin" valueType="num">
+                                      <p:cBhvr>
+                                        <p:cTn id="23" dur="1000" fill="hold"/>
+                                        <p:tgtEl>
+                                          <p:spTgt spid="3">
+                                            <p:txEl>
+                                              <p:pRg st="2" end="2"/>
+                                            </p:txEl>
+                                          </p:spTgt>
+                                        </p:tgtEl>
+                                        <p:attrNameLst>
+                                          <p:attrName>ppt_y</p:attrName>
+                                        </p:attrNameLst>
+                                      </p:cBhvr>
+                                      <p:tavLst>
+                                        <p:tav tm="0">
+                                          <p:val>
+                                            <p:strVal val="#ppt_y+.1"/>
+                                          </p:val>
+                                        </p:tav>
+                                        <p:tav tm="100000">
+                                          <p:val>
+                                            <p:strVal val="#ppt_y"/>
+                                          </p:val>
+                                        </p:tav>
+                                      </p:tavLst>
+                                    </p:anim>
+                                  </p:childTnLst>
+                                </p:cTn>
+                              </p:par>
+                            </p:childTnLst>
+                          </p:cTn>
+                        </p:par>
+                      </p:childTnLst>
+                    </p:cTn>
+                  </p:par>
+                  <p:par>
+                    <p:cTn id="24" fill="hold">
+                      <p:stCondLst>
+                        <p:cond delay="indefinite"/>
+                      </p:stCondLst>
+                      <p:childTnLst>
+                        <p:par>
+                          <p:cTn id="25" fill="hold">
+                            <p:stCondLst>
+                              <p:cond delay="0"/>
+                            </p:stCondLst>
+                            <p:childTnLst>
+                              <p:par>
+                                <p:cTn id="26" presetID="42" presetClass="entr" presetSubtype="0" fill="hold" nodeType="clickEffect">
+                                  <p:stCondLst>
+                                    <p:cond delay="0"/>
+                                  </p:stCondLst>
+                                  <p:childTnLst>
+                                    <p:set>
+                                      <p:cBhvr>
+                                        <p:cTn id="27" dur="1" fill="hold">
+                                          <p:stCondLst>
+                                            <p:cond delay="0"/>
+                                          </p:stCondLst>
+                                        </p:cTn>
+                                        <p:tgtEl>
+                                          <p:spTgt spid="3">
+                                            <p:txEl>
+                                              <p:pRg st="3" end="3"/>
+                                            </p:txEl>
+                                          </p:spTgt>
+                                        </p:tgtEl>
+                                        <p:attrNameLst>
+                                          <p:attrName>style.visibility</p:attrName>
+                                        </p:attrNameLst>
+                                      </p:cBhvr>
+                                      <p:to>
+                                        <p:strVal val="visible"/>
+                                      </p:to>
+                                    </p:set>
+                                    <p:animEffect transition="in" filter="fade">
+                                      <p:cBhvr>
+                                        <p:cTn id="28" dur="1000"/>
+                                        <p:tgtEl>
+                                          <p:spTgt spid="3">
+                                            <p:txEl>
+                                              <p:pRg st="3" end="3"/>
+                                            </p:txEl>
+                                          </p:spTgt>
+                                        </p:tgtEl>
+                                      </p:cBhvr>
+                                    </p:animEffect>
+                                    <p:anim calcmode="lin" valueType="num">
+                                      <p:cBhvr>
+                                        <p:cTn id="29" dur="1000" fill="hold"/>
+                                        <p:tgtEl>
+                                          <p:spTgt spid="3">
+                                            <p:txEl>
+                                              <p:pRg st="3" end="3"/>
+                                            </p:txEl>
+                                          </p:spTgt>
+                                        </p:tgtEl>
+                                        <p:attrNameLst>
+                                          <p:attrName>ppt_x</p:attrName>
+                                        </p:attrNameLst>
+                                      </p:cBhvr>
+                                      <p:tavLst>
+                                        <p:tav tm="0">
+                                          <p:val>
+                                            <p:strVal val="#ppt_x"/>
+                                          </p:val>
+                                        </p:tav>
+                                        <p:tav tm="100000">
+                                          <p:val>
+                                            <p:strVal val="#ppt_x"/>
+                                          </p:val>
+                                        </p:tav>
+                                      </p:tavLst>
+                                    </p:anim>
+                                    <p:anim calcmode="lin" valueType="num">
+                                      <p:cBhvr>
+                                        <p:cTn id="30" dur="1000" fill="hold"/>
+                                        <p:tgtEl>
+                                          <p:spTgt spid="3">
+                                            <p:txEl>
+                                              <p:pRg st="3" end="3"/>
+                                            </p:txEl>
+                                          </p:spTgt>
+                                        </p:tgtEl>
+                                        <p:attrNameLst>
+                                          <p:attrName>ppt_y</p:attrName>
+                                        </p:attrNameLst>
+                                      </p:cBhvr>
+                                      <p:tavLst>
+                                        <p:tav tm="0">
+                                          <p:val>
+                                            <p:strVal val="#ppt_y+.1"/>
+                                          </p:val>
+                                        </p:tav>
+                                        <p:tav tm="100000">
+                                          <p:val>
+                                            <p:strVal val="#ppt_y"/>
+                                          </p:val>
+                                        </p:tav>
+                                      </p:tavLst>
+                                    </p:anim>
+                                  </p:childTnLst>
+                                </p:cTn>
+                              </p:par>
+                            </p:childTnLst>
+                          </p:cTn>
+                        </p:par>
+                      </p:childTnLst>
+                    </p:cTn>
+                  </p:par>
+                  <p:par>
+                    <p:cTn id="31" fill="hold">
+                      <p:stCondLst>
+                        <p:cond delay="indefinite"/>
+                      </p:stCondLst>
+                      <p:childTnLst>
+                        <p:par>
+                          <p:cTn id="32" fill="hold">
+                            <p:stCondLst>
+                              <p:cond delay="0"/>
+                            </p:stCondLst>
+                            <p:childTnLst>
+                              <p:par>
+                                <p:cTn id="33" presetID="42" presetClass="entr" presetSubtype="0" fill="hold" nodeType="clickEffect">
+                                  <p:stCondLst>
+                                    <p:cond delay="0"/>
+                                  </p:stCondLst>
+                                  <p:childTnLst>
+                                    <p:set>
+                                      <p:cBhvr>
+                                        <p:cTn id="34" dur="1" fill="hold">
+                                          <p:stCondLst>
+                                            <p:cond delay="0"/>
+                                          </p:stCondLst>
+                                        </p:cTn>
+                                        <p:tgtEl>
+                                          <p:spTgt spid="3">
+                                            <p:txEl>
+                                              <p:pRg st="4" end="4"/>
+                                            </p:txEl>
+                                          </p:spTgt>
+                                        </p:tgtEl>
+                                        <p:attrNameLst>
+                                          <p:attrName>style.visibility</p:attrName>
+                                        </p:attrNameLst>
+                                      </p:cBhvr>
+                                      <p:to>
+                                        <p:strVal val="visible"/>
+                                      </p:to>
+                                    </p:set>
+                                    <p:animEffect transition="in" filter="fade">
+                                      <p:cBhvr>
+                                        <p:cTn id="35" dur="1000"/>
+                                        <p:tgtEl>
+                                          <p:spTgt spid="3">
+                                            <p:txEl>
+                                              <p:pRg st="4" end="4"/>
+                                            </p:txEl>
+                                          </p:spTgt>
+                                        </p:tgtEl>
+                                      </p:cBhvr>
+                                    </p:animEffect>
+                                    <p:anim calcmode="lin" valueType="num">
+                                      <p:cBhvr>
+                                        <p:cTn id="36" dur="1000" fill="hold"/>
+                                        <p:tgtEl>
+                                          <p:spTgt spid="3">
+                                            <p:txEl>
+                                              <p:pRg st="4" end="4"/>
+                                            </p:txEl>
+                                          </p:spTgt>
+                                        </p:tgtEl>
+                                        <p:attrNameLst>
+                                          <p:attrName>ppt_x</p:attrName>
+                                        </p:attrNameLst>
+                                      </p:cBhvr>
+                                      <p:tavLst>
+                                        <p:tav tm="0">
+                                          <p:val>
+                                            <p:strVal val="#ppt_x"/>
+                                          </p:val>
+                                        </p:tav>
+                                        <p:tav tm="100000">
+                                          <p:val>
+                                            <p:strVal val="#ppt_x"/>
+                                          </p:val>
+                                        </p:tav>
+                                      </p:tavLst>
+                                    </p:anim>
+                                    <p:anim calcmode="lin" valueType="num">
+                                      <p:cBhvr>
+                                        <p:cTn id="37" dur="1000" fill="hold"/>
+                                        <p:tgtEl>
+                                          <p:spTgt spid="3">
+                                            <p:txEl>
+                                              <p:pRg st="4" end="4"/>
+                                            </p:txEl>
+                                          </p:spTgt>
+                                        </p:tgtEl>
+                                        <p:attrNameLst>
+                                          <p:attrName>ppt_y</p:attrName>
+                                        </p:attrNameLst>
+                                      </p:cBhvr>
+                                      <p:tavLst>
+                                        <p:tav tm="0">
+                                          <p:val>
+                                            <p:strVal val="#ppt_y+.1"/>
+                                          </p:val>
+                                        </p:tav>
+                                        <p:tav tm="100000">
+                                          <p:val>
+                                            <p:strVal val="#ppt_y"/>
+                                          </p:val>
+                                        </p:tav>
+                                      </p:tavLst>
+                                    </p:anim>
+                                  </p:childTnLst>
+                                </p:cTn>
+                              </p:par>
+                            </p:childTnLst>
+                          </p:cTn>
+                        </p:par>
+                      </p:childTnLst>
+                    </p:cTn>
+                  </p:par>
+                  <p:par>
+                    <p:cTn id="38" fill="hold">
+                      <p:stCondLst>
+                        <p:cond delay="indefinite"/>
+                      </p:stCondLst>
+                      <p:childTnLst>
+                        <p:par>
+                          <p:cTn id="39" fill="hold">
+                            <p:stCondLst>
+                              <p:cond delay="0"/>
+                            </p:stCondLst>
+                            <p:childTnLst>
+                              <p:par>
+                                <p:cTn id="40" presetID="42" presetClass="entr" presetSubtype="0" fill="hold" nodeType="clickEffect">
+                                  <p:stCondLst>
+                                    <p:cond delay="0"/>
+                                  </p:stCondLst>
+                                  <p:childTnLst>
+                                    <p:set>
+                                      <p:cBhvr>
+                                        <p:cTn id="41" dur="1" fill="hold">
+                                          <p:stCondLst>
+                                            <p:cond delay="0"/>
+                                          </p:stCondLst>
+                                        </p:cTn>
+                                        <p:tgtEl>
+                                          <p:spTgt spid="3">
+                                            <p:txEl>
+                                              <p:pRg st="5" end="5"/>
+                                            </p:txEl>
+                                          </p:spTgt>
+                                        </p:tgtEl>
+                                        <p:attrNameLst>
+                                          <p:attrName>style.visibility</p:attrName>
+                                        </p:attrNameLst>
+                                      </p:cBhvr>
+                                      <p:to>
+                                        <p:strVal val="visible"/>
+                                      </p:to>
+                                    </p:set>
+                                    <p:animEffect transition="in" filter="fade">
+                                      <p:cBhvr>
+                                        <p:cTn id="42" dur="1000"/>
+                                        <p:tgtEl>
+                                          <p:spTgt spid="3">
+                                            <p:txEl>
+                                              <p:pRg st="5" end="5"/>
+                                            </p:txEl>
+                                          </p:spTgt>
+                                        </p:tgtEl>
+                                      </p:cBhvr>
+                                    </p:animEffect>
+                                    <p:anim calcmode="lin" valueType="num">
+                                      <p:cBhvr>
+                                        <p:cTn id="43" dur="1000" fill="hold"/>
+                                        <p:tgtEl>
+                                          <p:spTgt spid="3">
+                                            <p:txEl>
+                                              <p:pRg st="5" end="5"/>
+                                            </p:txEl>
+                                          </p:spTgt>
+                                        </p:tgtEl>
+                                        <p:attrNameLst>
+                                          <p:attrName>ppt_x</p:attrName>
+                                        </p:attrNameLst>
+                                      </p:cBhvr>
+                                      <p:tavLst>
+                                        <p:tav tm="0">
+                                          <p:val>
+                                            <p:strVal val="#ppt_x"/>
+                                          </p:val>
+                                        </p:tav>
+                                        <p:tav tm="100000">
+                                          <p:val>
+                                            <p:strVal val="#ppt_x"/>
+                                          </p:val>
+                                        </p:tav>
+                                      </p:tavLst>
+                                    </p:anim>
+                                    <p:anim calcmode="lin" valueType="num">
+                                      <p:cBhvr>
+                                        <p:cTn id="44" dur="1000" fill="hold"/>
+                                        <p:tgtEl>
+                                          <p:spTgt spid="3">
+                                            <p:txEl>
+                                              <p:pRg st="5" end="5"/>
+                                            </p:txEl>
+                                          </p:spTgt>
+                                        </p:tgtEl>
+                                        <p:attrNameLst>
+                                          <p:attrName>ppt_y</p:attrName>
+                                        </p:attrNameLst>
+                                      </p:cBhvr>
+                                      <p:tavLst>
+                                        <p:tav tm="0">
+                                          <p:val>
+                                            <p:strVal val="#ppt_y+.1"/>
+                                          </p:val>
+                                        </p:tav>
+                                        <p:tav tm="100000">
+                                          <p:val>
+                                            <p:strVal val="#ppt_y"/>
+                                          </p:val>
+                                        </p:tav>
+                                      </p:tavLst>
+                                    </p:anim>
+                                  </p:childTnLst>
+                                </p:cTn>
+                              </p:par>
+                            </p:childTnLst>
+                          </p:cTn>
+                        </p:par>
+                      </p:childTnLst>
+                    </p:cTn>
+                  </p:par>
+                </p:childTnLst>
+              </p:cTn>
+              <p:prevCondLst>
+                <p:cond evt="onPrev" delay="0">
+                  <p:tgtEl>
+                    <p:sldTgt/>
+                  </p:tgtEl>
+                </p:cond>
+              </p:prevCondLst>
+              <p:nextCondLst>
+                <p:cond evt="onNext" delay="0">
+                  <p:tgtEl>
+                    <p:sldTgt/>
+                  </p:tgtEl>
+                </p:cond>
+              </p:nextCondLst>
+            </p:seq>
+          </p:childTnLst>
+        </p:cTn>
+      </p:par>
+    </p:tnLst>
+  </p:timing>
+</p:sld>
+</file>
+
+<file path=ppt/slides/slide17.xml><?xml version="1.0" encoding="utf-8"?>
 <p:sld xmlns:a="http://schemas.openxmlformats.org/drawingml/2006/main" xmlns:r="http://schemas.openxmlformats.org/officeDocument/2006/relationships" xmlns:p="http://schemas.openxmlformats.org/presentationml/2006/main">
   <p:cSld>
     <p:bg>
@@ -46355,7 +50364,7 @@
             <a:pPr algn="r" rtl="1"/>
             <a:r>
               <a:rPr lang="he-IL" dirty="0"/>
-              <a:t>מוביל קורס: שמואל פישמן</a:t>
+              <a:t>מוביל קורס: טל ירון</a:t>
             </a:r>
             <a:endParaRPr lang="en-US" dirty="0"/>
           </a:p>
@@ -47399,83 +51408,69 @@
             <a:pPr algn="r" rtl="1"/>
             <a:r>
               <a:rPr lang="he-IL" sz="2000" dirty="0"/>
-              <a:t>מתכנת מגיל 12</a:t>
+              <a:t>מתכנת מגיל 13  עד 15, ומגיל 44 ועד עכשיו</a:t>
             </a:r>
           </a:p>
           <a:p>
             <a:pPr algn="r" rtl="1"/>
             <a:r>
               <a:rPr lang="he-IL" sz="2000" dirty="0"/>
-              <a:t>מרובה כובעים:</a:t>
+              <a:t>מרובה כובעים: ראש מסלול </a:t>
             </a:r>
             <a:r>
               <a:rPr lang="en-US" sz="2000" dirty="0"/>
-              <a:t> </a:t>
+              <a:t>full stack</a:t>
             </a:r>
             <a:r>
               <a:rPr lang="he-IL" sz="2000" dirty="0"/>
-              <a:t>מדריך, מתכנת, </a:t>
+              <a:t> במכללה, </a:t>
             </a:r>
             <a:r>
-              <a:rPr lang="en-IL" sz="2000" dirty="0"/>
-              <a:t>DBA</a:t>
+              <a:rPr lang="en-US" sz="2000" dirty="0"/>
+              <a:t> CEO</a:t>
             </a:r>
             <a:r>
               <a:rPr lang="he-IL" sz="2000" dirty="0"/>
-              <a:t>, מנהל רשת, ארכיטקט</a:t>
+              <a:t> של </a:t>
+            </a:r>
+            <a:r>
+              <a:rPr lang="he-IL" sz="2000" dirty="0" err="1"/>
+              <a:t>הסטארטאפ</a:t>
+            </a:r>
+            <a:r>
+              <a:rPr lang="he-IL" sz="2000" dirty="0"/>
+              <a:t> "המכון לדמוקרטיה דיונית", מפתח, </a:t>
+            </a:r>
+            <a:r>
+              <a:rPr lang="en-US" sz="2000" dirty="0"/>
+              <a:t>UX</a:t>
+            </a:r>
+            <a:r>
+              <a:rPr lang="he-IL" sz="2000" dirty="0"/>
+              <a:t>, ראש צוות, מכשיר צוותים, </a:t>
+            </a:r>
+            <a:r>
+              <a:rPr lang="en-US" sz="2000" dirty="0"/>
+              <a:t>Product</a:t>
+            </a:r>
+            <a:r>
+              <a:rPr lang="he-IL" sz="2000" dirty="0"/>
+              <a:t>.</a:t>
             </a:r>
           </a:p>
           <a:p>
             <a:pPr algn="r" rtl="1"/>
             <a:r>
               <a:rPr lang="he-IL" sz="2000" dirty="0"/>
-              <a:t>מנהל מערכות מחשוב בטכניון (הדרך למימון התואר...)</a:t>
-            </a:r>
-          </a:p>
-          <a:p>
-            <a:pPr algn="r" rtl="1"/>
-            <a:r>
-              <a:rPr lang="he-IL" sz="2000" dirty="0"/>
-              <a:t>מפתח ומנהל מסדי נתונים של אורקל</a:t>
-            </a:r>
-          </a:p>
-          <a:p>
-            <a:pPr algn="r" rtl="1"/>
-            <a:r>
-              <a:rPr lang="he-IL" sz="2000" dirty="0"/>
-              <a:t>סמנכ"ל טכנולוגיות – </a:t>
+              <a:t>מומחה בפדגוגיה דליברטיבית – מרצה בכמה תחומים (</a:t>
             </a:r>
             <a:r>
-              <a:rPr lang="en-IL" sz="2000" dirty="0" err="1"/>
-              <a:t>db@net</a:t>
-            </a:r>
-            <a:endParaRPr lang="he-IL" sz="2000" dirty="0"/>
-          </a:p>
-          <a:p>
-            <a:pPr algn="r" rtl="1"/>
-            <a:r>
-              <a:rPr lang="he-IL" sz="2000" dirty="0"/>
-              <a:t>ארכיטקט מוצר אבטחת מידע של </a:t>
+              <a:rPr lang="en-US" sz="2000" dirty="0"/>
+              <a:t>new media, UX, </a:t>
             </a:r>
             <a:r>
-              <a:rPr lang="he-IL" sz="2000" dirty="0" err="1"/>
-              <a:t>סנטריגו</a:t>
-            </a:r>
-            <a:r>
-              <a:rPr lang="he-IL" sz="2000" dirty="0"/>
-              <a:t> (לימים </a:t>
-            </a:r>
-            <a:r>
-              <a:rPr lang="en-IL" sz="2000" dirty="0"/>
-              <a:t>Intel Security</a:t>
-            </a:r>
-            <a:r>
-              <a:rPr lang="he-IL" sz="2000" dirty="0"/>
-              <a:t> ו-</a:t>
-            </a:r>
-            <a:r>
-              <a:rPr lang="en-IL" sz="2000" dirty="0"/>
-              <a:t>McAfee</a:t>
+              <a:rPr lang="en-US" sz="2000" dirty="0" err="1"/>
+              <a:t>Fullstack</a:t>
             </a:r>
             <a:r>
               <a:rPr lang="he-IL" sz="2000" dirty="0"/>
@@ -47486,12 +51481,18 @@
             <a:pPr algn="r" rtl="1"/>
             <a:r>
               <a:rPr lang="he-IL" sz="2000" dirty="0"/>
-              <a:t>ארכיטקט מוצר לניהול קו ייצור של </a:t>
+              <a:t>מומחה </a:t>
             </a:r>
             <a:r>
-              <a:rPr lang="en-IL" sz="2000" dirty="0" err="1"/>
-              <a:t>Nayax</a:t>
+              <a:rPr lang="he-IL" sz="2000" dirty="0" err="1"/>
+              <a:t>בדליברציה</a:t>
             </a:r>
+            <a:endParaRPr lang="he-IL" sz="2000" dirty="0"/>
+          </a:p>
+          <a:p>
+            <a:pPr marL="0" indent="0" algn="r" rtl="1">
+              <a:buNone/>
+            </a:pPr>
             <a:endParaRPr lang="he-IL" sz="2000" dirty="0"/>
           </a:p>
         </p:txBody>
@@ -47744,189 +51745,6 @@
                                           <p:spTgt spid="3">
                                             <p:txEl>
                                               <p:pRg st="3" end="3"/>
-                                            </p:txEl>
-                                          </p:spTgt>
-                                        </p:tgtEl>
-                                      </p:cBhvr>
-                                    </p:animEffect>
-                                  </p:childTnLst>
-                                </p:cTn>
-                              </p:par>
-                            </p:childTnLst>
-                          </p:cTn>
-                        </p:par>
-                      </p:childTnLst>
-                    </p:cTn>
-                  </p:par>
-                  <p:par>
-                    <p:cTn id="23" fill="hold">
-                      <p:stCondLst>
-                        <p:cond delay="indefinite"/>
-                      </p:stCondLst>
-                      <p:childTnLst>
-                        <p:par>
-                          <p:cTn id="24" fill="hold">
-                            <p:stCondLst>
-                              <p:cond delay="0"/>
-                            </p:stCondLst>
-                            <p:childTnLst>
-                              <p:par>
-                                <p:cTn id="25" presetID="22" presetClass="entr" presetSubtype="4" fill="hold" nodeType="clickEffect">
-                                  <p:stCondLst>
-                                    <p:cond delay="0"/>
-                                  </p:stCondLst>
-                                  <p:childTnLst>
-                                    <p:set>
-                                      <p:cBhvr>
-                                        <p:cTn id="26" dur="1" fill="hold">
-                                          <p:stCondLst>
-                                            <p:cond delay="0"/>
-                                          </p:stCondLst>
-                                        </p:cTn>
-                                        <p:tgtEl>
-                                          <p:spTgt spid="3">
-                                            <p:txEl>
-                                              <p:pRg st="4" end="4"/>
-                                            </p:txEl>
-                                          </p:spTgt>
-                                        </p:tgtEl>
-                                        <p:attrNameLst>
-                                          <p:attrName>style.visibility</p:attrName>
-                                        </p:attrNameLst>
-                                      </p:cBhvr>
-                                      <p:to>
-                                        <p:strVal val="visible"/>
-                                      </p:to>
-                                    </p:set>
-                                    <p:animEffect transition="in" filter="wipe(down)">
-                                      <p:cBhvr>
-                                        <p:cTn id="27" dur="500"/>
-                                        <p:tgtEl>
-                                          <p:spTgt spid="3">
-                                            <p:txEl>
-                                              <p:pRg st="4" end="4"/>
-                                            </p:txEl>
-                                          </p:spTgt>
-                                        </p:tgtEl>
-                                      </p:cBhvr>
-                                    </p:animEffect>
-                                  </p:childTnLst>
-                                </p:cTn>
-                              </p:par>
-                            </p:childTnLst>
-                          </p:cTn>
-                        </p:par>
-                      </p:childTnLst>
-                    </p:cTn>
-                  </p:par>
-                  <p:par>
-                    <p:cTn id="28" fill="hold">
-                      <p:stCondLst>
-                        <p:cond delay="indefinite"/>
-                      </p:stCondLst>
-                      <p:childTnLst>
-                        <p:par>
-                          <p:cTn id="29" fill="hold">
-                            <p:stCondLst>
-                              <p:cond delay="0"/>
-                            </p:stCondLst>
-                            <p:childTnLst>
-                              <p:par>
-                                <p:cTn id="30" presetID="22" presetClass="entr" presetSubtype="4" fill="hold" nodeType="clickEffect">
-                                  <p:stCondLst>
-                                    <p:cond delay="0"/>
-                                  </p:stCondLst>
-                                  <p:childTnLst>
-                                    <p:set>
-                                      <p:cBhvr>
-                                        <p:cTn id="31" dur="1" fill="hold">
-                                          <p:stCondLst>
-                                            <p:cond delay="0"/>
-                                          </p:stCondLst>
-                                        </p:cTn>
-                                        <p:tgtEl>
-                                          <p:spTgt spid="3">
-                                            <p:txEl>
-                                              <p:pRg st="5" end="5"/>
-                                            </p:txEl>
-                                          </p:spTgt>
-                                        </p:tgtEl>
-                                        <p:attrNameLst>
-                                          <p:attrName>style.visibility</p:attrName>
-                                        </p:attrNameLst>
-                                      </p:cBhvr>
-                                      <p:to>
-                                        <p:strVal val="visible"/>
-                                      </p:to>
-                                    </p:set>
-                                    <p:animEffect transition="in" filter="wipe(down)">
-                                      <p:cBhvr>
-                                        <p:cTn id="32" dur="500"/>
-                                        <p:tgtEl>
-                                          <p:spTgt spid="3">
-                                            <p:txEl>
-                                              <p:pRg st="5" end="5"/>
-                                            </p:txEl>
-                                          </p:spTgt>
-                                        </p:tgtEl>
-                                      </p:cBhvr>
-                                    </p:animEffect>
-                                  </p:childTnLst>
-                                </p:cTn>
-                              </p:par>
-                            </p:childTnLst>
-                          </p:cTn>
-                        </p:par>
-                      </p:childTnLst>
-                    </p:cTn>
-                  </p:par>
-                  <p:par>
-                    <p:cTn id="33" fill="hold">
-                      <p:stCondLst>
-                        <p:cond delay="indefinite"/>
-                      </p:stCondLst>
-                      <p:childTnLst>
-                        <p:par>
-                          <p:cTn id="34" fill="hold">
-                            <p:stCondLst>
-                              <p:cond delay="0"/>
-                            </p:stCondLst>
-                            <p:childTnLst>
-                              <p:par>
-                                <p:cTn id="35" presetID="22" presetClass="entr" presetSubtype="4" fill="hold" nodeType="clickEffect">
-                                  <p:stCondLst>
-                                    <p:cond delay="0"/>
-                                  </p:stCondLst>
-                                  <p:childTnLst>
-                                    <p:set>
-                                      <p:cBhvr>
-                                        <p:cTn id="36" dur="1" fill="hold">
-                                          <p:stCondLst>
-                                            <p:cond delay="0"/>
-                                          </p:stCondLst>
-                                        </p:cTn>
-                                        <p:tgtEl>
-                                          <p:spTgt spid="3">
-                                            <p:txEl>
-                                              <p:pRg st="6" end="6"/>
-                                            </p:txEl>
-                                          </p:spTgt>
-                                        </p:tgtEl>
-                                        <p:attrNameLst>
-                                          <p:attrName>style.visibility</p:attrName>
-                                        </p:attrNameLst>
-                                      </p:cBhvr>
-                                      <p:to>
-                                        <p:strVal val="visible"/>
-                                      </p:to>
-                                    </p:set>
-                                    <p:animEffect transition="in" filter="wipe(down)">
-                                      <p:cBhvr>
-                                        <p:cTn id="37" dur="500"/>
-                                        <p:tgtEl>
-                                          <p:spTgt spid="3">
-                                            <p:txEl>
-                                              <p:pRg st="6" end="6"/>
                                             </p:txEl>
                                           </p:spTgt>
                                         </p:tgtEl>
@@ -52784,70 +56602,18 @@
         <a:srgbClr val="954F72"/>
       </a:folHlink>
     </a:clrScheme>
-    <a:fontScheme name="Office">
+    <a:fontScheme name="Consolas-Verdana">
       <a:majorFont>
-        <a:latin typeface="Calibri Light" panose="020F0302020204030204"/>
+        <a:latin typeface="Consolas" panose="020B0609020204030204"/>
         <a:ea typeface=""/>
         <a:cs typeface=""/>
-        <a:font script="Jpan" typeface="游ゴシック Light"/>
-        <a:font script="Hang" typeface="맑은 고딕"/>
-        <a:font script="Hans" typeface="等线 Light"/>
+        <a:font script="Jpan" typeface="HG丸ｺﾞｼｯｸM-PRO"/>
+        <a:font script="Hang" typeface="HY중고딕"/>
+        <a:font script="Hans" typeface="华文楷体"/>
         <a:font script="Hant" typeface="新細明體"/>
-        <a:font script="Arab" typeface="Times New Roman"/>
-        <a:font script="Hebr" typeface="Times New Roman"/>
-        <a:font script="Thai" typeface="Angsana New"/>
-        <a:font script="Ethi" typeface="Nyala"/>
-        <a:font script="Beng" typeface="Vrinda"/>
-        <a:font script="Gujr" typeface="Shruti"/>
-        <a:font script="Khmr" typeface="MoolBoran"/>
-        <a:font script="Knda" typeface="Tunga"/>
-        <a:font script="Guru" typeface="Raavi"/>
-        <a:font script="Cans" typeface="Euphemia"/>
-        <a:font script="Cher" typeface="Plantagenet Cherokee"/>
-        <a:font script="Yiii" typeface="Microsoft Yi Baiti"/>
-        <a:font script="Tibt" typeface="Microsoft Himalaya"/>
-        <a:font script="Thaa" typeface="MV Boli"/>
-        <a:font script="Deva" typeface="Mangal"/>
-        <a:font script="Telu" typeface="Gautami"/>
-        <a:font script="Taml" typeface="Latha"/>
-        <a:font script="Syrc" typeface="Estrangelo Edessa"/>
-        <a:font script="Orya" typeface="Kalinga"/>
-        <a:font script="Mlym" typeface="Kartika"/>
-        <a:font script="Laoo" typeface="DokChampa"/>
-        <a:font script="Sinh" typeface="Iskoola Pota"/>
-        <a:font script="Mong" typeface="Mongolian Baiti"/>
-        <a:font script="Viet" typeface="Times New Roman"/>
-        <a:font script="Uigh" typeface="Microsoft Uighur"/>
-        <a:font script="Geor" typeface="Sylfaen"/>
-        <a:font script="Armn" typeface="Arial"/>
-        <a:font script="Bugi" typeface="Leelawadee UI"/>
-        <a:font script="Bopo" typeface="Microsoft JhengHei"/>
-        <a:font script="Java" typeface="Javanese Text"/>
-        <a:font script="Lisu" typeface="Segoe UI"/>
-        <a:font script="Mymr" typeface="Myanmar Text"/>
-        <a:font script="Nkoo" typeface="Ebrima"/>
-        <a:font script="Olck" typeface="Nirmala UI"/>
-        <a:font script="Osma" typeface="Ebrima"/>
-        <a:font script="Phag" typeface="Phagspa"/>
-        <a:font script="Syrn" typeface="Estrangelo Edessa"/>
-        <a:font script="Syrj" typeface="Estrangelo Edessa"/>
-        <a:font script="Syre" typeface="Estrangelo Edessa"/>
-        <a:font script="Sora" typeface="Nirmala UI"/>
-        <a:font script="Tale" typeface="Microsoft Tai Le"/>
-        <a:font script="Talu" typeface="Microsoft New Tai Lue"/>
-        <a:font script="Tfng" typeface="Ebrima"/>
-      </a:majorFont>
-      <a:minorFont>
-        <a:latin typeface="Calibri" panose="020F0502020204030204"/>
-        <a:ea typeface=""/>
-        <a:cs typeface=""/>
-        <a:font script="Jpan" typeface="游ゴシック"/>
-        <a:font script="Hang" typeface="맑은 고딕"/>
-        <a:font script="Hans" typeface="等线"/>
-        <a:font script="Hant" typeface="新細明體"/>
-        <a:font script="Arab" typeface="Arial"/>
-        <a:font script="Hebr" typeface="Arial"/>
-        <a:font script="Thai" typeface="Cordia New"/>
+        <a:font script="Arab" typeface="Tahoma"/>
+        <a:font script="Hebr" typeface="Levenim MT"/>
+        <a:font script="Thai" typeface="DilleniaUPC"/>
         <a:font script="Ethi" typeface="Nyala"/>
         <a:font script="Beng" typeface="Vrinda"/>
         <a:font script="Gujr" typeface="Shruti"/>
@@ -52868,26 +56634,44 @@
         <a:font script="Laoo" typeface="DokChampa"/>
         <a:font script="Sinh" typeface="Iskoola Pota"/>
         <a:font script="Mong" typeface="Mongolian Baiti"/>
-        <a:font script="Viet" typeface="Arial"/>
+        <a:font script="Viet" typeface="Tahoma"/>
         <a:font script="Uigh" typeface="Microsoft Uighur"/>
         <a:font script="Geor" typeface="Sylfaen"/>
-        <a:font script="Armn" typeface="Arial"/>
-        <a:font script="Bugi" typeface="Leelawadee UI"/>
-        <a:font script="Bopo" typeface="Microsoft JhengHei"/>
-        <a:font script="Java" typeface="Javanese Text"/>
-        <a:font script="Lisu" typeface="Segoe UI"/>
-        <a:font script="Mymr" typeface="Myanmar Text"/>
-        <a:font script="Nkoo" typeface="Ebrima"/>
-        <a:font script="Olck" typeface="Nirmala UI"/>
-        <a:font script="Osma" typeface="Ebrima"/>
-        <a:font script="Phag" typeface="Phagspa"/>
-        <a:font script="Syrn" typeface="Estrangelo Edessa"/>
-        <a:font script="Syrj" typeface="Estrangelo Edessa"/>
-        <a:font script="Syre" typeface="Estrangelo Edessa"/>
-        <a:font script="Sora" typeface="Nirmala UI"/>
-        <a:font script="Tale" typeface="Microsoft Tai Le"/>
-        <a:font script="Talu" typeface="Microsoft New Tai Lue"/>
-        <a:font script="Tfng" typeface="Ebrima"/>
+      </a:majorFont>
+      <a:minorFont>
+        <a:latin typeface="Verdana" panose="020B0604030504040204"/>
+        <a:ea typeface=""/>
+        <a:cs typeface=""/>
+        <a:font script="Jpan" typeface="ＭＳ ゴシック"/>
+        <a:font script="Hang" typeface="굴림"/>
+        <a:font script="Hans" typeface="微软雅黑"/>
+        <a:font script="Hant" typeface="微軟正黑體"/>
+        <a:font script="Arab" typeface="Tahoma"/>
+        <a:font script="Hebr" typeface="Tahoma"/>
+        <a:font script="Thai" typeface="FreesiaUPC"/>
+        <a:font script="Ethi" typeface="Nyala"/>
+        <a:font script="Beng" typeface="Vrinda"/>
+        <a:font script="Gujr" typeface="Shruti"/>
+        <a:font script="Khmr" typeface="DaunPenh"/>
+        <a:font script="Knda" typeface="Tunga"/>
+        <a:font script="Guru" typeface="Raavi"/>
+        <a:font script="Cans" typeface="Euphemia"/>
+        <a:font script="Cher" typeface="Plantagenet Cherokee"/>
+        <a:font script="Yiii" typeface="Microsoft Yi Baiti"/>
+        <a:font script="Tibt" typeface="Microsoft Himalaya"/>
+        <a:font script="Thaa" typeface="MV Boli"/>
+        <a:font script="Deva" typeface="Mangal"/>
+        <a:font script="Telu" typeface="Gautami"/>
+        <a:font script="Taml" typeface="Latha"/>
+        <a:font script="Syrc" typeface="Estrangelo Edessa"/>
+        <a:font script="Orya" typeface="Kalinga"/>
+        <a:font script="Mlym" typeface="Kartika"/>
+        <a:font script="Laoo" typeface="DokChampa"/>
+        <a:font script="Sinh" typeface="Iskoola Pota"/>
+        <a:font script="Mong" typeface="Mongolian Baiti"/>
+        <a:font script="Viet" typeface="Verdana"/>
+        <a:font script="Uigh" typeface="Microsoft Uighur"/>
+        <a:font script="Geor" typeface="Sylfaen"/>
       </a:minorFont>
     </a:fontScheme>
     <a:fmtScheme name="Office">
